--- a/Презентация1.pptx
+++ b/Презентация1.pptx
@@ -39,6 +39,13 @@
     <p:sldId id="287" r:id="rId33"/>
     <p:sldId id="288" r:id="rId34"/>
     <p:sldId id="289" r:id="rId35"/>
+    <p:sldId id="290" r:id="rId36"/>
+    <p:sldId id="291" r:id="rId37"/>
+    <p:sldId id="292" r:id="rId38"/>
+    <p:sldId id="293" r:id="rId39"/>
+    <p:sldId id="294" r:id="rId40"/>
+    <p:sldId id="295" r:id="rId41"/>
+    <p:sldId id="296" r:id="rId42"/>
   </p:sldIdLst>
   <p:sldSz cx="12192000" cy="6858000"/>
   <p:notesSz cx="6858000" cy="9144000"/>
@@ -176,6 +183,13 @@
             <p14:sldId id="287"/>
             <p14:sldId id="288"/>
             <p14:sldId id="289"/>
+            <p14:sldId id="290"/>
+            <p14:sldId id="291"/>
+            <p14:sldId id="292"/>
+            <p14:sldId id="293"/>
+            <p14:sldId id="294"/>
+            <p14:sldId id="295"/>
+            <p14:sldId id="296"/>
           </p14:sldIdLst>
         </p14:section>
       </p14:sectionLst>
@@ -1383,7 +1397,7 @@
           <a:p>
             <a:fld id="{B28E4336-F148-433E-B6EE-9323191A377D}" type="datetimeFigureOut">
               <a:rPr lang="ru-RU" smtClean="0"/>
-              <a:t>02.12.2025</a:t>
+              <a:t>11.12.2025</a:t>
             </a:fld>
             <a:endParaRPr lang="ru-RU"/>
           </a:p>
@@ -1551,7 +1565,7 @@
           <a:p>
             <a:fld id="{B28E4336-F148-433E-B6EE-9323191A377D}" type="datetimeFigureOut">
               <a:rPr lang="ru-RU" smtClean="0"/>
-              <a:t>02.12.2025</a:t>
+              <a:t>11.12.2025</a:t>
             </a:fld>
             <a:endParaRPr lang="ru-RU"/>
           </a:p>
@@ -1729,7 +1743,7 @@
           <a:p>
             <a:fld id="{B28E4336-F148-433E-B6EE-9323191A377D}" type="datetimeFigureOut">
               <a:rPr lang="ru-RU" smtClean="0"/>
-              <a:t>02.12.2025</a:t>
+              <a:t>11.12.2025</a:t>
             </a:fld>
             <a:endParaRPr lang="ru-RU"/>
           </a:p>
@@ -1897,7 +1911,7 @@
           <a:p>
             <a:fld id="{B28E4336-F148-433E-B6EE-9323191A377D}" type="datetimeFigureOut">
               <a:rPr lang="ru-RU" smtClean="0"/>
-              <a:t>02.12.2025</a:t>
+              <a:t>11.12.2025</a:t>
             </a:fld>
             <a:endParaRPr lang="ru-RU"/>
           </a:p>
@@ -2142,7 +2156,7 @@
           <a:p>
             <a:fld id="{B28E4336-F148-433E-B6EE-9323191A377D}" type="datetimeFigureOut">
               <a:rPr lang="ru-RU" smtClean="0"/>
-              <a:t>02.12.2025</a:t>
+              <a:t>11.12.2025</a:t>
             </a:fld>
             <a:endParaRPr lang="ru-RU"/>
           </a:p>
@@ -2371,7 +2385,7 @@
           <a:p>
             <a:fld id="{B28E4336-F148-433E-B6EE-9323191A377D}" type="datetimeFigureOut">
               <a:rPr lang="ru-RU" smtClean="0"/>
-              <a:t>02.12.2025</a:t>
+              <a:t>11.12.2025</a:t>
             </a:fld>
             <a:endParaRPr lang="ru-RU"/>
           </a:p>
@@ -2735,7 +2749,7 @@
           <a:p>
             <a:fld id="{B28E4336-F148-433E-B6EE-9323191A377D}" type="datetimeFigureOut">
               <a:rPr lang="ru-RU" smtClean="0"/>
-              <a:t>02.12.2025</a:t>
+              <a:t>11.12.2025</a:t>
             </a:fld>
             <a:endParaRPr lang="ru-RU"/>
           </a:p>
@@ -2852,7 +2866,7 @@
           <a:p>
             <a:fld id="{B28E4336-F148-433E-B6EE-9323191A377D}" type="datetimeFigureOut">
               <a:rPr lang="ru-RU" smtClean="0"/>
-              <a:t>02.12.2025</a:t>
+              <a:t>11.12.2025</a:t>
             </a:fld>
             <a:endParaRPr lang="ru-RU"/>
           </a:p>
@@ -2947,7 +2961,7 @@
           <a:p>
             <a:fld id="{B28E4336-F148-433E-B6EE-9323191A377D}" type="datetimeFigureOut">
               <a:rPr lang="ru-RU" smtClean="0"/>
-              <a:t>02.12.2025</a:t>
+              <a:t>11.12.2025</a:t>
             </a:fld>
             <a:endParaRPr lang="ru-RU"/>
           </a:p>
@@ -3222,7 +3236,7 @@
           <a:p>
             <a:fld id="{B28E4336-F148-433E-B6EE-9323191A377D}" type="datetimeFigureOut">
               <a:rPr lang="ru-RU" smtClean="0"/>
-              <a:t>02.12.2025</a:t>
+              <a:t>11.12.2025</a:t>
             </a:fld>
             <a:endParaRPr lang="ru-RU"/>
           </a:p>
@@ -3474,7 +3488,7 @@
           <a:p>
             <a:fld id="{B28E4336-F148-433E-B6EE-9323191A377D}" type="datetimeFigureOut">
               <a:rPr lang="ru-RU" smtClean="0"/>
-              <a:t>02.12.2025</a:t>
+              <a:t>11.12.2025</a:t>
             </a:fld>
             <a:endParaRPr lang="ru-RU"/>
           </a:p>
@@ -3685,7 +3699,7 @@
           <a:p>
             <a:fld id="{B28E4336-F148-433E-B6EE-9323191A377D}" type="datetimeFigureOut">
               <a:rPr lang="ru-RU" smtClean="0"/>
-              <a:t>02.12.2025</a:t>
+              <a:t>11.12.2025</a:t>
             </a:fld>
             <a:endParaRPr lang="ru-RU"/>
           </a:p>
@@ -31120,6 +31134,6589 @@
 </p:sld>
 </file>
 
+<file path=ppt/slides/slide35.xml><?xml version="1.0" encoding="utf-8"?>
+<p:sld xmlns:a="http://schemas.openxmlformats.org/drawingml/2006/main" xmlns:r="http://schemas.openxmlformats.org/officeDocument/2006/relationships" xmlns:p="http://schemas.openxmlformats.org/presentationml/2006/main">
+  <p:cSld>
+    <p:spTree>
+      <p:nvGrpSpPr>
+        <p:cNvPr id="1" name="">
+          <a:extLst>
+            <a:ext uri="{FF2B5EF4-FFF2-40B4-BE49-F238E27FC236}">
+              <a16:creationId xmlns:a16="http://schemas.microsoft.com/office/drawing/2014/main" id="{1CED95EE-9878-5DB7-F2AA-458C7F3B4FEB}"/>
+            </a:ext>
+          </a:extLst>
+        </p:cNvPr>
+        <p:cNvGrpSpPr/>
+        <p:nvPr/>
+      </p:nvGrpSpPr>
+      <p:grpSpPr>
+        <a:xfrm>
+          <a:off x="0" y="0"/>
+          <a:ext cx="0" cy="0"/>
+          <a:chOff x="0" y="0"/>
+          <a:chExt cx="0" cy="0"/>
+        </a:xfrm>
+      </p:grpSpPr>
+      <p:sp>
+        <p:nvSpPr>
+          <p:cNvPr id="14" name="Овал 13">
+            <a:extLst>
+              <a:ext uri="{FF2B5EF4-FFF2-40B4-BE49-F238E27FC236}">
+                <a16:creationId xmlns:a16="http://schemas.microsoft.com/office/drawing/2014/main" id="{5B6C4597-3C0D-C8C2-0BFB-D422255718B9}"/>
+              </a:ext>
+            </a:extLst>
+          </p:cNvPr>
+          <p:cNvSpPr/>
+          <p:nvPr/>
+        </p:nvSpPr>
+        <p:spPr>
+          <a:xfrm rot="1548438">
+            <a:off x="-4585204" y="-5981371"/>
+            <a:ext cx="19996152" cy="17378114"/>
+          </a:xfrm>
+          <a:prstGeom prst="ellipse">
+            <a:avLst/>
+          </a:prstGeom>
+          <a:gradFill flip="none" rotWithShape="1">
+            <a:gsLst>
+              <a:gs pos="0">
+                <a:srgbClr val="002D76"/>
+              </a:gs>
+              <a:gs pos="100000">
+                <a:srgbClr val="72A7FE"/>
+              </a:gs>
+              <a:gs pos="0">
+                <a:srgbClr val="1B71FD"/>
+              </a:gs>
+            </a:gsLst>
+            <a:path path="circle">
+              <a:fillToRect l="50000" t="50000" r="50000" b="50000"/>
+            </a:path>
+            <a:tileRect/>
+          </a:gradFill>
+          <a:effectLst>
+            <a:softEdge rad="1270000"/>
+          </a:effectLst>
+        </p:spPr>
+        <p:style>
+          <a:lnRef idx="2">
+            <a:schemeClr val="accent1">
+              <a:shade val="50000"/>
+            </a:schemeClr>
+          </a:lnRef>
+          <a:fillRef idx="1">
+            <a:schemeClr val="accent1"/>
+          </a:fillRef>
+          <a:effectRef idx="0">
+            <a:schemeClr val="accent1"/>
+          </a:effectRef>
+          <a:fontRef idx="minor">
+            <a:schemeClr val="lt1"/>
+          </a:fontRef>
+        </p:style>
+        <p:txBody>
+          <a:bodyPr rtlCol="0" anchor="ctr"/>
+          <a:lstStyle/>
+          <a:p>
+            <a:pPr algn="ctr"/>
+            <a:endParaRPr lang="ru-RU" dirty="0"/>
+          </a:p>
+        </p:txBody>
+      </p:sp>
+      <p:sp>
+        <p:nvSpPr>
+          <p:cNvPr id="16" name="Овал 15">
+            <a:extLst>
+              <a:ext uri="{FF2B5EF4-FFF2-40B4-BE49-F238E27FC236}">
+                <a16:creationId xmlns:a16="http://schemas.microsoft.com/office/drawing/2014/main" id="{54201FFC-A609-3BAE-DCB9-C1E0ABC748D6}"/>
+              </a:ext>
+            </a:extLst>
+          </p:cNvPr>
+          <p:cNvSpPr/>
+          <p:nvPr/>
+        </p:nvSpPr>
+        <p:spPr>
+          <a:xfrm rot="16200000">
+            <a:off x="-5404230" y="-5458872"/>
+            <a:ext cx="14170269" cy="10463474"/>
+          </a:xfrm>
+          <a:prstGeom prst="ellipse">
+            <a:avLst/>
+          </a:prstGeom>
+          <a:gradFill flip="none" rotWithShape="1">
+            <a:gsLst>
+              <a:gs pos="100000">
+                <a:srgbClr val="137C87"/>
+              </a:gs>
+              <a:gs pos="0">
+                <a:srgbClr val="4AD6E5"/>
+              </a:gs>
+            </a:gsLst>
+            <a:path path="circle">
+              <a:fillToRect l="50000" t="50000" r="50000" b="50000"/>
+            </a:path>
+            <a:tileRect/>
+          </a:gradFill>
+          <a:effectLst>
+            <a:softEdge rad="1270000"/>
+          </a:effectLst>
+        </p:spPr>
+        <p:style>
+          <a:lnRef idx="2">
+            <a:schemeClr val="accent1">
+              <a:shade val="50000"/>
+            </a:schemeClr>
+          </a:lnRef>
+          <a:fillRef idx="1">
+            <a:schemeClr val="accent1"/>
+          </a:fillRef>
+          <a:effectRef idx="0">
+            <a:schemeClr val="accent1"/>
+          </a:effectRef>
+          <a:fontRef idx="minor">
+            <a:schemeClr val="lt1"/>
+          </a:fontRef>
+        </p:style>
+        <p:txBody>
+          <a:bodyPr rtlCol="0" anchor="ctr"/>
+          <a:lstStyle/>
+          <a:p>
+            <a:pPr algn="ctr"/>
+            <a:endParaRPr lang="ru-RU" dirty="0"/>
+          </a:p>
+        </p:txBody>
+      </p:sp>
+      <p:sp>
+        <p:nvSpPr>
+          <p:cNvPr id="17" name="Овал 16">
+            <a:extLst>
+              <a:ext uri="{FF2B5EF4-FFF2-40B4-BE49-F238E27FC236}">
+                <a16:creationId xmlns:a16="http://schemas.microsoft.com/office/drawing/2014/main" id="{1BA60D5E-37DD-06FD-F379-4B5CB3B81DEF}"/>
+              </a:ext>
+            </a:extLst>
+          </p:cNvPr>
+          <p:cNvSpPr/>
+          <p:nvPr/>
+        </p:nvSpPr>
+        <p:spPr>
+          <a:xfrm rot="19898243">
+            <a:off x="4268775" y="3311716"/>
+            <a:ext cx="13974658" cy="9089345"/>
+          </a:xfrm>
+          <a:prstGeom prst="ellipse">
+            <a:avLst/>
+          </a:prstGeom>
+          <a:gradFill flip="none" rotWithShape="1">
+            <a:gsLst>
+              <a:gs pos="0">
+                <a:srgbClr val="156EFF"/>
+              </a:gs>
+              <a:gs pos="85000">
+                <a:srgbClr val="0046B8"/>
+              </a:gs>
+              <a:gs pos="0">
+                <a:srgbClr val="0153D9"/>
+              </a:gs>
+            </a:gsLst>
+            <a:path path="circle">
+              <a:fillToRect l="50000" t="50000" r="50000" b="50000"/>
+            </a:path>
+            <a:tileRect/>
+          </a:gradFill>
+          <a:effectLst>
+            <a:softEdge rad="1270000"/>
+          </a:effectLst>
+        </p:spPr>
+        <p:style>
+          <a:lnRef idx="2">
+            <a:schemeClr val="accent1">
+              <a:shade val="50000"/>
+            </a:schemeClr>
+          </a:lnRef>
+          <a:fillRef idx="1">
+            <a:schemeClr val="accent1"/>
+          </a:fillRef>
+          <a:effectRef idx="0">
+            <a:schemeClr val="accent1"/>
+          </a:effectRef>
+          <a:fontRef idx="minor">
+            <a:schemeClr val="lt1"/>
+          </a:fontRef>
+        </p:style>
+        <p:txBody>
+          <a:bodyPr rtlCol="0" anchor="ctr"/>
+          <a:lstStyle/>
+          <a:p>
+            <a:pPr algn="ctr"/>
+            <a:endParaRPr lang="ru-RU"/>
+          </a:p>
+        </p:txBody>
+      </p:sp>
+      <p:sp>
+        <p:nvSpPr>
+          <p:cNvPr id="2" name="TextBox 1"/>
+          <p:cNvSpPr txBox="1"/>
+          <p:nvPr/>
+        </p:nvSpPr>
+        <p:spPr>
+          <a:xfrm>
+            <a:off x="3048000" y="185079"/>
+            <a:ext cx="5698996" cy="461665"/>
+          </a:xfrm>
+          <a:prstGeom prst="rect">
+            <a:avLst/>
+          </a:prstGeom>
+          <a:noFill/>
+        </p:spPr>
+        <p:txBody>
+          <a:bodyPr wrap="none" rtlCol="0">
+            <a:spAutoFit/>
+          </a:bodyPr>
+          <a:lstStyle/>
+          <a:p>
+            <a:pPr lvl="0"/>
+            <a:r>
+              <a:rPr lang="ru-RU" sz="2400" b="1" u="sng" dirty="0">
+                <a:solidFill>
+                  <a:schemeClr val="bg1">
+                    <a:lumMod val="95000"/>
+                  </a:schemeClr>
+                </a:solidFill>
+                <a:effectLst>
+                  <a:outerShdw blurRad="38100" dist="38100" dir="2700000" algn="tl">
+                    <a:srgbClr val="000000">
+                      <a:alpha val="43137"/>
+                    </a:srgbClr>
+                  </a:outerShdw>
+                </a:effectLst>
+                <a:latin typeface="Century Gothic" panose="020B0502020202020204" pitchFamily="34" charset="0"/>
+              </a:rPr>
+              <a:t>Расчёт стоимости разработки ПО </a:t>
+            </a:r>
+          </a:p>
+        </p:txBody>
+      </p:sp>
+      <p:sp>
+        <p:nvSpPr>
+          <p:cNvPr id="5" name="Прямоугольник 4"/>
+          <p:cNvSpPr/>
+          <p:nvPr/>
+        </p:nvSpPr>
+        <p:spPr>
+          <a:xfrm>
+            <a:off x="2809875" y="715101"/>
+            <a:ext cx="7497138" cy="446276"/>
+          </a:xfrm>
+          <a:prstGeom prst="rect">
+            <a:avLst/>
+          </a:prstGeom>
+        </p:spPr>
+        <p:txBody>
+          <a:bodyPr wrap="square">
+            <a:spAutoFit/>
+          </a:bodyPr>
+          <a:lstStyle/>
+          <a:p>
+            <a:r>
+              <a:rPr lang="ru-RU" sz="2300" b="1" dirty="0" smtClean="0">
+                <a:solidFill>
+                  <a:schemeClr val="bg1">
+                    <a:lumMod val="95000"/>
+                  </a:schemeClr>
+                </a:solidFill>
+                <a:effectLst>
+                  <a:outerShdw blurRad="38100" dist="38100" dir="2700000" algn="tl">
+                    <a:srgbClr val="000000">
+                      <a:alpha val="43137"/>
+                    </a:srgbClr>
+                  </a:outerShdw>
+                </a:effectLst>
+                <a:latin typeface="Century Gothic" panose="020B0502020202020204" pitchFamily="34" charset="0"/>
+              </a:rPr>
+              <a:t>Сравнительный</a:t>
+            </a:r>
+            <a:r>
+              <a:rPr lang="en-US" sz="2300" b="1" dirty="0">
+                <a:solidFill>
+                  <a:schemeClr val="bg1">
+                    <a:lumMod val="95000"/>
+                  </a:schemeClr>
+                </a:solidFill>
+                <a:effectLst>
+                  <a:outerShdw blurRad="38100" dist="38100" dir="2700000" algn="tl">
+                    <a:srgbClr val="000000">
+                      <a:alpha val="43137"/>
+                    </a:srgbClr>
+                  </a:outerShdw>
+                </a:effectLst>
+                <a:latin typeface="Century Gothic" panose="020B0502020202020204" pitchFamily="34" charset="0"/>
+              </a:rPr>
+              <a:t> </a:t>
+            </a:r>
+            <a:r>
+              <a:rPr lang="ru-RU" sz="2300" b="1" dirty="0" smtClean="0">
+                <a:solidFill>
+                  <a:schemeClr val="bg1">
+                    <a:lumMod val="95000"/>
+                  </a:schemeClr>
+                </a:solidFill>
+                <a:effectLst>
+                  <a:outerShdw blurRad="38100" dist="38100" dir="2700000" algn="tl">
+                    <a:srgbClr val="000000">
+                      <a:alpha val="43137"/>
+                    </a:srgbClr>
+                  </a:outerShdw>
+                </a:effectLst>
+                <a:latin typeface="Century Gothic" panose="020B0502020202020204" pitchFamily="34" charset="0"/>
+              </a:rPr>
+              <a:t>анализ</a:t>
+            </a:r>
+            <a:r>
+              <a:rPr lang="en-US" sz="2300" b="1" dirty="0" smtClean="0">
+                <a:solidFill>
+                  <a:schemeClr val="bg1">
+                    <a:lumMod val="95000"/>
+                  </a:schemeClr>
+                </a:solidFill>
+                <a:effectLst>
+                  <a:outerShdw blurRad="38100" dist="38100" dir="2700000" algn="tl">
+                    <a:srgbClr val="000000">
+                      <a:alpha val="43137"/>
+                    </a:srgbClr>
+                  </a:outerShdw>
+                </a:effectLst>
+                <a:latin typeface="Century Gothic" panose="020B0502020202020204" pitchFamily="34" charset="0"/>
+              </a:rPr>
+              <a:t> </a:t>
+            </a:r>
+            <a:r>
+              <a:rPr lang="ru-RU" sz="2300" b="1" dirty="0" smtClean="0">
+                <a:solidFill>
+                  <a:schemeClr val="bg1">
+                    <a:lumMod val="95000"/>
+                  </a:schemeClr>
+                </a:solidFill>
+                <a:effectLst>
+                  <a:outerShdw blurRad="38100" dist="38100" dir="2700000" algn="tl">
+                    <a:srgbClr val="000000">
+                      <a:alpha val="43137"/>
+                    </a:srgbClr>
+                  </a:outerShdw>
+                </a:effectLst>
+                <a:latin typeface="Century Gothic" panose="020B0502020202020204" pitchFamily="34" charset="0"/>
+              </a:rPr>
+              <a:t>методов расчёта</a:t>
+            </a:r>
+            <a:r>
+              <a:rPr lang="en-US" sz="2300" b="1" dirty="0" smtClean="0">
+                <a:solidFill>
+                  <a:schemeClr val="bg1">
+                    <a:lumMod val="95000"/>
+                  </a:schemeClr>
+                </a:solidFill>
+                <a:effectLst>
+                  <a:outerShdw blurRad="38100" dist="38100" dir="2700000" algn="tl">
+                    <a:srgbClr val="000000">
+                      <a:alpha val="43137"/>
+                    </a:srgbClr>
+                  </a:outerShdw>
+                </a:effectLst>
+                <a:latin typeface="Century Gothic" panose="020B0502020202020204" pitchFamily="34" charset="0"/>
+              </a:rPr>
+              <a:t>:</a:t>
+            </a:r>
+            <a:endParaRPr lang="ru-RU" sz="2300" b="0" i="0" dirty="0">
+              <a:solidFill>
+                <a:schemeClr val="bg1">
+                  <a:lumMod val="95000"/>
+                </a:schemeClr>
+              </a:solidFill>
+              <a:effectLst>
+                <a:outerShdw blurRad="38100" dist="38100" dir="2700000" algn="tl">
+                  <a:srgbClr val="000000">
+                    <a:alpha val="43137"/>
+                  </a:srgbClr>
+                </a:outerShdw>
+              </a:effectLst>
+              <a:latin typeface="Century Gothic" panose="020B0502020202020204" pitchFamily="34" charset="0"/>
+            </a:endParaRPr>
+          </a:p>
+        </p:txBody>
+      </p:sp>
+      <p:graphicFrame>
+        <p:nvGraphicFramePr>
+          <p:cNvPr id="3" name="Таблица 2"/>
+          <p:cNvGraphicFramePr>
+            <a:graphicFrameLocks noGrp="1"/>
+          </p:cNvGraphicFramePr>
+          <p:nvPr>
+            <p:extLst>
+              <p:ext uri="{D42A27DB-BD31-4B8C-83A1-F6EECF244321}">
+                <p14:modId xmlns:p14="http://schemas.microsoft.com/office/powerpoint/2010/main" val="232122760"/>
+              </p:ext>
+            </p:extLst>
+          </p:nvPr>
+        </p:nvGraphicFramePr>
+        <p:xfrm>
+          <a:off x="95249" y="1201832"/>
+          <a:ext cx="11696701" cy="5008467"/>
+        </p:xfrm>
+        <a:graphic>
+          <a:graphicData uri="http://schemas.openxmlformats.org/drawingml/2006/table">
+            <a:tbl>
+              <a:tblPr firstRow="1" firstCol="1" bandRow="1">
+                <a:tableStyleId>{5C22544A-7EE6-4342-B048-85BDC9FD1C3A}</a:tableStyleId>
+              </a:tblPr>
+              <a:tblGrid>
+                <a:gridCol w="1387745">
+                  <a:extLst>
+                    <a:ext uri="{9D8B030D-6E8A-4147-A177-3AD203B41FA5}">
+                      <a16:colId xmlns:a16="http://schemas.microsoft.com/office/drawing/2014/main" val="472144581"/>
+                    </a:ext>
+                  </a:extLst>
+                </a:gridCol>
+                <a:gridCol w="2577239">
+                  <a:extLst>
+                    <a:ext uri="{9D8B030D-6E8A-4147-A177-3AD203B41FA5}">
+                      <a16:colId xmlns:a16="http://schemas.microsoft.com/office/drawing/2014/main" val="1650724018"/>
+                    </a:ext>
+                  </a:extLst>
+                </a:gridCol>
+                <a:gridCol w="2577239">
+                  <a:extLst>
+                    <a:ext uri="{9D8B030D-6E8A-4147-A177-3AD203B41FA5}">
+                      <a16:colId xmlns:a16="http://schemas.microsoft.com/office/drawing/2014/main" val="1348368982"/>
+                    </a:ext>
+                  </a:extLst>
+                </a:gridCol>
+                <a:gridCol w="2577239">
+                  <a:extLst>
+                    <a:ext uri="{9D8B030D-6E8A-4147-A177-3AD203B41FA5}">
+                      <a16:colId xmlns:a16="http://schemas.microsoft.com/office/drawing/2014/main" val="2604484192"/>
+                    </a:ext>
+                  </a:extLst>
+                </a:gridCol>
+                <a:gridCol w="2577239">
+                  <a:extLst>
+                    <a:ext uri="{9D8B030D-6E8A-4147-A177-3AD203B41FA5}">
+                      <a16:colId xmlns:a16="http://schemas.microsoft.com/office/drawing/2014/main" val="879172840"/>
+                    </a:ext>
+                  </a:extLst>
+                </a:gridCol>
+              </a:tblGrid>
+              <a:tr h="566373">
+                <a:tc>
+                  <a:txBody>
+                    <a:bodyPr/>
+                    <a:lstStyle/>
+                    <a:p>
+                      <a:pPr>
+                        <a:lnSpc>
+                          <a:spcPts val="1875"/>
+                        </a:lnSpc>
+                        <a:spcAft>
+                          <a:spcPts val="800"/>
+                        </a:spcAft>
+                      </a:pPr>
+                      <a:r>
+                        <a:rPr lang="ru-RU" sz="1100" kern="100" dirty="0">
+                          <a:effectLst/>
+                        </a:rPr>
+                        <a:t>Метод</a:t>
+                      </a:r>
+                      <a:endParaRPr lang="ru-RU" sz="1100" kern="100" dirty="0">
+                        <a:effectLst/>
+                        <a:latin typeface="Aptos"/>
+                        <a:ea typeface="Aptos"/>
+                        <a:cs typeface="Times New Roman" panose="02020603050405020304" pitchFamily="18" charset="0"/>
+                      </a:endParaRPr>
+                    </a:p>
+                  </a:txBody>
+                  <a:tcPr marL="0" marR="152400" marT="95250" marB="95250" anchor="ctr"/>
+                </a:tc>
+                <a:tc>
+                  <a:txBody>
+                    <a:bodyPr/>
+                    <a:lstStyle/>
+                    <a:p>
+                      <a:pPr>
+                        <a:lnSpc>
+                          <a:spcPts val="1875"/>
+                        </a:lnSpc>
+                        <a:spcAft>
+                          <a:spcPts val="800"/>
+                        </a:spcAft>
+                      </a:pPr>
+                      <a:r>
+                        <a:rPr lang="ru-RU" sz="1100" kern="100" dirty="0">
+                          <a:effectLst/>
+                        </a:rPr>
+                        <a:t>Трудозатраты (</a:t>
+                      </a:r>
+                      <a:r>
+                        <a:rPr lang="ru-RU" sz="1100" kern="100" dirty="0" err="1">
+                          <a:effectLst/>
+                        </a:rPr>
+                        <a:t>чел.мес</a:t>
+                      </a:r>
+                      <a:r>
+                        <a:rPr lang="ru-RU" sz="1100" kern="100" dirty="0">
+                          <a:effectLst/>
+                        </a:rPr>
+                        <a:t>)</a:t>
+                      </a:r>
+                      <a:endParaRPr lang="ru-RU" sz="1100" kern="100" dirty="0">
+                        <a:effectLst/>
+                        <a:latin typeface="Aptos"/>
+                        <a:ea typeface="Aptos"/>
+                        <a:cs typeface="Times New Roman" panose="02020603050405020304" pitchFamily="18" charset="0"/>
+                      </a:endParaRPr>
+                    </a:p>
+                  </a:txBody>
+                  <a:tcPr marL="152400" marR="152400" marT="95250" marB="95250" anchor="ctr"/>
+                </a:tc>
+                <a:tc>
+                  <a:txBody>
+                    <a:bodyPr/>
+                    <a:lstStyle/>
+                    <a:p>
+                      <a:pPr>
+                        <a:lnSpc>
+                          <a:spcPts val="1875"/>
+                        </a:lnSpc>
+                        <a:spcAft>
+                          <a:spcPts val="800"/>
+                        </a:spcAft>
+                      </a:pPr>
+                      <a:r>
+                        <a:rPr lang="ru-RU" sz="1100" kern="100" dirty="0">
+                          <a:effectLst/>
+                        </a:rPr>
+                        <a:t>Стоимость (</a:t>
+                      </a:r>
+                      <a:r>
+                        <a:rPr lang="ru-RU" sz="1100" kern="100" dirty="0" err="1">
+                          <a:effectLst/>
+                        </a:rPr>
+                        <a:t>руб</a:t>
+                      </a:r>
+                      <a:r>
+                        <a:rPr lang="ru-RU" sz="1100" kern="100" dirty="0">
+                          <a:effectLst/>
+                        </a:rPr>
+                        <a:t>)</a:t>
+                      </a:r>
+                      <a:endParaRPr lang="ru-RU" sz="1100" kern="100" dirty="0">
+                        <a:effectLst/>
+                        <a:latin typeface="Aptos"/>
+                        <a:ea typeface="Aptos"/>
+                        <a:cs typeface="Times New Roman" panose="02020603050405020304" pitchFamily="18" charset="0"/>
+                      </a:endParaRPr>
+                    </a:p>
+                  </a:txBody>
+                  <a:tcPr marL="152400" marR="152400" marT="95250" marB="95250" anchor="ctr"/>
+                </a:tc>
+                <a:tc>
+                  <a:txBody>
+                    <a:bodyPr/>
+                    <a:lstStyle/>
+                    <a:p>
+                      <a:pPr>
+                        <a:lnSpc>
+                          <a:spcPts val="1875"/>
+                        </a:lnSpc>
+                        <a:spcAft>
+                          <a:spcPts val="800"/>
+                        </a:spcAft>
+                      </a:pPr>
+                      <a:r>
+                        <a:rPr lang="ru-RU" sz="1100" kern="100">
+                          <a:effectLst/>
+                        </a:rPr>
+                        <a:t>Плюсы</a:t>
+                      </a:r>
+                      <a:endParaRPr lang="ru-RU" sz="1100" kern="100">
+                        <a:effectLst/>
+                        <a:latin typeface="Aptos"/>
+                        <a:ea typeface="Aptos"/>
+                        <a:cs typeface="Times New Roman" panose="02020603050405020304" pitchFamily="18" charset="0"/>
+                      </a:endParaRPr>
+                    </a:p>
+                  </a:txBody>
+                  <a:tcPr marL="152400" marR="152400" marT="95250" marB="95250" anchor="ctr"/>
+                </a:tc>
+                <a:tc>
+                  <a:txBody>
+                    <a:bodyPr/>
+                    <a:lstStyle/>
+                    <a:p>
+                      <a:pPr>
+                        <a:lnSpc>
+                          <a:spcPts val="1875"/>
+                        </a:lnSpc>
+                        <a:spcAft>
+                          <a:spcPts val="800"/>
+                        </a:spcAft>
+                      </a:pPr>
+                      <a:r>
+                        <a:rPr lang="ru-RU" sz="1100" kern="100" dirty="0">
+                          <a:effectLst/>
+                        </a:rPr>
+                        <a:t>Минусы</a:t>
+                      </a:r>
+                      <a:endParaRPr lang="ru-RU" sz="1100" kern="100" dirty="0">
+                        <a:effectLst/>
+                        <a:latin typeface="Aptos"/>
+                        <a:ea typeface="Aptos"/>
+                        <a:cs typeface="Times New Roman" panose="02020603050405020304" pitchFamily="18" charset="0"/>
+                      </a:endParaRPr>
+                    </a:p>
+                  </a:txBody>
+                  <a:tcPr marL="152400" marR="152400" marT="95250" marB="95250" anchor="ctr"/>
+                </a:tc>
+                <a:extLst>
+                  <a:ext uri="{0D108BD9-81ED-4DB2-BD59-A6C34878D82A}">
+                    <a16:rowId xmlns:a16="http://schemas.microsoft.com/office/drawing/2014/main" val="3472141136"/>
+                  </a:ext>
+                </a:extLst>
+              </a:tr>
+              <a:tr h="1160460">
+                <a:tc>
+                  <a:txBody>
+                    <a:bodyPr/>
+                    <a:lstStyle/>
+                    <a:p>
+                      <a:pPr>
+                        <a:lnSpc>
+                          <a:spcPts val="1875"/>
+                        </a:lnSpc>
+                        <a:spcAft>
+                          <a:spcPts val="800"/>
+                        </a:spcAft>
+                      </a:pPr>
+                      <a:r>
+                        <a:rPr lang="ru-RU" sz="1100" kern="100">
+                          <a:effectLst/>
+                        </a:rPr>
+                        <a:t>1. Экспертная оценка</a:t>
+                      </a:r>
+                      <a:endParaRPr lang="ru-RU" sz="1100" kern="100">
+                        <a:effectLst/>
+                        <a:latin typeface="Aptos"/>
+                        <a:ea typeface="Aptos"/>
+                        <a:cs typeface="Times New Roman" panose="02020603050405020304" pitchFamily="18" charset="0"/>
+                      </a:endParaRPr>
+                    </a:p>
+                  </a:txBody>
+                  <a:tcPr marL="0" marR="152400" marT="95250" marB="95250" anchor="ctr"/>
+                </a:tc>
+                <a:tc>
+                  <a:txBody>
+                    <a:bodyPr/>
+                    <a:lstStyle/>
+                    <a:p>
+                      <a:pPr>
+                        <a:lnSpc>
+                          <a:spcPts val="1875"/>
+                        </a:lnSpc>
+                        <a:spcAft>
+                          <a:spcPts val="800"/>
+                        </a:spcAft>
+                      </a:pPr>
+                      <a:r>
+                        <a:rPr lang="ru-RU" sz="1100" kern="100">
+                          <a:effectLst/>
+                        </a:rPr>
+                        <a:t>7.66</a:t>
+                      </a:r>
+                      <a:endParaRPr lang="ru-RU" sz="1100" kern="100">
+                        <a:effectLst/>
+                        <a:latin typeface="Aptos"/>
+                        <a:ea typeface="Aptos"/>
+                        <a:cs typeface="Times New Roman" panose="02020603050405020304" pitchFamily="18" charset="0"/>
+                      </a:endParaRPr>
+                    </a:p>
+                  </a:txBody>
+                  <a:tcPr marL="152400" marR="152400" marT="95250" marB="95250" anchor="ctr"/>
+                </a:tc>
+                <a:tc>
+                  <a:txBody>
+                    <a:bodyPr/>
+                    <a:lstStyle/>
+                    <a:p>
+                      <a:pPr>
+                        <a:lnSpc>
+                          <a:spcPts val="1875"/>
+                        </a:lnSpc>
+                        <a:spcAft>
+                          <a:spcPts val="800"/>
+                        </a:spcAft>
+                      </a:pPr>
+                      <a:r>
+                        <a:rPr lang="ru-RU" sz="1100" kern="100">
+                          <a:effectLst/>
+                        </a:rPr>
+                        <a:t>3,447,000</a:t>
+                      </a:r>
+                      <a:endParaRPr lang="ru-RU" sz="1100" kern="100">
+                        <a:effectLst/>
+                        <a:latin typeface="Aptos"/>
+                        <a:ea typeface="Aptos"/>
+                        <a:cs typeface="Times New Roman" panose="02020603050405020304" pitchFamily="18" charset="0"/>
+                      </a:endParaRPr>
+                    </a:p>
+                  </a:txBody>
+                  <a:tcPr marL="152400" marR="152400" marT="95250" marB="95250" anchor="ctr"/>
+                </a:tc>
+                <a:tc>
+                  <a:txBody>
+                    <a:bodyPr/>
+                    <a:lstStyle/>
+                    <a:p>
+                      <a:pPr>
+                        <a:lnSpc>
+                          <a:spcPts val="1875"/>
+                        </a:lnSpc>
+                        <a:spcAft>
+                          <a:spcPts val="800"/>
+                        </a:spcAft>
+                      </a:pPr>
+                      <a:r>
+                        <a:rPr lang="ru-RU" sz="1100" kern="100">
+                          <a:effectLst/>
+                        </a:rPr>
+                        <a:t>Учитывает специфику проекта, быстро</a:t>
+                      </a:r>
+                      <a:endParaRPr lang="ru-RU" sz="1100" kern="100">
+                        <a:effectLst/>
+                        <a:latin typeface="Aptos"/>
+                        <a:ea typeface="Aptos"/>
+                        <a:cs typeface="Times New Roman" panose="02020603050405020304" pitchFamily="18" charset="0"/>
+                      </a:endParaRPr>
+                    </a:p>
+                  </a:txBody>
+                  <a:tcPr marL="152400" marR="152400" marT="95250" marB="95250" anchor="ctr"/>
+                </a:tc>
+                <a:tc>
+                  <a:txBody>
+                    <a:bodyPr/>
+                    <a:lstStyle/>
+                    <a:p>
+                      <a:pPr>
+                        <a:lnSpc>
+                          <a:spcPts val="1875"/>
+                        </a:lnSpc>
+                        <a:spcAft>
+                          <a:spcPts val="800"/>
+                        </a:spcAft>
+                      </a:pPr>
+                      <a:r>
+                        <a:rPr lang="ru-RU" sz="1100" kern="100">
+                          <a:effectLst/>
+                        </a:rPr>
+                        <a:t>Субъективно, зависит от опыта</a:t>
+                      </a:r>
+                      <a:endParaRPr lang="ru-RU" sz="1100" kern="100">
+                        <a:effectLst/>
+                        <a:latin typeface="Aptos"/>
+                        <a:ea typeface="Aptos"/>
+                        <a:cs typeface="Times New Roman" panose="02020603050405020304" pitchFamily="18" charset="0"/>
+                      </a:endParaRPr>
+                    </a:p>
+                  </a:txBody>
+                  <a:tcPr marL="152400" marR="0" marT="95250" marB="95250" anchor="ctr"/>
+                </a:tc>
+                <a:extLst>
+                  <a:ext uri="{0D108BD9-81ED-4DB2-BD59-A6C34878D82A}">
+                    <a16:rowId xmlns:a16="http://schemas.microsoft.com/office/drawing/2014/main" val="1471324262"/>
+                  </a:ext>
+                </a:extLst>
+              </a:tr>
+              <a:tr h="882876">
+                <a:tc>
+                  <a:txBody>
+                    <a:bodyPr/>
+                    <a:lstStyle/>
+                    <a:p>
+                      <a:pPr>
+                        <a:lnSpc>
+                          <a:spcPts val="1875"/>
+                        </a:lnSpc>
+                        <a:spcAft>
+                          <a:spcPts val="800"/>
+                        </a:spcAft>
+                      </a:pPr>
+                      <a:r>
+                        <a:rPr lang="ru-RU" sz="1100" kern="100">
+                          <a:effectLst/>
+                        </a:rPr>
+                        <a:t>2. Planning Poker</a:t>
+                      </a:r>
+                      <a:endParaRPr lang="ru-RU" sz="1100" kern="100">
+                        <a:effectLst/>
+                        <a:latin typeface="Aptos"/>
+                        <a:ea typeface="Aptos"/>
+                        <a:cs typeface="Times New Roman" panose="02020603050405020304" pitchFamily="18" charset="0"/>
+                      </a:endParaRPr>
+                    </a:p>
+                  </a:txBody>
+                  <a:tcPr marL="0" marR="152400" marT="95250" marB="95250" anchor="ctr"/>
+                </a:tc>
+                <a:tc>
+                  <a:txBody>
+                    <a:bodyPr/>
+                    <a:lstStyle/>
+                    <a:p>
+                      <a:pPr>
+                        <a:lnSpc>
+                          <a:spcPts val="1875"/>
+                        </a:lnSpc>
+                        <a:spcAft>
+                          <a:spcPts val="800"/>
+                        </a:spcAft>
+                      </a:pPr>
+                      <a:r>
+                        <a:rPr lang="ru-RU" sz="1100" kern="100" dirty="0">
+                          <a:effectLst/>
+                        </a:rPr>
+                        <a:t>4.5</a:t>
+                      </a:r>
+                      <a:endParaRPr lang="ru-RU" sz="1100" kern="100" dirty="0">
+                        <a:effectLst/>
+                        <a:latin typeface="Aptos"/>
+                        <a:ea typeface="Aptos"/>
+                        <a:cs typeface="Times New Roman" panose="02020603050405020304" pitchFamily="18" charset="0"/>
+                      </a:endParaRPr>
+                    </a:p>
+                  </a:txBody>
+                  <a:tcPr marL="152400" marR="152400" marT="95250" marB="95250" anchor="ctr"/>
+                </a:tc>
+                <a:tc>
+                  <a:txBody>
+                    <a:bodyPr/>
+                    <a:lstStyle/>
+                    <a:p>
+                      <a:pPr>
+                        <a:lnSpc>
+                          <a:spcPts val="1875"/>
+                        </a:lnSpc>
+                        <a:spcAft>
+                          <a:spcPts val="800"/>
+                        </a:spcAft>
+                      </a:pPr>
+                      <a:r>
+                        <a:rPr lang="ru-RU" sz="1100" kern="100">
+                          <a:effectLst/>
+                        </a:rPr>
+                        <a:t>2,025,000</a:t>
+                      </a:r>
+                      <a:endParaRPr lang="ru-RU" sz="1100" kern="100">
+                        <a:effectLst/>
+                        <a:latin typeface="Aptos"/>
+                        <a:ea typeface="Aptos"/>
+                        <a:cs typeface="Times New Roman" panose="02020603050405020304" pitchFamily="18" charset="0"/>
+                      </a:endParaRPr>
+                    </a:p>
+                  </a:txBody>
+                  <a:tcPr marL="152400" marR="152400" marT="95250" marB="95250" anchor="ctr"/>
+                </a:tc>
+                <a:tc>
+                  <a:txBody>
+                    <a:bodyPr/>
+                    <a:lstStyle/>
+                    <a:p>
+                      <a:pPr>
+                        <a:lnSpc>
+                          <a:spcPts val="1875"/>
+                        </a:lnSpc>
+                        <a:spcAft>
+                          <a:spcPts val="800"/>
+                        </a:spcAft>
+                      </a:pPr>
+                      <a:r>
+                        <a:rPr lang="ru-RU" sz="1100" kern="100">
+                          <a:effectLst/>
+                        </a:rPr>
+                        <a:t>Командный консенсус, гибкость</a:t>
+                      </a:r>
+                      <a:endParaRPr lang="ru-RU" sz="1100" kern="100">
+                        <a:effectLst/>
+                        <a:latin typeface="Aptos"/>
+                        <a:ea typeface="Aptos"/>
+                        <a:cs typeface="Times New Roman" panose="02020603050405020304" pitchFamily="18" charset="0"/>
+                      </a:endParaRPr>
+                    </a:p>
+                  </a:txBody>
+                  <a:tcPr marL="152400" marR="152400" marT="95250" marB="95250" anchor="ctr"/>
+                </a:tc>
+                <a:tc>
+                  <a:txBody>
+                    <a:bodyPr/>
+                    <a:lstStyle/>
+                    <a:p>
+                      <a:pPr>
+                        <a:lnSpc>
+                          <a:spcPts val="1875"/>
+                        </a:lnSpc>
+                        <a:spcAft>
+                          <a:spcPts val="800"/>
+                        </a:spcAft>
+                      </a:pPr>
+                      <a:r>
+                        <a:rPr lang="ru-RU" sz="1100" kern="100">
+                          <a:effectLst/>
+                        </a:rPr>
+                        <a:t>Может недооценивать сложность</a:t>
+                      </a:r>
+                      <a:endParaRPr lang="ru-RU" sz="1100" kern="100">
+                        <a:effectLst/>
+                        <a:latin typeface="Aptos"/>
+                        <a:ea typeface="Aptos"/>
+                        <a:cs typeface="Times New Roman" panose="02020603050405020304" pitchFamily="18" charset="0"/>
+                      </a:endParaRPr>
+                    </a:p>
+                  </a:txBody>
+                  <a:tcPr marL="152400" marR="0" marT="95250" marB="95250" anchor="ctr"/>
+                </a:tc>
+                <a:extLst>
+                  <a:ext uri="{0D108BD9-81ED-4DB2-BD59-A6C34878D82A}">
+                    <a16:rowId xmlns:a16="http://schemas.microsoft.com/office/drawing/2014/main" val="4230656391"/>
+                  </a:ext>
+                </a:extLst>
+              </a:tr>
+              <a:tr h="882876">
+                <a:tc>
+                  <a:txBody>
+                    <a:bodyPr/>
+                    <a:lstStyle/>
+                    <a:p>
+                      <a:pPr>
+                        <a:lnSpc>
+                          <a:spcPts val="1875"/>
+                        </a:lnSpc>
+                        <a:spcAft>
+                          <a:spcPts val="800"/>
+                        </a:spcAft>
+                      </a:pPr>
+                      <a:r>
+                        <a:rPr lang="ru-RU" sz="1100" kern="100">
+                          <a:effectLst/>
+                        </a:rPr>
+                        <a:t>3. COCOMO 0</a:t>
+                      </a:r>
+                      <a:endParaRPr lang="ru-RU" sz="1100" kern="100">
+                        <a:effectLst/>
+                        <a:latin typeface="Aptos"/>
+                        <a:ea typeface="Aptos"/>
+                        <a:cs typeface="Times New Roman" panose="02020603050405020304" pitchFamily="18" charset="0"/>
+                      </a:endParaRPr>
+                    </a:p>
+                  </a:txBody>
+                  <a:tcPr marL="0" marR="152400" marT="95250" marB="95250" anchor="ctr"/>
+                </a:tc>
+                <a:tc>
+                  <a:txBody>
+                    <a:bodyPr/>
+                    <a:lstStyle/>
+                    <a:p>
+                      <a:pPr>
+                        <a:lnSpc>
+                          <a:spcPts val="1875"/>
+                        </a:lnSpc>
+                        <a:spcAft>
+                          <a:spcPts val="800"/>
+                        </a:spcAft>
+                      </a:pPr>
+                      <a:r>
+                        <a:rPr lang="ru-RU" sz="1100" kern="100">
+                          <a:effectLst/>
+                        </a:rPr>
+                        <a:t>163.8</a:t>
+                      </a:r>
+                      <a:endParaRPr lang="ru-RU" sz="1100" kern="100">
+                        <a:effectLst/>
+                        <a:latin typeface="Aptos"/>
+                        <a:ea typeface="Aptos"/>
+                        <a:cs typeface="Times New Roman" panose="02020603050405020304" pitchFamily="18" charset="0"/>
+                      </a:endParaRPr>
+                    </a:p>
+                  </a:txBody>
+                  <a:tcPr marL="152400" marR="152400" marT="95250" marB="95250" anchor="ctr"/>
+                </a:tc>
+                <a:tc>
+                  <a:txBody>
+                    <a:bodyPr/>
+                    <a:lstStyle/>
+                    <a:p>
+                      <a:pPr>
+                        <a:lnSpc>
+                          <a:spcPts val="1875"/>
+                        </a:lnSpc>
+                        <a:spcAft>
+                          <a:spcPts val="800"/>
+                        </a:spcAft>
+                      </a:pPr>
+                      <a:r>
+                        <a:rPr lang="ru-RU" sz="1100" kern="100" dirty="0">
+                          <a:effectLst/>
+                        </a:rPr>
+                        <a:t>24,570,000</a:t>
+                      </a:r>
+                      <a:endParaRPr lang="ru-RU" sz="1100" kern="100" dirty="0">
+                        <a:effectLst/>
+                        <a:latin typeface="Aptos"/>
+                        <a:ea typeface="Aptos"/>
+                        <a:cs typeface="Times New Roman" panose="02020603050405020304" pitchFamily="18" charset="0"/>
+                      </a:endParaRPr>
+                    </a:p>
+                  </a:txBody>
+                  <a:tcPr marL="152400" marR="152400" marT="95250" marB="95250" anchor="ctr"/>
+                </a:tc>
+                <a:tc>
+                  <a:txBody>
+                    <a:bodyPr/>
+                    <a:lstStyle/>
+                    <a:p>
+                      <a:pPr>
+                        <a:lnSpc>
+                          <a:spcPts val="1875"/>
+                        </a:lnSpc>
+                        <a:spcAft>
+                          <a:spcPts val="800"/>
+                        </a:spcAft>
+                      </a:pPr>
+                      <a:r>
+                        <a:rPr lang="ru-RU" sz="1100" kern="100">
+                          <a:effectLst/>
+                        </a:rPr>
+                        <a:t>Объективно, основано на данных</a:t>
+                      </a:r>
+                      <a:endParaRPr lang="ru-RU" sz="1100" kern="100">
+                        <a:effectLst/>
+                        <a:latin typeface="Aptos"/>
+                        <a:ea typeface="Aptos"/>
+                        <a:cs typeface="Times New Roman" panose="02020603050405020304" pitchFamily="18" charset="0"/>
+                      </a:endParaRPr>
+                    </a:p>
+                  </a:txBody>
+                  <a:tcPr marL="152400" marR="152400" marT="95250" marB="95250" anchor="ctr"/>
+                </a:tc>
+                <a:tc>
+                  <a:txBody>
+                    <a:bodyPr/>
+                    <a:lstStyle/>
+                    <a:p>
+                      <a:pPr>
+                        <a:lnSpc>
+                          <a:spcPts val="1875"/>
+                        </a:lnSpc>
+                        <a:spcAft>
+                          <a:spcPts val="800"/>
+                        </a:spcAft>
+                      </a:pPr>
+                      <a:r>
+                        <a:rPr lang="ru-RU" sz="1100" kern="100">
+                          <a:effectLst/>
+                        </a:rPr>
+                        <a:t>Не учитывает современные фреймворки</a:t>
+                      </a:r>
+                      <a:endParaRPr lang="ru-RU" sz="1100" kern="100">
+                        <a:effectLst/>
+                        <a:latin typeface="Aptos"/>
+                        <a:ea typeface="Aptos"/>
+                        <a:cs typeface="Times New Roman" panose="02020603050405020304" pitchFamily="18" charset="0"/>
+                      </a:endParaRPr>
+                    </a:p>
+                  </a:txBody>
+                  <a:tcPr marL="152400" marR="0" marT="95250" marB="95250" anchor="ctr"/>
+                </a:tc>
+                <a:extLst>
+                  <a:ext uri="{0D108BD9-81ED-4DB2-BD59-A6C34878D82A}">
+                    <a16:rowId xmlns:a16="http://schemas.microsoft.com/office/drawing/2014/main" val="2075871339"/>
+                  </a:ext>
+                </a:extLst>
+              </a:tr>
+              <a:tr h="1515882">
+                <a:tc>
+                  <a:txBody>
+                    <a:bodyPr/>
+                    <a:lstStyle/>
+                    <a:p>
+                      <a:pPr>
+                        <a:lnSpc>
+                          <a:spcPts val="1875"/>
+                        </a:lnSpc>
+                        <a:spcAft>
+                          <a:spcPts val="800"/>
+                        </a:spcAft>
+                      </a:pPr>
+                      <a:r>
+                        <a:rPr lang="ru-RU" sz="1100" kern="100">
+                          <a:effectLst/>
+                        </a:rPr>
+                        <a:t>4. Функциональные точки (из ЛР2)</a:t>
+                      </a:r>
+                      <a:endParaRPr lang="ru-RU" sz="1100" kern="100">
+                        <a:effectLst/>
+                        <a:latin typeface="Aptos"/>
+                        <a:ea typeface="Aptos"/>
+                        <a:cs typeface="Times New Roman" panose="02020603050405020304" pitchFamily="18" charset="0"/>
+                      </a:endParaRPr>
+                    </a:p>
+                  </a:txBody>
+                  <a:tcPr marL="0" marR="152400" marT="95250" marB="95250" anchor="ctr"/>
+                </a:tc>
+                <a:tc>
+                  <a:txBody>
+                    <a:bodyPr/>
+                    <a:lstStyle/>
+                    <a:p>
+                      <a:pPr>
+                        <a:lnSpc>
+                          <a:spcPts val="1875"/>
+                        </a:lnSpc>
+                        <a:spcAft>
+                          <a:spcPts val="800"/>
+                        </a:spcAft>
+                      </a:pPr>
+                      <a:r>
+                        <a:rPr lang="ru-RU" sz="1100" kern="100">
+                          <a:effectLst/>
+                        </a:rPr>
+                        <a:t>9.2</a:t>
+                      </a:r>
+                      <a:endParaRPr lang="ru-RU" sz="1100" kern="100">
+                        <a:effectLst/>
+                        <a:latin typeface="Aptos"/>
+                        <a:ea typeface="Aptos"/>
+                        <a:cs typeface="Times New Roman" panose="02020603050405020304" pitchFamily="18" charset="0"/>
+                      </a:endParaRPr>
+                    </a:p>
+                  </a:txBody>
+                  <a:tcPr marL="152400" marR="152400" marT="95250" marB="95250" anchor="ctr"/>
+                </a:tc>
+                <a:tc>
+                  <a:txBody>
+                    <a:bodyPr/>
+                    <a:lstStyle/>
+                    <a:p>
+                      <a:pPr>
+                        <a:lnSpc>
+                          <a:spcPts val="1875"/>
+                        </a:lnSpc>
+                        <a:spcAft>
+                          <a:spcPts val="800"/>
+                        </a:spcAft>
+                      </a:pPr>
+                      <a:r>
+                        <a:rPr lang="ru-RU" sz="1100" kern="100">
+                          <a:effectLst/>
+                        </a:rPr>
+                        <a:t>4,140,000</a:t>
+                      </a:r>
+                      <a:endParaRPr lang="ru-RU" sz="1100" kern="100">
+                        <a:effectLst/>
+                        <a:latin typeface="Aptos"/>
+                        <a:ea typeface="Aptos"/>
+                        <a:cs typeface="Times New Roman" panose="02020603050405020304" pitchFamily="18" charset="0"/>
+                      </a:endParaRPr>
+                    </a:p>
+                  </a:txBody>
+                  <a:tcPr marL="152400" marR="152400" marT="95250" marB="95250" anchor="ctr"/>
+                </a:tc>
+                <a:tc>
+                  <a:txBody>
+                    <a:bodyPr/>
+                    <a:lstStyle/>
+                    <a:p>
+                      <a:pPr>
+                        <a:lnSpc>
+                          <a:spcPts val="1875"/>
+                        </a:lnSpc>
+                        <a:spcAft>
+                          <a:spcPts val="800"/>
+                        </a:spcAft>
+                      </a:pPr>
+                      <a:r>
+                        <a:rPr lang="ru-RU" sz="1100" kern="100">
+                          <a:effectLst/>
+                        </a:rPr>
+                        <a:t>Независимо от технологии</a:t>
+                      </a:r>
+                      <a:endParaRPr lang="ru-RU" sz="1100" kern="100">
+                        <a:effectLst/>
+                        <a:latin typeface="Aptos"/>
+                        <a:ea typeface="Aptos"/>
+                        <a:cs typeface="Times New Roman" panose="02020603050405020304" pitchFamily="18" charset="0"/>
+                      </a:endParaRPr>
+                    </a:p>
+                  </a:txBody>
+                  <a:tcPr marL="152400" marR="152400" marT="95250" marB="95250" anchor="ctr"/>
+                </a:tc>
+                <a:tc>
+                  <a:txBody>
+                    <a:bodyPr/>
+                    <a:lstStyle/>
+                    <a:p>
+                      <a:pPr>
+                        <a:lnSpc>
+                          <a:spcPts val="1875"/>
+                        </a:lnSpc>
+                        <a:spcAft>
+                          <a:spcPts val="800"/>
+                        </a:spcAft>
+                      </a:pPr>
+                      <a:r>
+                        <a:rPr lang="ru-RU" sz="1100" kern="100" dirty="0">
+                          <a:effectLst/>
+                        </a:rPr>
+                        <a:t>Сложно для системного ПО</a:t>
+                      </a:r>
+                      <a:endParaRPr lang="ru-RU" sz="1100" kern="100" dirty="0">
+                        <a:effectLst/>
+                        <a:latin typeface="Aptos"/>
+                        <a:ea typeface="Aptos"/>
+                        <a:cs typeface="Times New Roman" panose="02020603050405020304" pitchFamily="18" charset="0"/>
+                      </a:endParaRPr>
+                    </a:p>
+                  </a:txBody>
+                  <a:tcPr marL="152400" marR="0" marT="95250" marB="95250" anchor="ctr"/>
+                </a:tc>
+                <a:extLst>
+                  <a:ext uri="{0D108BD9-81ED-4DB2-BD59-A6C34878D82A}">
+                    <a16:rowId xmlns:a16="http://schemas.microsoft.com/office/drawing/2014/main" val="783543798"/>
+                  </a:ext>
+                </a:extLst>
+              </a:tr>
+            </a:tbl>
+          </a:graphicData>
+        </a:graphic>
+      </p:graphicFrame>
+    </p:spTree>
+    <p:extLst>
+      <p:ext uri="{BB962C8B-B14F-4D97-AF65-F5344CB8AC3E}">
+        <p14:creationId xmlns:p14="http://schemas.microsoft.com/office/powerpoint/2010/main" val="2683006137"/>
+      </p:ext>
+    </p:extLst>
+  </p:cSld>
+  <p:clrMapOvr>
+    <a:masterClrMapping/>
+  </p:clrMapOvr>
+  <p:timing>
+    <p:tnLst>
+      <p:par>
+        <p:cTn id="1" dur="indefinite" restart="never" nodeType="tmRoot"/>
+      </p:par>
+    </p:tnLst>
+  </p:timing>
+</p:sld>
+</file>
+
+<file path=ppt/slides/slide36.xml><?xml version="1.0" encoding="utf-8"?>
+<p:sld xmlns:a="http://schemas.openxmlformats.org/drawingml/2006/main" xmlns:r="http://schemas.openxmlformats.org/officeDocument/2006/relationships" xmlns:p="http://schemas.openxmlformats.org/presentationml/2006/main">
+  <p:cSld>
+    <p:spTree>
+      <p:nvGrpSpPr>
+        <p:cNvPr id="1" name="">
+          <a:extLst>
+            <a:ext uri="{FF2B5EF4-FFF2-40B4-BE49-F238E27FC236}">
+              <a16:creationId xmlns:a16="http://schemas.microsoft.com/office/drawing/2014/main" id="{1CED95EE-9878-5DB7-F2AA-458C7F3B4FEB}"/>
+            </a:ext>
+          </a:extLst>
+        </p:cNvPr>
+        <p:cNvGrpSpPr/>
+        <p:nvPr/>
+      </p:nvGrpSpPr>
+      <p:grpSpPr>
+        <a:xfrm>
+          <a:off x="0" y="0"/>
+          <a:ext cx="0" cy="0"/>
+          <a:chOff x="0" y="0"/>
+          <a:chExt cx="0" cy="0"/>
+        </a:xfrm>
+      </p:grpSpPr>
+      <p:sp>
+        <p:nvSpPr>
+          <p:cNvPr id="14" name="Овал 13">
+            <a:extLst>
+              <a:ext uri="{FF2B5EF4-FFF2-40B4-BE49-F238E27FC236}">
+                <a16:creationId xmlns:a16="http://schemas.microsoft.com/office/drawing/2014/main" id="{5B6C4597-3C0D-C8C2-0BFB-D422255718B9}"/>
+              </a:ext>
+            </a:extLst>
+          </p:cNvPr>
+          <p:cNvSpPr/>
+          <p:nvPr/>
+        </p:nvSpPr>
+        <p:spPr>
+          <a:xfrm rot="1548438">
+            <a:off x="-4585204" y="-5981371"/>
+            <a:ext cx="19996152" cy="17378114"/>
+          </a:xfrm>
+          <a:prstGeom prst="ellipse">
+            <a:avLst/>
+          </a:prstGeom>
+          <a:gradFill flip="none" rotWithShape="1">
+            <a:gsLst>
+              <a:gs pos="0">
+                <a:srgbClr val="002D76"/>
+              </a:gs>
+              <a:gs pos="100000">
+                <a:srgbClr val="72A7FE"/>
+              </a:gs>
+              <a:gs pos="0">
+                <a:srgbClr val="1B71FD"/>
+              </a:gs>
+            </a:gsLst>
+            <a:path path="circle">
+              <a:fillToRect l="50000" t="50000" r="50000" b="50000"/>
+            </a:path>
+            <a:tileRect/>
+          </a:gradFill>
+          <a:effectLst>
+            <a:softEdge rad="1270000"/>
+          </a:effectLst>
+        </p:spPr>
+        <p:style>
+          <a:lnRef idx="2">
+            <a:schemeClr val="accent1">
+              <a:shade val="50000"/>
+            </a:schemeClr>
+          </a:lnRef>
+          <a:fillRef idx="1">
+            <a:schemeClr val="accent1"/>
+          </a:fillRef>
+          <a:effectRef idx="0">
+            <a:schemeClr val="accent1"/>
+          </a:effectRef>
+          <a:fontRef idx="minor">
+            <a:schemeClr val="lt1"/>
+          </a:fontRef>
+        </p:style>
+        <p:txBody>
+          <a:bodyPr rtlCol="0" anchor="ctr"/>
+          <a:lstStyle/>
+          <a:p>
+            <a:pPr algn="ctr"/>
+            <a:endParaRPr lang="ru-RU" dirty="0"/>
+          </a:p>
+        </p:txBody>
+      </p:sp>
+      <p:sp>
+        <p:nvSpPr>
+          <p:cNvPr id="16" name="Овал 15">
+            <a:extLst>
+              <a:ext uri="{FF2B5EF4-FFF2-40B4-BE49-F238E27FC236}">
+                <a16:creationId xmlns:a16="http://schemas.microsoft.com/office/drawing/2014/main" id="{54201FFC-A609-3BAE-DCB9-C1E0ABC748D6}"/>
+              </a:ext>
+            </a:extLst>
+          </p:cNvPr>
+          <p:cNvSpPr/>
+          <p:nvPr/>
+        </p:nvSpPr>
+        <p:spPr>
+          <a:xfrm rot="16200000">
+            <a:off x="-5649234" y="-5458872"/>
+            <a:ext cx="14170269" cy="10463474"/>
+          </a:xfrm>
+          <a:prstGeom prst="ellipse">
+            <a:avLst/>
+          </a:prstGeom>
+          <a:gradFill flip="none" rotWithShape="1">
+            <a:gsLst>
+              <a:gs pos="100000">
+                <a:srgbClr val="137C87"/>
+              </a:gs>
+              <a:gs pos="0">
+                <a:srgbClr val="4AD6E5"/>
+              </a:gs>
+            </a:gsLst>
+            <a:path path="circle">
+              <a:fillToRect l="50000" t="50000" r="50000" b="50000"/>
+            </a:path>
+            <a:tileRect/>
+          </a:gradFill>
+          <a:effectLst>
+            <a:softEdge rad="1270000"/>
+          </a:effectLst>
+        </p:spPr>
+        <p:style>
+          <a:lnRef idx="2">
+            <a:schemeClr val="accent1">
+              <a:shade val="50000"/>
+            </a:schemeClr>
+          </a:lnRef>
+          <a:fillRef idx="1">
+            <a:schemeClr val="accent1"/>
+          </a:fillRef>
+          <a:effectRef idx="0">
+            <a:schemeClr val="accent1"/>
+          </a:effectRef>
+          <a:fontRef idx="minor">
+            <a:schemeClr val="lt1"/>
+          </a:fontRef>
+        </p:style>
+        <p:txBody>
+          <a:bodyPr rtlCol="0" anchor="ctr"/>
+          <a:lstStyle/>
+          <a:p>
+            <a:pPr algn="ctr"/>
+            <a:endParaRPr lang="ru-RU" dirty="0"/>
+          </a:p>
+        </p:txBody>
+      </p:sp>
+      <p:sp>
+        <p:nvSpPr>
+          <p:cNvPr id="17" name="Овал 16">
+            <a:extLst>
+              <a:ext uri="{FF2B5EF4-FFF2-40B4-BE49-F238E27FC236}">
+                <a16:creationId xmlns:a16="http://schemas.microsoft.com/office/drawing/2014/main" id="{1BA60D5E-37DD-06FD-F379-4B5CB3B81DEF}"/>
+              </a:ext>
+            </a:extLst>
+          </p:cNvPr>
+          <p:cNvSpPr/>
+          <p:nvPr/>
+        </p:nvSpPr>
+        <p:spPr>
+          <a:xfrm rot="19898243">
+            <a:off x="4268775" y="3311716"/>
+            <a:ext cx="13974658" cy="9089345"/>
+          </a:xfrm>
+          <a:prstGeom prst="ellipse">
+            <a:avLst/>
+          </a:prstGeom>
+          <a:gradFill flip="none" rotWithShape="1">
+            <a:gsLst>
+              <a:gs pos="0">
+                <a:srgbClr val="156EFF"/>
+              </a:gs>
+              <a:gs pos="85000">
+                <a:srgbClr val="0046B8"/>
+              </a:gs>
+              <a:gs pos="0">
+                <a:srgbClr val="0153D9"/>
+              </a:gs>
+            </a:gsLst>
+            <a:path path="circle">
+              <a:fillToRect l="50000" t="50000" r="50000" b="50000"/>
+            </a:path>
+            <a:tileRect/>
+          </a:gradFill>
+          <a:effectLst>
+            <a:softEdge rad="1270000"/>
+          </a:effectLst>
+        </p:spPr>
+        <p:style>
+          <a:lnRef idx="2">
+            <a:schemeClr val="accent1">
+              <a:shade val="50000"/>
+            </a:schemeClr>
+          </a:lnRef>
+          <a:fillRef idx="1">
+            <a:schemeClr val="accent1"/>
+          </a:fillRef>
+          <a:effectRef idx="0">
+            <a:schemeClr val="accent1"/>
+          </a:effectRef>
+          <a:fontRef idx="minor">
+            <a:schemeClr val="lt1"/>
+          </a:fontRef>
+        </p:style>
+        <p:txBody>
+          <a:bodyPr rtlCol="0" anchor="ctr"/>
+          <a:lstStyle/>
+          <a:p>
+            <a:pPr algn="ctr"/>
+            <a:endParaRPr lang="ru-RU"/>
+          </a:p>
+        </p:txBody>
+      </p:sp>
+      <p:sp>
+        <p:nvSpPr>
+          <p:cNvPr id="2" name="TextBox 1"/>
+          <p:cNvSpPr txBox="1"/>
+          <p:nvPr/>
+        </p:nvSpPr>
+        <p:spPr>
+          <a:xfrm>
+            <a:off x="3916557" y="123812"/>
+            <a:ext cx="4358886" cy="461665"/>
+          </a:xfrm>
+          <a:prstGeom prst="rect">
+            <a:avLst/>
+          </a:prstGeom>
+          <a:noFill/>
+        </p:spPr>
+        <p:txBody>
+          <a:bodyPr wrap="none" rtlCol="0">
+            <a:spAutoFit/>
+          </a:bodyPr>
+          <a:lstStyle/>
+          <a:p>
+            <a:pPr lvl="0"/>
+            <a:r>
+              <a:rPr lang="ru-RU" sz="2400" b="1" u="sng" dirty="0" smtClean="0">
+                <a:solidFill>
+                  <a:schemeClr val="bg1">
+                    <a:lumMod val="95000"/>
+                  </a:schemeClr>
+                </a:solidFill>
+                <a:effectLst>
+                  <a:outerShdw blurRad="38100" dist="38100" dir="2700000" algn="tl">
+                    <a:srgbClr val="000000">
+                      <a:alpha val="43137"/>
+                    </a:srgbClr>
+                  </a:outerShdw>
+                </a:effectLst>
+                <a:latin typeface="Century Gothic" panose="020B0502020202020204" pitchFamily="34" charset="0"/>
+              </a:rPr>
+              <a:t>Выводы и </a:t>
+            </a:r>
+            <a:r>
+              <a:rPr lang="ru-RU" sz="2400" b="1" u="sng" dirty="0" err="1" smtClean="0">
+                <a:solidFill>
+                  <a:schemeClr val="bg1">
+                    <a:lumMod val="95000"/>
+                  </a:schemeClr>
+                </a:solidFill>
+                <a:effectLst>
+                  <a:outerShdw blurRad="38100" dist="38100" dir="2700000" algn="tl">
+                    <a:srgbClr val="000000">
+                      <a:alpha val="43137"/>
+                    </a:srgbClr>
+                  </a:outerShdw>
+                </a:effectLst>
+                <a:latin typeface="Century Gothic" panose="020B0502020202020204" pitchFamily="34" charset="0"/>
+              </a:rPr>
+              <a:t>рекоммендации</a:t>
+            </a:r>
+            <a:endParaRPr lang="ru-RU" sz="2400" b="1" u="sng" dirty="0">
+              <a:solidFill>
+                <a:schemeClr val="bg1">
+                  <a:lumMod val="95000"/>
+                </a:schemeClr>
+              </a:solidFill>
+              <a:effectLst>
+                <a:outerShdw blurRad="38100" dist="38100" dir="2700000" algn="tl">
+                  <a:srgbClr val="000000">
+                    <a:alpha val="43137"/>
+                  </a:srgbClr>
+                </a:outerShdw>
+              </a:effectLst>
+              <a:latin typeface="Century Gothic" panose="020B0502020202020204" pitchFamily="34" charset="0"/>
+            </a:endParaRPr>
+          </a:p>
+        </p:txBody>
+      </p:sp>
+      <p:sp>
+        <p:nvSpPr>
+          <p:cNvPr id="5" name="Прямоугольник 4"/>
+          <p:cNvSpPr/>
+          <p:nvPr/>
+        </p:nvSpPr>
+        <p:spPr>
+          <a:xfrm>
+            <a:off x="0" y="685361"/>
+            <a:ext cx="6096000" cy="2862322"/>
+          </a:xfrm>
+          <a:prstGeom prst="rect">
+            <a:avLst/>
+          </a:prstGeom>
+        </p:spPr>
+        <p:txBody>
+          <a:bodyPr>
+            <a:spAutoFit/>
+          </a:bodyPr>
+          <a:lstStyle/>
+          <a:p>
+            <a:r>
+              <a:rPr lang="ru-RU" dirty="0">
+                <a:solidFill>
+                  <a:schemeClr val="bg1">
+                    <a:lumMod val="95000"/>
+                  </a:schemeClr>
+                </a:solidFill>
+                <a:effectLst>
+                  <a:outerShdw blurRad="38100" dist="38100" dir="2700000" algn="tl">
+                    <a:srgbClr val="000000">
+                      <a:alpha val="43137"/>
+                    </a:srgbClr>
+                  </a:outerShdw>
+                </a:effectLst>
+                <a:latin typeface="Century Gothic" panose="020B0502020202020204" pitchFamily="34" charset="0"/>
+              </a:rPr>
+              <a:t>Итоговая оценка:</a:t>
+            </a:r>
+            <a:endParaRPr lang="ru-RU" b="1" dirty="0">
+              <a:solidFill>
+                <a:schemeClr val="bg1">
+                  <a:lumMod val="95000"/>
+                </a:schemeClr>
+              </a:solidFill>
+              <a:effectLst>
+                <a:outerShdw blurRad="38100" dist="38100" dir="2700000" algn="tl">
+                  <a:srgbClr val="000000">
+                    <a:alpha val="43137"/>
+                  </a:srgbClr>
+                </a:outerShdw>
+              </a:effectLst>
+              <a:latin typeface="Century Gothic" panose="020B0502020202020204" pitchFamily="34" charset="0"/>
+            </a:endParaRPr>
+          </a:p>
+          <a:p>
+            <a:pPr marL="285750" lvl="0" indent="-285750">
+              <a:buFont typeface="Arial" panose="020B0604020202020204" pitchFamily="34" charset="0"/>
+              <a:buChar char="•"/>
+            </a:pPr>
+            <a:r>
+              <a:rPr lang="ru-RU" b="1" dirty="0">
+                <a:solidFill>
+                  <a:schemeClr val="bg1">
+                    <a:lumMod val="95000"/>
+                  </a:schemeClr>
+                </a:solidFill>
+                <a:effectLst>
+                  <a:outerShdw blurRad="38100" dist="38100" dir="2700000" algn="tl">
+                    <a:srgbClr val="000000">
+                      <a:alpha val="43137"/>
+                    </a:srgbClr>
+                  </a:outerShdw>
+                </a:effectLst>
+                <a:latin typeface="Century Gothic" panose="020B0502020202020204" pitchFamily="34" charset="0"/>
+              </a:rPr>
+              <a:t>Рекомендуемый метод:</a:t>
+            </a:r>
+            <a:r>
+              <a:rPr lang="ru-RU" dirty="0">
+                <a:solidFill>
+                  <a:schemeClr val="bg1">
+                    <a:lumMod val="95000"/>
+                  </a:schemeClr>
+                </a:solidFill>
+                <a:effectLst>
+                  <a:outerShdw blurRad="38100" dist="38100" dir="2700000" algn="tl">
+                    <a:srgbClr val="000000">
+                      <a:alpha val="43137"/>
+                    </a:srgbClr>
+                  </a:outerShdw>
+                </a:effectLst>
+                <a:latin typeface="Century Gothic" panose="020B0502020202020204" pitchFamily="34" charset="0"/>
+              </a:rPr>
+              <a:t> Среднее Экспертной + </a:t>
+            </a:r>
+            <a:r>
+              <a:rPr lang="ru-RU" dirty="0" err="1">
+                <a:solidFill>
+                  <a:schemeClr val="bg1">
+                    <a:lumMod val="95000"/>
+                  </a:schemeClr>
+                </a:solidFill>
+                <a:effectLst>
+                  <a:outerShdw blurRad="38100" dist="38100" dir="2700000" algn="tl">
+                    <a:srgbClr val="000000">
+                      <a:alpha val="43137"/>
+                    </a:srgbClr>
+                  </a:outerShdw>
+                </a:effectLst>
+                <a:latin typeface="Century Gothic" panose="020B0502020202020204" pitchFamily="34" charset="0"/>
+              </a:rPr>
+              <a:t>Planning</a:t>
+            </a:r>
+            <a:r>
+              <a:rPr lang="ru-RU" dirty="0">
+                <a:solidFill>
+                  <a:schemeClr val="bg1">
+                    <a:lumMod val="95000"/>
+                  </a:schemeClr>
+                </a:solidFill>
+                <a:effectLst>
+                  <a:outerShdw blurRad="38100" dist="38100" dir="2700000" algn="tl">
+                    <a:srgbClr val="000000">
+                      <a:alpha val="43137"/>
+                    </a:srgbClr>
+                  </a:outerShdw>
+                </a:effectLst>
+                <a:latin typeface="Century Gothic" panose="020B0502020202020204" pitchFamily="34" charset="0"/>
+              </a:rPr>
+              <a:t> </a:t>
+            </a:r>
+            <a:r>
+              <a:rPr lang="ru-RU" dirty="0" err="1" smtClean="0">
+                <a:solidFill>
+                  <a:schemeClr val="bg1">
+                    <a:lumMod val="95000"/>
+                  </a:schemeClr>
+                </a:solidFill>
+                <a:effectLst>
+                  <a:outerShdw blurRad="38100" dist="38100" dir="2700000" algn="tl">
+                    <a:srgbClr val="000000">
+                      <a:alpha val="43137"/>
+                    </a:srgbClr>
+                  </a:outerShdw>
+                </a:effectLst>
+                <a:latin typeface="Century Gothic" panose="020B0502020202020204" pitchFamily="34" charset="0"/>
+              </a:rPr>
+              <a:t>Poker</a:t>
+            </a:r>
+            <a:endParaRPr lang="en-US" dirty="0" smtClean="0">
+              <a:solidFill>
+                <a:schemeClr val="bg1">
+                  <a:lumMod val="95000"/>
+                </a:schemeClr>
+              </a:solidFill>
+              <a:effectLst>
+                <a:outerShdw blurRad="38100" dist="38100" dir="2700000" algn="tl">
+                  <a:srgbClr val="000000">
+                    <a:alpha val="43137"/>
+                  </a:srgbClr>
+                </a:outerShdw>
+              </a:effectLst>
+              <a:latin typeface="Century Gothic" panose="020B0502020202020204" pitchFamily="34" charset="0"/>
+            </a:endParaRPr>
+          </a:p>
+          <a:p>
+            <a:pPr marL="285750" lvl="0" indent="-285750">
+              <a:buFont typeface="Arial" panose="020B0604020202020204" pitchFamily="34" charset="0"/>
+              <a:buChar char="•"/>
+            </a:pPr>
+            <a:endParaRPr lang="ru-RU" dirty="0">
+              <a:solidFill>
+                <a:schemeClr val="bg1">
+                  <a:lumMod val="95000"/>
+                </a:schemeClr>
+              </a:solidFill>
+              <a:effectLst>
+                <a:outerShdw blurRad="38100" dist="38100" dir="2700000" algn="tl">
+                  <a:srgbClr val="000000">
+                    <a:alpha val="43137"/>
+                  </a:srgbClr>
+                </a:outerShdw>
+              </a:effectLst>
+              <a:latin typeface="Century Gothic" panose="020B0502020202020204" pitchFamily="34" charset="0"/>
+            </a:endParaRPr>
+          </a:p>
+          <a:p>
+            <a:pPr marL="285750" lvl="0" indent="-285750">
+              <a:buFont typeface="Arial" panose="020B0604020202020204" pitchFamily="34" charset="0"/>
+              <a:buChar char="•"/>
+            </a:pPr>
+            <a:r>
+              <a:rPr lang="ru-RU" b="1" dirty="0">
+                <a:solidFill>
+                  <a:schemeClr val="bg1">
+                    <a:lumMod val="95000"/>
+                  </a:schemeClr>
+                </a:solidFill>
+                <a:effectLst>
+                  <a:outerShdw blurRad="38100" dist="38100" dir="2700000" algn="tl">
+                    <a:srgbClr val="000000">
+                      <a:alpha val="43137"/>
+                    </a:srgbClr>
+                  </a:outerShdw>
+                </a:effectLst>
+                <a:latin typeface="Century Gothic" panose="020B0502020202020204" pitchFamily="34" charset="0"/>
+              </a:rPr>
+              <a:t>Трудозатраты:</a:t>
+            </a:r>
+            <a:r>
+              <a:rPr lang="ru-RU" dirty="0">
+                <a:solidFill>
+                  <a:schemeClr val="bg1">
+                    <a:lumMod val="95000"/>
+                  </a:schemeClr>
+                </a:solidFill>
+                <a:effectLst>
+                  <a:outerShdw blurRad="38100" dist="38100" dir="2700000" algn="tl">
+                    <a:srgbClr val="000000">
+                      <a:alpha val="43137"/>
+                    </a:srgbClr>
+                  </a:outerShdw>
+                </a:effectLst>
+                <a:latin typeface="Century Gothic" panose="020B0502020202020204" pitchFamily="34" charset="0"/>
+              </a:rPr>
+              <a:t> (7.66 + 4.5) ÷ 2 = </a:t>
+            </a:r>
+            <a:r>
+              <a:rPr lang="ru-RU" b="1" dirty="0">
+                <a:solidFill>
+                  <a:schemeClr val="bg1">
+                    <a:lumMod val="95000"/>
+                  </a:schemeClr>
+                </a:solidFill>
+                <a:effectLst>
+                  <a:outerShdw blurRad="38100" dist="38100" dir="2700000" algn="tl">
+                    <a:srgbClr val="000000">
+                      <a:alpha val="43137"/>
+                    </a:srgbClr>
+                  </a:outerShdw>
+                </a:effectLst>
+                <a:latin typeface="Century Gothic" panose="020B0502020202020204" pitchFamily="34" charset="0"/>
+              </a:rPr>
+              <a:t>6.08 </a:t>
+            </a:r>
+            <a:r>
+              <a:rPr lang="ru-RU" b="1" dirty="0" err="1">
+                <a:solidFill>
+                  <a:schemeClr val="bg1">
+                    <a:lumMod val="95000"/>
+                  </a:schemeClr>
+                </a:solidFill>
+                <a:effectLst>
+                  <a:outerShdw blurRad="38100" dist="38100" dir="2700000" algn="tl">
+                    <a:srgbClr val="000000">
+                      <a:alpha val="43137"/>
+                    </a:srgbClr>
+                  </a:outerShdw>
+                </a:effectLst>
+                <a:latin typeface="Century Gothic" panose="020B0502020202020204" pitchFamily="34" charset="0"/>
+              </a:rPr>
+              <a:t>чел.мес</a:t>
+            </a:r>
+            <a:r>
+              <a:rPr lang="ru-RU" dirty="0">
+                <a:solidFill>
+                  <a:schemeClr val="bg1">
+                    <a:lumMod val="95000"/>
+                  </a:schemeClr>
+                </a:solidFill>
+                <a:effectLst>
+                  <a:outerShdw blurRad="38100" dist="38100" dir="2700000" algn="tl">
+                    <a:srgbClr val="000000">
+                      <a:alpha val="43137"/>
+                    </a:srgbClr>
+                  </a:outerShdw>
+                </a:effectLst>
+                <a:latin typeface="Century Gothic" panose="020B0502020202020204" pitchFamily="34" charset="0"/>
+              </a:rPr>
+              <a:t> × 3 чел = </a:t>
+            </a:r>
+            <a:r>
+              <a:rPr lang="ru-RU" b="1" dirty="0">
+                <a:solidFill>
+                  <a:schemeClr val="bg1">
+                    <a:lumMod val="95000"/>
+                  </a:schemeClr>
+                </a:solidFill>
+                <a:effectLst>
+                  <a:outerShdw blurRad="38100" dist="38100" dir="2700000" algn="tl">
+                    <a:srgbClr val="000000">
+                      <a:alpha val="43137"/>
+                    </a:srgbClr>
+                  </a:outerShdw>
+                </a:effectLst>
+                <a:latin typeface="Century Gothic" panose="020B0502020202020204" pitchFamily="34" charset="0"/>
+              </a:rPr>
+              <a:t>18.24 </a:t>
+            </a:r>
+            <a:r>
+              <a:rPr lang="ru-RU" b="1" dirty="0" err="1" smtClean="0">
+                <a:solidFill>
+                  <a:schemeClr val="bg1">
+                    <a:lumMod val="95000"/>
+                  </a:schemeClr>
+                </a:solidFill>
+                <a:effectLst>
+                  <a:outerShdw blurRad="38100" dist="38100" dir="2700000" algn="tl">
+                    <a:srgbClr val="000000">
+                      <a:alpha val="43137"/>
+                    </a:srgbClr>
+                  </a:outerShdw>
+                </a:effectLst>
+                <a:latin typeface="Century Gothic" panose="020B0502020202020204" pitchFamily="34" charset="0"/>
+              </a:rPr>
+              <a:t>чел.мес</a:t>
+            </a:r>
+            <a:endParaRPr lang="en-US" b="1" dirty="0" smtClean="0">
+              <a:solidFill>
+                <a:schemeClr val="bg1">
+                  <a:lumMod val="95000"/>
+                </a:schemeClr>
+              </a:solidFill>
+              <a:effectLst>
+                <a:outerShdw blurRad="38100" dist="38100" dir="2700000" algn="tl">
+                  <a:srgbClr val="000000">
+                    <a:alpha val="43137"/>
+                  </a:srgbClr>
+                </a:outerShdw>
+              </a:effectLst>
+              <a:latin typeface="Century Gothic" panose="020B0502020202020204" pitchFamily="34" charset="0"/>
+            </a:endParaRPr>
+          </a:p>
+          <a:p>
+            <a:pPr marL="285750" lvl="0" indent="-285750">
+              <a:buFont typeface="Arial" panose="020B0604020202020204" pitchFamily="34" charset="0"/>
+              <a:buChar char="•"/>
+            </a:pPr>
+            <a:endParaRPr lang="ru-RU" dirty="0">
+              <a:solidFill>
+                <a:schemeClr val="bg1">
+                  <a:lumMod val="95000"/>
+                </a:schemeClr>
+              </a:solidFill>
+              <a:effectLst>
+                <a:outerShdw blurRad="38100" dist="38100" dir="2700000" algn="tl">
+                  <a:srgbClr val="000000">
+                    <a:alpha val="43137"/>
+                  </a:srgbClr>
+                </a:outerShdw>
+              </a:effectLst>
+              <a:latin typeface="Century Gothic" panose="020B0502020202020204" pitchFamily="34" charset="0"/>
+            </a:endParaRPr>
+          </a:p>
+          <a:p>
+            <a:pPr marL="285750" lvl="0" indent="-285750">
+              <a:buFont typeface="Arial" panose="020B0604020202020204" pitchFamily="34" charset="0"/>
+              <a:buChar char="•"/>
+            </a:pPr>
+            <a:r>
+              <a:rPr lang="ru-RU" b="1" dirty="0">
+                <a:solidFill>
+                  <a:schemeClr val="bg1">
+                    <a:lumMod val="95000"/>
+                  </a:schemeClr>
+                </a:solidFill>
+                <a:effectLst>
+                  <a:outerShdw blurRad="38100" dist="38100" dir="2700000" algn="tl">
+                    <a:srgbClr val="000000">
+                      <a:alpha val="43137"/>
+                    </a:srgbClr>
+                  </a:outerShdw>
+                </a:effectLst>
+                <a:latin typeface="Century Gothic" panose="020B0502020202020204" pitchFamily="34" charset="0"/>
+              </a:rPr>
+              <a:t>Стоимость:</a:t>
+            </a:r>
+            <a:r>
+              <a:rPr lang="ru-RU" dirty="0">
+                <a:solidFill>
+                  <a:schemeClr val="bg1">
+                    <a:lumMod val="95000"/>
+                  </a:schemeClr>
+                </a:solidFill>
+                <a:effectLst>
+                  <a:outerShdw blurRad="38100" dist="38100" dir="2700000" algn="tl">
+                    <a:srgbClr val="000000">
+                      <a:alpha val="43137"/>
+                    </a:srgbClr>
+                  </a:outerShdw>
+                </a:effectLst>
+                <a:latin typeface="Century Gothic" panose="020B0502020202020204" pitchFamily="34" charset="0"/>
+              </a:rPr>
+              <a:t> 18.24 </a:t>
+            </a:r>
+            <a:r>
+              <a:rPr lang="ru-RU" dirty="0" err="1">
+                <a:solidFill>
+                  <a:schemeClr val="bg1">
+                    <a:lumMod val="95000"/>
+                  </a:schemeClr>
+                </a:solidFill>
+                <a:effectLst>
+                  <a:outerShdw blurRad="38100" dist="38100" dir="2700000" algn="tl">
+                    <a:srgbClr val="000000">
+                      <a:alpha val="43137"/>
+                    </a:srgbClr>
+                  </a:outerShdw>
+                </a:effectLst>
+                <a:latin typeface="Century Gothic" panose="020B0502020202020204" pitchFamily="34" charset="0"/>
+              </a:rPr>
+              <a:t>чел.мес</a:t>
+            </a:r>
+            <a:r>
+              <a:rPr lang="ru-RU" dirty="0">
+                <a:solidFill>
+                  <a:schemeClr val="bg1">
+                    <a:lumMod val="95000"/>
+                  </a:schemeClr>
+                </a:solidFill>
+                <a:effectLst>
+                  <a:outerShdw blurRad="38100" dist="38100" dir="2700000" algn="tl">
+                    <a:srgbClr val="000000">
+                      <a:alpha val="43137"/>
+                    </a:srgbClr>
+                  </a:outerShdw>
+                </a:effectLst>
+                <a:latin typeface="Century Gothic" panose="020B0502020202020204" pitchFamily="34" charset="0"/>
+              </a:rPr>
+              <a:t> × 150,000 </a:t>
+            </a:r>
+            <a:r>
+              <a:rPr lang="ru-RU" dirty="0" err="1">
+                <a:solidFill>
+                  <a:schemeClr val="bg1">
+                    <a:lumMod val="95000"/>
+                  </a:schemeClr>
+                </a:solidFill>
+                <a:effectLst>
+                  <a:outerShdw blurRad="38100" dist="38100" dir="2700000" algn="tl">
+                    <a:srgbClr val="000000">
+                      <a:alpha val="43137"/>
+                    </a:srgbClr>
+                  </a:outerShdw>
+                </a:effectLst>
+                <a:latin typeface="Century Gothic" panose="020B0502020202020204" pitchFamily="34" charset="0"/>
+              </a:rPr>
+              <a:t>руб</a:t>
+            </a:r>
+            <a:r>
+              <a:rPr lang="ru-RU" dirty="0">
+                <a:solidFill>
+                  <a:schemeClr val="bg1">
+                    <a:lumMod val="95000"/>
+                  </a:schemeClr>
+                </a:solidFill>
+                <a:effectLst>
+                  <a:outerShdw blurRad="38100" dist="38100" dir="2700000" algn="tl">
+                    <a:srgbClr val="000000">
+                      <a:alpha val="43137"/>
+                    </a:srgbClr>
+                  </a:outerShdw>
+                </a:effectLst>
+                <a:latin typeface="Century Gothic" panose="020B0502020202020204" pitchFamily="34" charset="0"/>
+              </a:rPr>
+              <a:t>/</a:t>
+            </a:r>
+            <a:r>
+              <a:rPr lang="ru-RU" dirty="0" err="1">
+                <a:solidFill>
+                  <a:schemeClr val="bg1">
+                    <a:lumMod val="95000"/>
+                  </a:schemeClr>
+                </a:solidFill>
+                <a:effectLst>
+                  <a:outerShdw blurRad="38100" dist="38100" dir="2700000" algn="tl">
+                    <a:srgbClr val="000000">
+                      <a:alpha val="43137"/>
+                    </a:srgbClr>
+                  </a:outerShdw>
+                </a:effectLst>
+                <a:latin typeface="Century Gothic" panose="020B0502020202020204" pitchFamily="34" charset="0"/>
+              </a:rPr>
+              <a:t>мес</a:t>
+            </a:r>
+            <a:r>
+              <a:rPr lang="ru-RU" dirty="0">
+                <a:solidFill>
+                  <a:schemeClr val="bg1">
+                    <a:lumMod val="95000"/>
+                  </a:schemeClr>
+                </a:solidFill>
+                <a:effectLst>
+                  <a:outerShdw blurRad="38100" dist="38100" dir="2700000" algn="tl">
+                    <a:srgbClr val="000000">
+                      <a:alpha val="43137"/>
+                    </a:srgbClr>
+                  </a:outerShdw>
+                </a:effectLst>
+                <a:latin typeface="Century Gothic" panose="020B0502020202020204" pitchFamily="34" charset="0"/>
+              </a:rPr>
+              <a:t> = </a:t>
+            </a:r>
+            <a:r>
+              <a:rPr lang="ru-RU" b="1" dirty="0">
+                <a:solidFill>
+                  <a:schemeClr val="bg1">
+                    <a:lumMod val="95000"/>
+                  </a:schemeClr>
+                </a:solidFill>
+                <a:effectLst>
+                  <a:outerShdw blurRad="38100" dist="38100" dir="2700000" algn="tl">
+                    <a:srgbClr val="000000">
+                      <a:alpha val="43137"/>
+                    </a:srgbClr>
+                  </a:outerShdw>
+                </a:effectLst>
+                <a:latin typeface="Century Gothic" panose="020B0502020202020204" pitchFamily="34" charset="0"/>
+              </a:rPr>
+              <a:t>2,736,000 </a:t>
+            </a:r>
+            <a:r>
+              <a:rPr lang="ru-RU" b="1" dirty="0" err="1">
+                <a:solidFill>
+                  <a:schemeClr val="bg1">
+                    <a:lumMod val="95000"/>
+                  </a:schemeClr>
+                </a:solidFill>
+                <a:effectLst>
+                  <a:outerShdw blurRad="38100" dist="38100" dir="2700000" algn="tl">
+                    <a:srgbClr val="000000">
+                      <a:alpha val="43137"/>
+                    </a:srgbClr>
+                  </a:outerShdw>
+                </a:effectLst>
+                <a:latin typeface="Century Gothic" panose="020B0502020202020204" pitchFamily="34" charset="0"/>
+              </a:rPr>
+              <a:t>руб</a:t>
+            </a:r>
+            <a:endParaRPr lang="ru-RU" dirty="0">
+              <a:solidFill>
+                <a:schemeClr val="bg1">
+                  <a:lumMod val="95000"/>
+                </a:schemeClr>
+              </a:solidFill>
+              <a:effectLst>
+                <a:outerShdw blurRad="38100" dist="38100" dir="2700000" algn="tl">
+                  <a:srgbClr val="000000">
+                    <a:alpha val="43137"/>
+                  </a:srgbClr>
+                </a:outerShdw>
+              </a:effectLst>
+              <a:latin typeface="Century Gothic" panose="020B0502020202020204" pitchFamily="34" charset="0"/>
+            </a:endParaRPr>
+          </a:p>
+          <a:p>
+            <a:pPr lvl="0"/>
+            <a:r>
+              <a:rPr lang="ru-RU" b="1" dirty="0">
+                <a:solidFill>
+                  <a:schemeClr val="bg1">
+                    <a:lumMod val="95000"/>
+                  </a:schemeClr>
+                </a:solidFill>
+                <a:effectLst>
+                  <a:outerShdw blurRad="38100" dist="38100" dir="2700000" algn="tl">
+                    <a:srgbClr val="000000">
+                      <a:alpha val="43137"/>
+                    </a:srgbClr>
+                  </a:outerShdw>
+                </a:effectLst>
+                <a:latin typeface="Century Gothic" panose="020B0502020202020204" pitchFamily="34" charset="0"/>
+              </a:rPr>
+              <a:t>С округлением:</a:t>
+            </a:r>
+            <a:r>
+              <a:rPr lang="ru-RU" dirty="0">
+                <a:solidFill>
+                  <a:schemeClr val="bg1">
+                    <a:lumMod val="95000"/>
+                  </a:schemeClr>
+                </a:solidFill>
+                <a:effectLst>
+                  <a:outerShdw blurRad="38100" dist="38100" dir="2700000" algn="tl">
+                    <a:srgbClr val="000000">
+                      <a:alpha val="43137"/>
+                    </a:srgbClr>
+                  </a:outerShdw>
+                </a:effectLst>
+                <a:latin typeface="Century Gothic" panose="020B0502020202020204" pitchFamily="34" charset="0"/>
+              </a:rPr>
+              <a:t> </a:t>
+            </a:r>
+            <a:r>
+              <a:rPr lang="ru-RU" b="1" dirty="0">
+                <a:solidFill>
+                  <a:schemeClr val="bg1">
+                    <a:lumMod val="95000"/>
+                  </a:schemeClr>
+                </a:solidFill>
+                <a:effectLst>
+                  <a:outerShdw blurRad="38100" dist="38100" dir="2700000" algn="tl">
+                    <a:srgbClr val="000000">
+                      <a:alpha val="43137"/>
+                    </a:srgbClr>
+                  </a:outerShdw>
+                </a:effectLst>
+                <a:latin typeface="Century Gothic" panose="020B0502020202020204" pitchFamily="34" charset="0"/>
+              </a:rPr>
+              <a:t>2,700,000 </a:t>
+            </a:r>
+            <a:r>
+              <a:rPr lang="ru-RU" b="1" dirty="0" err="1">
+                <a:solidFill>
+                  <a:schemeClr val="bg1">
+                    <a:lumMod val="95000"/>
+                  </a:schemeClr>
+                </a:solidFill>
+                <a:effectLst>
+                  <a:outerShdw blurRad="38100" dist="38100" dir="2700000" algn="tl">
+                    <a:srgbClr val="000000">
+                      <a:alpha val="43137"/>
+                    </a:srgbClr>
+                  </a:outerShdw>
+                </a:effectLst>
+                <a:latin typeface="Century Gothic" panose="020B0502020202020204" pitchFamily="34" charset="0"/>
+              </a:rPr>
+              <a:t>руб</a:t>
+            </a:r>
+            <a:endParaRPr lang="ru-RU" dirty="0">
+              <a:solidFill>
+                <a:schemeClr val="bg1">
+                  <a:lumMod val="95000"/>
+                </a:schemeClr>
+              </a:solidFill>
+              <a:effectLst>
+                <a:outerShdw blurRad="38100" dist="38100" dir="2700000" algn="tl">
+                  <a:srgbClr val="000000">
+                    <a:alpha val="43137"/>
+                  </a:srgbClr>
+                </a:outerShdw>
+              </a:effectLst>
+              <a:latin typeface="Century Gothic" panose="020B0502020202020204" pitchFamily="34" charset="0"/>
+            </a:endParaRPr>
+          </a:p>
+        </p:txBody>
+      </p:sp>
+      <p:sp>
+        <p:nvSpPr>
+          <p:cNvPr id="8" name="Прямоугольник 7"/>
+          <p:cNvSpPr/>
+          <p:nvPr/>
+        </p:nvSpPr>
+        <p:spPr>
+          <a:xfrm>
+            <a:off x="6096000" y="732906"/>
+            <a:ext cx="6096000" cy="4247317"/>
+          </a:xfrm>
+          <a:prstGeom prst="rect">
+            <a:avLst/>
+          </a:prstGeom>
+        </p:spPr>
+        <p:txBody>
+          <a:bodyPr>
+            <a:spAutoFit/>
+          </a:bodyPr>
+          <a:lstStyle/>
+          <a:p>
+            <a:r>
+              <a:rPr lang="ru-RU" dirty="0">
+                <a:solidFill>
+                  <a:schemeClr val="bg1">
+                    <a:lumMod val="95000"/>
+                  </a:schemeClr>
+                </a:solidFill>
+                <a:effectLst>
+                  <a:outerShdw blurRad="38100" dist="38100" dir="2700000" algn="tl">
+                    <a:srgbClr val="000000">
+                      <a:alpha val="43137"/>
+                    </a:srgbClr>
+                  </a:outerShdw>
+                </a:effectLst>
+                <a:latin typeface="Century Gothic" panose="020B0502020202020204" pitchFamily="34" charset="0"/>
+              </a:rPr>
+              <a:t>Рекомендации:</a:t>
+            </a:r>
+            <a:endParaRPr lang="ru-RU" sz="1600" b="1" dirty="0">
+              <a:solidFill>
+                <a:schemeClr val="bg1">
+                  <a:lumMod val="95000"/>
+                </a:schemeClr>
+              </a:solidFill>
+              <a:effectLst>
+                <a:outerShdw blurRad="38100" dist="38100" dir="2700000" algn="tl">
+                  <a:srgbClr val="000000">
+                    <a:alpha val="43137"/>
+                  </a:srgbClr>
+                </a:outerShdw>
+              </a:effectLst>
+              <a:latin typeface="Century Gothic" panose="020B0502020202020204" pitchFamily="34" charset="0"/>
+            </a:endParaRPr>
+          </a:p>
+          <a:p>
+            <a:pPr marL="285750" lvl="0" indent="-285750">
+              <a:buFont typeface="Arial" panose="020B0604020202020204" pitchFamily="34" charset="0"/>
+              <a:buChar char="•"/>
+            </a:pPr>
+            <a:r>
+              <a:rPr lang="ru-RU" b="1" dirty="0">
+                <a:solidFill>
+                  <a:schemeClr val="bg1">
+                    <a:lumMod val="95000"/>
+                  </a:schemeClr>
+                </a:solidFill>
+                <a:effectLst>
+                  <a:outerShdw blurRad="38100" dist="38100" dir="2700000" algn="tl">
+                    <a:srgbClr val="000000">
+                      <a:alpha val="43137"/>
+                    </a:srgbClr>
+                  </a:outerShdw>
+                </a:effectLst>
+                <a:latin typeface="Century Gothic" panose="020B0502020202020204" pitchFamily="34" charset="0"/>
+              </a:rPr>
+              <a:t>Использовать комбинированный подход:</a:t>
+            </a:r>
+            <a:r>
+              <a:rPr lang="ru-RU" dirty="0">
+                <a:solidFill>
+                  <a:schemeClr val="bg1">
+                    <a:lumMod val="95000"/>
+                  </a:schemeClr>
+                </a:solidFill>
+                <a:effectLst>
+                  <a:outerShdw blurRad="38100" dist="38100" dir="2700000" algn="tl">
+                    <a:srgbClr val="000000">
+                      <a:alpha val="43137"/>
+                    </a:srgbClr>
+                  </a:outerShdw>
+                </a:effectLst>
+                <a:latin typeface="Century Gothic" panose="020B0502020202020204" pitchFamily="34" charset="0"/>
+              </a:rPr>
+              <a:t> Экспертная оценка + </a:t>
+            </a:r>
+            <a:r>
+              <a:rPr lang="ru-RU" dirty="0" err="1">
+                <a:solidFill>
+                  <a:schemeClr val="bg1">
+                    <a:lumMod val="95000"/>
+                  </a:schemeClr>
+                </a:solidFill>
+                <a:effectLst>
+                  <a:outerShdw blurRad="38100" dist="38100" dir="2700000" algn="tl">
+                    <a:srgbClr val="000000">
+                      <a:alpha val="43137"/>
+                    </a:srgbClr>
+                  </a:outerShdw>
+                </a:effectLst>
+                <a:latin typeface="Century Gothic" panose="020B0502020202020204" pitchFamily="34" charset="0"/>
+              </a:rPr>
+              <a:t>Planning</a:t>
+            </a:r>
+            <a:r>
+              <a:rPr lang="ru-RU" dirty="0">
+                <a:solidFill>
+                  <a:schemeClr val="bg1">
+                    <a:lumMod val="95000"/>
+                  </a:schemeClr>
+                </a:solidFill>
+                <a:effectLst>
+                  <a:outerShdw blurRad="38100" dist="38100" dir="2700000" algn="tl">
+                    <a:srgbClr val="000000">
+                      <a:alpha val="43137"/>
+                    </a:srgbClr>
+                  </a:outerShdw>
+                </a:effectLst>
+                <a:latin typeface="Century Gothic" panose="020B0502020202020204" pitchFamily="34" charset="0"/>
+              </a:rPr>
+              <a:t> </a:t>
+            </a:r>
+            <a:r>
+              <a:rPr lang="ru-RU" dirty="0" err="1" smtClean="0">
+                <a:solidFill>
+                  <a:schemeClr val="bg1">
+                    <a:lumMod val="95000"/>
+                  </a:schemeClr>
+                </a:solidFill>
+                <a:effectLst>
+                  <a:outerShdw blurRad="38100" dist="38100" dir="2700000" algn="tl">
+                    <a:srgbClr val="000000">
+                      <a:alpha val="43137"/>
+                    </a:srgbClr>
+                  </a:outerShdw>
+                </a:effectLst>
+                <a:latin typeface="Century Gothic" panose="020B0502020202020204" pitchFamily="34" charset="0"/>
+              </a:rPr>
+              <a:t>Poker</a:t>
+            </a:r>
+            <a:endParaRPr lang="en-US" dirty="0" smtClean="0">
+              <a:solidFill>
+                <a:schemeClr val="bg1">
+                  <a:lumMod val="95000"/>
+                </a:schemeClr>
+              </a:solidFill>
+              <a:effectLst>
+                <a:outerShdw blurRad="38100" dist="38100" dir="2700000" algn="tl">
+                  <a:srgbClr val="000000">
+                    <a:alpha val="43137"/>
+                  </a:srgbClr>
+                </a:outerShdw>
+              </a:effectLst>
+              <a:latin typeface="Century Gothic" panose="020B0502020202020204" pitchFamily="34" charset="0"/>
+            </a:endParaRPr>
+          </a:p>
+          <a:p>
+            <a:pPr marL="285750" lvl="0" indent="-285750">
+              <a:buFont typeface="Arial" panose="020B0604020202020204" pitchFamily="34" charset="0"/>
+              <a:buChar char="•"/>
+            </a:pPr>
+            <a:endParaRPr lang="ru-RU" dirty="0">
+              <a:solidFill>
+                <a:schemeClr val="bg1">
+                  <a:lumMod val="95000"/>
+                </a:schemeClr>
+              </a:solidFill>
+              <a:effectLst>
+                <a:outerShdw blurRad="38100" dist="38100" dir="2700000" algn="tl">
+                  <a:srgbClr val="000000">
+                    <a:alpha val="43137"/>
+                  </a:srgbClr>
+                </a:outerShdw>
+              </a:effectLst>
+              <a:latin typeface="Century Gothic" panose="020B0502020202020204" pitchFamily="34" charset="0"/>
+            </a:endParaRPr>
+          </a:p>
+          <a:p>
+            <a:pPr marL="285750" lvl="0" indent="-285750">
+              <a:buFont typeface="Arial" panose="020B0604020202020204" pitchFamily="34" charset="0"/>
+              <a:buChar char="•"/>
+            </a:pPr>
+            <a:r>
+              <a:rPr lang="ru-RU" b="1" dirty="0">
+                <a:solidFill>
+                  <a:schemeClr val="bg1">
+                    <a:lumMod val="95000"/>
+                  </a:schemeClr>
+                </a:solidFill>
+                <a:effectLst>
+                  <a:outerShdw blurRad="38100" dist="38100" dir="2700000" algn="tl">
+                    <a:srgbClr val="000000">
+                      <a:alpha val="43137"/>
+                    </a:srgbClr>
+                  </a:outerShdw>
+                </a:effectLst>
+                <a:latin typeface="Century Gothic" panose="020B0502020202020204" pitchFamily="34" charset="0"/>
+              </a:rPr>
+              <a:t>Учесть риски:</a:t>
+            </a:r>
+            <a:r>
+              <a:rPr lang="ru-RU" dirty="0">
+                <a:solidFill>
+                  <a:schemeClr val="bg1">
+                    <a:lumMod val="95000"/>
+                  </a:schemeClr>
+                </a:solidFill>
+                <a:effectLst>
+                  <a:outerShdw blurRad="38100" dist="38100" dir="2700000" algn="tl">
+                    <a:srgbClr val="000000">
+                      <a:alpha val="43137"/>
+                    </a:srgbClr>
+                  </a:outerShdw>
+                </a:effectLst>
+                <a:latin typeface="Century Gothic" panose="020B0502020202020204" pitchFamily="34" charset="0"/>
+              </a:rPr>
+              <a:t> Добавить 20% резерв = </a:t>
+            </a:r>
+            <a:r>
+              <a:rPr lang="ru-RU" b="1" dirty="0">
+                <a:solidFill>
+                  <a:schemeClr val="bg1">
+                    <a:lumMod val="95000"/>
+                  </a:schemeClr>
+                </a:solidFill>
+                <a:effectLst>
+                  <a:outerShdw blurRad="38100" dist="38100" dir="2700000" algn="tl">
+                    <a:srgbClr val="000000">
+                      <a:alpha val="43137"/>
+                    </a:srgbClr>
+                  </a:outerShdw>
+                </a:effectLst>
+                <a:latin typeface="Century Gothic" panose="020B0502020202020204" pitchFamily="34" charset="0"/>
+              </a:rPr>
+              <a:t>3,240,000 </a:t>
+            </a:r>
+            <a:r>
+              <a:rPr lang="ru-RU" b="1" dirty="0" err="1" smtClean="0">
+                <a:solidFill>
+                  <a:schemeClr val="bg1">
+                    <a:lumMod val="95000"/>
+                  </a:schemeClr>
+                </a:solidFill>
+                <a:effectLst>
+                  <a:outerShdw blurRad="38100" dist="38100" dir="2700000" algn="tl">
+                    <a:srgbClr val="000000">
+                      <a:alpha val="43137"/>
+                    </a:srgbClr>
+                  </a:outerShdw>
+                </a:effectLst>
+                <a:latin typeface="Century Gothic" panose="020B0502020202020204" pitchFamily="34" charset="0"/>
+              </a:rPr>
+              <a:t>руб</a:t>
+            </a:r>
+            <a:endParaRPr lang="en-US" b="1" dirty="0" smtClean="0">
+              <a:solidFill>
+                <a:schemeClr val="bg1">
+                  <a:lumMod val="95000"/>
+                </a:schemeClr>
+              </a:solidFill>
+              <a:effectLst>
+                <a:outerShdw blurRad="38100" dist="38100" dir="2700000" algn="tl">
+                  <a:srgbClr val="000000">
+                    <a:alpha val="43137"/>
+                  </a:srgbClr>
+                </a:outerShdw>
+              </a:effectLst>
+              <a:latin typeface="Century Gothic" panose="020B0502020202020204" pitchFamily="34" charset="0"/>
+            </a:endParaRPr>
+          </a:p>
+          <a:p>
+            <a:pPr marL="285750" lvl="0" indent="-285750">
+              <a:buFont typeface="Arial" panose="020B0604020202020204" pitchFamily="34" charset="0"/>
+              <a:buChar char="•"/>
+            </a:pPr>
+            <a:endParaRPr lang="ru-RU" dirty="0">
+              <a:solidFill>
+                <a:schemeClr val="bg1">
+                  <a:lumMod val="95000"/>
+                </a:schemeClr>
+              </a:solidFill>
+              <a:effectLst>
+                <a:outerShdw blurRad="38100" dist="38100" dir="2700000" algn="tl">
+                  <a:srgbClr val="000000">
+                    <a:alpha val="43137"/>
+                  </a:srgbClr>
+                </a:outerShdw>
+              </a:effectLst>
+              <a:latin typeface="Century Gothic" panose="020B0502020202020204" pitchFamily="34" charset="0"/>
+            </a:endParaRPr>
+          </a:p>
+          <a:p>
+            <a:pPr marL="285750" lvl="0" indent="-285750">
+              <a:buFont typeface="Arial" panose="020B0604020202020204" pitchFamily="34" charset="0"/>
+              <a:buChar char="•"/>
+            </a:pPr>
+            <a:r>
+              <a:rPr lang="ru-RU" b="1" dirty="0">
+                <a:solidFill>
+                  <a:schemeClr val="bg1">
+                    <a:lumMod val="95000"/>
+                  </a:schemeClr>
+                </a:solidFill>
+                <a:effectLst>
+                  <a:outerShdw blurRad="38100" dist="38100" dir="2700000" algn="tl">
+                    <a:srgbClr val="000000">
+                      <a:alpha val="43137"/>
+                    </a:srgbClr>
+                  </a:outerShdw>
+                </a:effectLst>
+                <a:latin typeface="Century Gothic" panose="020B0502020202020204" pitchFamily="34" charset="0"/>
+              </a:rPr>
+              <a:t>Разбить на этапы:</a:t>
+            </a:r>
+            <a:endParaRPr lang="ru-RU" dirty="0">
+              <a:solidFill>
+                <a:schemeClr val="bg1">
+                  <a:lumMod val="95000"/>
+                </a:schemeClr>
+              </a:solidFill>
+              <a:effectLst>
+                <a:outerShdw blurRad="38100" dist="38100" dir="2700000" algn="tl">
+                  <a:srgbClr val="000000">
+                    <a:alpha val="43137"/>
+                  </a:srgbClr>
+                </a:outerShdw>
+              </a:effectLst>
+              <a:latin typeface="Century Gothic" panose="020B0502020202020204" pitchFamily="34" charset="0"/>
+            </a:endParaRPr>
+          </a:p>
+          <a:p>
+            <a:pPr marL="800100" lvl="1" indent="-342900">
+              <a:buFont typeface="+mj-lt"/>
+              <a:buAutoNum type="arabicPeriod"/>
+            </a:pPr>
+            <a:r>
+              <a:rPr lang="ru-RU" dirty="0">
+                <a:solidFill>
+                  <a:schemeClr val="bg1">
+                    <a:lumMod val="95000"/>
+                  </a:schemeClr>
+                </a:solidFill>
+                <a:effectLst>
+                  <a:outerShdw blurRad="38100" dist="38100" dir="2700000" algn="tl">
+                    <a:srgbClr val="000000">
+                      <a:alpha val="43137"/>
+                    </a:srgbClr>
+                  </a:outerShdw>
+                </a:effectLst>
+                <a:latin typeface="Century Gothic" panose="020B0502020202020204" pitchFamily="34" charset="0"/>
+              </a:rPr>
+              <a:t>MVP (</a:t>
+            </a:r>
+            <a:r>
+              <a:rPr lang="ru-RU" dirty="0" err="1">
+                <a:solidFill>
+                  <a:schemeClr val="bg1">
+                    <a:lumMod val="95000"/>
+                  </a:schemeClr>
+                </a:solidFill>
+                <a:effectLst>
+                  <a:outerShdw blurRad="38100" dist="38100" dir="2700000" algn="tl">
+                    <a:srgbClr val="000000">
+                      <a:alpha val="43137"/>
+                    </a:srgbClr>
+                  </a:outerShdw>
+                </a:effectLst>
+                <a:latin typeface="Century Gothic" panose="020B0502020202020204" pitchFamily="34" charset="0"/>
+              </a:rPr>
+              <a:t>ядро+редактор</a:t>
+            </a:r>
+            <a:r>
+              <a:rPr lang="ru-RU" dirty="0">
+                <a:solidFill>
+                  <a:schemeClr val="bg1">
+                    <a:lumMod val="95000"/>
+                  </a:schemeClr>
+                </a:solidFill>
+                <a:effectLst>
+                  <a:outerShdw blurRad="38100" dist="38100" dir="2700000" algn="tl">
+                    <a:srgbClr val="000000">
+                      <a:alpha val="43137"/>
+                    </a:srgbClr>
+                  </a:outerShdw>
+                </a:effectLst>
+                <a:latin typeface="Century Gothic" panose="020B0502020202020204" pitchFamily="34" charset="0"/>
+              </a:rPr>
+              <a:t>): 1,500,000 </a:t>
+            </a:r>
+            <a:r>
+              <a:rPr lang="ru-RU" dirty="0" err="1">
+                <a:solidFill>
+                  <a:schemeClr val="bg1">
+                    <a:lumMod val="95000"/>
+                  </a:schemeClr>
+                </a:solidFill>
+                <a:effectLst>
+                  <a:outerShdw blurRad="38100" dist="38100" dir="2700000" algn="tl">
+                    <a:srgbClr val="000000">
+                      <a:alpha val="43137"/>
+                    </a:srgbClr>
+                  </a:outerShdw>
+                </a:effectLst>
+                <a:latin typeface="Century Gothic" panose="020B0502020202020204" pitchFamily="34" charset="0"/>
+              </a:rPr>
+              <a:t>руб</a:t>
+            </a:r>
+            <a:endParaRPr lang="ru-RU" dirty="0">
+              <a:solidFill>
+                <a:schemeClr val="bg1">
+                  <a:lumMod val="95000"/>
+                </a:schemeClr>
+              </a:solidFill>
+              <a:effectLst>
+                <a:outerShdw blurRad="38100" dist="38100" dir="2700000" algn="tl">
+                  <a:srgbClr val="000000">
+                    <a:alpha val="43137"/>
+                  </a:srgbClr>
+                </a:outerShdw>
+              </a:effectLst>
+              <a:latin typeface="Century Gothic" panose="020B0502020202020204" pitchFamily="34" charset="0"/>
+            </a:endParaRPr>
+          </a:p>
+          <a:p>
+            <a:pPr marL="800100" lvl="1" indent="-342900">
+              <a:buFont typeface="+mj-lt"/>
+              <a:buAutoNum type="arabicPeriod"/>
+            </a:pPr>
+            <a:r>
+              <a:rPr lang="ru-RU" dirty="0">
+                <a:solidFill>
+                  <a:schemeClr val="bg1">
+                    <a:lumMod val="95000"/>
+                  </a:schemeClr>
+                </a:solidFill>
+                <a:effectLst>
+                  <a:outerShdw blurRad="38100" dist="38100" dir="2700000" algn="tl">
+                    <a:srgbClr val="000000">
+                      <a:alpha val="43137"/>
+                    </a:srgbClr>
+                  </a:outerShdw>
+                </a:effectLst>
+                <a:latin typeface="Century Gothic" panose="020B0502020202020204" pitchFamily="34" charset="0"/>
+              </a:rPr>
+              <a:t>Расширение (</a:t>
+            </a:r>
+            <a:r>
+              <a:rPr lang="ru-RU" dirty="0" err="1">
+                <a:solidFill>
+                  <a:schemeClr val="bg1">
+                    <a:lumMod val="95000"/>
+                  </a:schemeClr>
+                </a:solidFill>
+                <a:effectLst>
+                  <a:outerShdw blurRad="38100" dist="38100" dir="2700000" algn="tl">
+                    <a:srgbClr val="000000">
+                      <a:alpha val="43137"/>
+                    </a:srgbClr>
+                  </a:outerShdw>
+                </a:effectLst>
+                <a:latin typeface="Century Gothic" panose="020B0502020202020204" pitchFamily="34" charset="0"/>
+              </a:rPr>
+              <a:t>инжектирование+кроссплат</a:t>
+            </a:r>
+            <a:r>
+              <a:rPr lang="ru-RU" dirty="0">
+                <a:solidFill>
+                  <a:schemeClr val="bg1">
+                    <a:lumMod val="95000"/>
+                  </a:schemeClr>
+                </a:solidFill>
+                <a:effectLst>
+                  <a:outerShdw blurRad="38100" dist="38100" dir="2700000" algn="tl">
+                    <a:srgbClr val="000000">
+                      <a:alpha val="43137"/>
+                    </a:srgbClr>
+                  </a:outerShdw>
+                </a:effectLst>
+                <a:latin typeface="Century Gothic" panose="020B0502020202020204" pitchFamily="34" charset="0"/>
+              </a:rPr>
+              <a:t>.): 900,000 </a:t>
+            </a:r>
+            <a:r>
+              <a:rPr lang="ru-RU" dirty="0" err="1">
+                <a:solidFill>
+                  <a:schemeClr val="bg1">
+                    <a:lumMod val="95000"/>
+                  </a:schemeClr>
+                </a:solidFill>
+                <a:effectLst>
+                  <a:outerShdw blurRad="38100" dist="38100" dir="2700000" algn="tl">
+                    <a:srgbClr val="000000">
+                      <a:alpha val="43137"/>
+                    </a:srgbClr>
+                  </a:outerShdw>
+                </a:effectLst>
+                <a:latin typeface="Century Gothic" panose="020B0502020202020204" pitchFamily="34" charset="0"/>
+              </a:rPr>
+              <a:t>руб</a:t>
+            </a:r>
+            <a:endParaRPr lang="ru-RU" dirty="0">
+              <a:solidFill>
+                <a:schemeClr val="bg1">
+                  <a:lumMod val="95000"/>
+                </a:schemeClr>
+              </a:solidFill>
+              <a:effectLst>
+                <a:outerShdw blurRad="38100" dist="38100" dir="2700000" algn="tl">
+                  <a:srgbClr val="000000">
+                    <a:alpha val="43137"/>
+                  </a:srgbClr>
+                </a:outerShdw>
+              </a:effectLst>
+              <a:latin typeface="Century Gothic" panose="020B0502020202020204" pitchFamily="34" charset="0"/>
+            </a:endParaRPr>
+          </a:p>
+          <a:p>
+            <a:pPr marL="800100" lvl="1" indent="-342900">
+              <a:buFont typeface="+mj-lt"/>
+              <a:buAutoNum type="arabicPeriod"/>
+            </a:pPr>
+            <a:r>
+              <a:rPr lang="ru-RU" dirty="0" err="1">
+                <a:solidFill>
+                  <a:schemeClr val="bg1">
+                    <a:lumMod val="95000"/>
+                  </a:schemeClr>
+                </a:solidFill>
+                <a:effectLst>
+                  <a:outerShdw blurRad="38100" dist="38100" dir="2700000" algn="tl">
+                    <a:srgbClr val="000000">
+                      <a:alpha val="43137"/>
+                    </a:srgbClr>
+                  </a:outerShdw>
+                </a:effectLst>
+                <a:latin typeface="Century Gothic" panose="020B0502020202020204" pitchFamily="34" charset="0"/>
+              </a:rPr>
+              <a:t>Тестирование+документация</a:t>
+            </a:r>
+            <a:r>
+              <a:rPr lang="ru-RU" dirty="0">
+                <a:solidFill>
+                  <a:schemeClr val="bg1">
+                    <a:lumMod val="95000"/>
+                  </a:schemeClr>
+                </a:solidFill>
+                <a:effectLst>
+                  <a:outerShdw blurRad="38100" dist="38100" dir="2700000" algn="tl">
+                    <a:srgbClr val="000000">
+                      <a:alpha val="43137"/>
+                    </a:srgbClr>
+                  </a:outerShdw>
+                </a:effectLst>
+                <a:latin typeface="Century Gothic" panose="020B0502020202020204" pitchFamily="34" charset="0"/>
+              </a:rPr>
+              <a:t>: 300,000 </a:t>
+            </a:r>
+            <a:r>
+              <a:rPr lang="ru-RU" dirty="0" err="1" smtClean="0">
+                <a:solidFill>
+                  <a:schemeClr val="bg1">
+                    <a:lumMod val="95000"/>
+                  </a:schemeClr>
+                </a:solidFill>
+                <a:effectLst>
+                  <a:outerShdw blurRad="38100" dist="38100" dir="2700000" algn="tl">
+                    <a:srgbClr val="000000">
+                      <a:alpha val="43137"/>
+                    </a:srgbClr>
+                  </a:outerShdw>
+                </a:effectLst>
+                <a:latin typeface="Century Gothic" panose="020B0502020202020204" pitchFamily="34" charset="0"/>
+              </a:rPr>
+              <a:t>руб</a:t>
+            </a:r>
+            <a:endParaRPr lang="en-US" dirty="0" smtClean="0">
+              <a:solidFill>
+                <a:schemeClr val="bg1">
+                  <a:lumMod val="95000"/>
+                </a:schemeClr>
+              </a:solidFill>
+              <a:effectLst>
+                <a:outerShdw blurRad="38100" dist="38100" dir="2700000" algn="tl">
+                  <a:srgbClr val="000000">
+                    <a:alpha val="43137"/>
+                  </a:srgbClr>
+                </a:outerShdw>
+              </a:effectLst>
+              <a:latin typeface="Century Gothic" panose="020B0502020202020204" pitchFamily="34" charset="0"/>
+            </a:endParaRPr>
+          </a:p>
+          <a:p>
+            <a:pPr marL="800100" lvl="1" indent="-342900">
+              <a:buFont typeface="+mj-lt"/>
+              <a:buAutoNum type="arabicPeriod"/>
+            </a:pPr>
+            <a:endParaRPr lang="ru-RU" dirty="0">
+              <a:solidFill>
+                <a:schemeClr val="bg1">
+                  <a:lumMod val="95000"/>
+                </a:schemeClr>
+              </a:solidFill>
+              <a:effectLst>
+                <a:outerShdw blurRad="38100" dist="38100" dir="2700000" algn="tl">
+                  <a:srgbClr val="000000">
+                    <a:alpha val="43137"/>
+                  </a:srgbClr>
+                </a:outerShdw>
+              </a:effectLst>
+              <a:latin typeface="Century Gothic" panose="020B0502020202020204" pitchFamily="34" charset="0"/>
+            </a:endParaRPr>
+          </a:p>
+          <a:p>
+            <a:pPr marL="285750" lvl="0" indent="-285750">
+              <a:buFont typeface="Arial" panose="020B0604020202020204" pitchFamily="34" charset="0"/>
+              <a:buChar char="•"/>
+            </a:pPr>
+            <a:r>
+              <a:rPr lang="ru-RU" b="1" dirty="0">
+                <a:solidFill>
+                  <a:schemeClr val="bg1">
+                    <a:lumMod val="95000"/>
+                  </a:schemeClr>
+                </a:solidFill>
+                <a:effectLst>
+                  <a:outerShdw blurRad="38100" dist="38100" dir="2700000" algn="tl">
+                    <a:srgbClr val="000000">
+                      <a:alpha val="43137"/>
+                    </a:srgbClr>
+                  </a:outerShdw>
+                </a:effectLst>
+                <a:latin typeface="Century Gothic" panose="020B0502020202020204" pitchFamily="34" charset="0"/>
+              </a:rPr>
+              <a:t>Для заказчика:</a:t>
+            </a:r>
+            <a:r>
+              <a:rPr lang="ru-RU" dirty="0">
+                <a:solidFill>
+                  <a:schemeClr val="bg1">
+                    <a:lumMod val="95000"/>
+                  </a:schemeClr>
+                </a:solidFill>
+                <a:effectLst>
+                  <a:outerShdw blurRad="38100" dist="38100" dir="2700000" algn="tl">
+                    <a:srgbClr val="000000">
+                      <a:alpha val="43137"/>
+                    </a:srgbClr>
+                  </a:outerShdw>
+                </a:effectLst>
+                <a:latin typeface="Century Gothic" panose="020B0502020202020204" pitchFamily="34" charset="0"/>
+              </a:rPr>
+              <a:t> Представить диапазон 2.5-3.5 млн </a:t>
+            </a:r>
+            <a:r>
+              <a:rPr lang="ru-RU" dirty="0" err="1">
+                <a:solidFill>
+                  <a:schemeClr val="bg1">
+                    <a:lumMod val="95000"/>
+                  </a:schemeClr>
+                </a:solidFill>
+                <a:effectLst>
+                  <a:outerShdw blurRad="38100" dist="38100" dir="2700000" algn="tl">
+                    <a:srgbClr val="000000">
+                      <a:alpha val="43137"/>
+                    </a:srgbClr>
+                  </a:outerShdw>
+                </a:effectLst>
+                <a:latin typeface="Century Gothic" panose="020B0502020202020204" pitchFamily="34" charset="0"/>
+              </a:rPr>
+              <a:t>руб</a:t>
+            </a:r>
+            <a:endParaRPr lang="ru-RU" dirty="0">
+              <a:solidFill>
+                <a:schemeClr val="bg1">
+                  <a:lumMod val="95000"/>
+                </a:schemeClr>
+              </a:solidFill>
+              <a:effectLst>
+                <a:outerShdw blurRad="38100" dist="38100" dir="2700000" algn="tl">
+                  <a:srgbClr val="000000">
+                    <a:alpha val="43137"/>
+                  </a:srgbClr>
+                </a:outerShdw>
+              </a:effectLst>
+              <a:latin typeface="Century Gothic" panose="020B0502020202020204" pitchFamily="34" charset="0"/>
+            </a:endParaRPr>
+          </a:p>
+        </p:txBody>
+      </p:sp>
+    </p:spTree>
+    <p:extLst>
+      <p:ext uri="{BB962C8B-B14F-4D97-AF65-F5344CB8AC3E}">
+        <p14:creationId xmlns:p14="http://schemas.microsoft.com/office/powerpoint/2010/main" val="3422561771"/>
+      </p:ext>
+    </p:extLst>
+  </p:cSld>
+  <p:clrMapOvr>
+    <a:masterClrMapping/>
+  </p:clrMapOvr>
+  <p:timing>
+    <p:tnLst>
+      <p:par>
+        <p:cTn id="1" dur="indefinite" restart="never" nodeType="tmRoot"/>
+      </p:par>
+    </p:tnLst>
+  </p:timing>
+</p:sld>
+</file>
+
+<file path=ppt/slides/slide37.xml><?xml version="1.0" encoding="utf-8"?>
+<p:sld xmlns:a="http://schemas.openxmlformats.org/drawingml/2006/main" xmlns:r="http://schemas.openxmlformats.org/officeDocument/2006/relationships" xmlns:p="http://schemas.openxmlformats.org/presentationml/2006/main">
+  <p:cSld>
+    <p:spTree>
+      <p:nvGrpSpPr>
+        <p:cNvPr id="1" name="">
+          <a:extLst>
+            <a:ext uri="{FF2B5EF4-FFF2-40B4-BE49-F238E27FC236}">
+              <a16:creationId xmlns:a16="http://schemas.microsoft.com/office/drawing/2014/main" id="{1CED95EE-9878-5DB7-F2AA-458C7F3B4FEB}"/>
+            </a:ext>
+          </a:extLst>
+        </p:cNvPr>
+        <p:cNvGrpSpPr/>
+        <p:nvPr/>
+      </p:nvGrpSpPr>
+      <p:grpSpPr>
+        <a:xfrm>
+          <a:off x="0" y="0"/>
+          <a:ext cx="0" cy="0"/>
+          <a:chOff x="0" y="0"/>
+          <a:chExt cx="0" cy="0"/>
+        </a:xfrm>
+      </p:grpSpPr>
+      <p:sp>
+        <p:nvSpPr>
+          <p:cNvPr id="14" name="Овал 13">
+            <a:extLst>
+              <a:ext uri="{FF2B5EF4-FFF2-40B4-BE49-F238E27FC236}">
+                <a16:creationId xmlns:a16="http://schemas.microsoft.com/office/drawing/2014/main" id="{5B6C4597-3C0D-C8C2-0BFB-D422255718B9}"/>
+              </a:ext>
+            </a:extLst>
+          </p:cNvPr>
+          <p:cNvSpPr/>
+          <p:nvPr/>
+        </p:nvSpPr>
+        <p:spPr>
+          <a:xfrm rot="1548438">
+            <a:off x="-4585204" y="-5981371"/>
+            <a:ext cx="19996152" cy="17378114"/>
+          </a:xfrm>
+          <a:prstGeom prst="ellipse">
+            <a:avLst/>
+          </a:prstGeom>
+          <a:gradFill flip="none" rotWithShape="1">
+            <a:gsLst>
+              <a:gs pos="0">
+                <a:srgbClr val="002D76"/>
+              </a:gs>
+              <a:gs pos="100000">
+                <a:srgbClr val="72A7FE"/>
+              </a:gs>
+              <a:gs pos="0">
+                <a:srgbClr val="1B71FD"/>
+              </a:gs>
+            </a:gsLst>
+            <a:path path="circle">
+              <a:fillToRect l="50000" t="50000" r="50000" b="50000"/>
+            </a:path>
+            <a:tileRect/>
+          </a:gradFill>
+          <a:effectLst>
+            <a:softEdge rad="1270000"/>
+          </a:effectLst>
+        </p:spPr>
+        <p:style>
+          <a:lnRef idx="2">
+            <a:schemeClr val="accent1">
+              <a:shade val="50000"/>
+            </a:schemeClr>
+          </a:lnRef>
+          <a:fillRef idx="1">
+            <a:schemeClr val="accent1"/>
+          </a:fillRef>
+          <a:effectRef idx="0">
+            <a:schemeClr val="accent1"/>
+          </a:effectRef>
+          <a:fontRef idx="minor">
+            <a:schemeClr val="lt1"/>
+          </a:fontRef>
+        </p:style>
+        <p:txBody>
+          <a:bodyPr rtlCol="0" anchor="ctr"/>
+          <a:lstStyle/>
+          <a:p>
+            <a:pPr algn="ctr"/>
+            <a:endParaRPr lang="ru-RU" dirty="0"/>
+          </a:p>
+        </p:txBody>
+      </p:sp>
+      <p:sp>
+        <p:nvSpPr>
+          <p:cNvPr id="16" name="Овал 15">
+            <a:extLst>
+              <a:ext uri="{FF2B5EF4-FFF2-40B4-BE49-F238E27FC236}">
+                <a16:creationId xmlns:a16="http://schemas.microsoft.com/office/drawing/2014/main" id="{54201FFC-A609-3BAE-DCB9-C1E0ABC748D6}"/>
+              </a:ext>
+            </a:extLst>
+          </p:cNvPr>
+          <p:cNvSpPr/>
+          <p:nvPr/>
+        </p:nvSpPr>
+        <p:spPr>
+          <a:xfrm rot="16200000">
+            <a:off x="-5649234" y="-5458872"/>
+            <a:ext cx="14170269" cy="10463474"/>
+          </a:xfrm>
+          <a:prstGeom prst="ellipse">
+            <a:avLst/>
+          </a:prstGeom>
+          <a:gradFill flip="none" rotWithShape="1">
+            <a:gsLst>
+              <a:gs pos="100000">
+                <a:srgbClr val="137C87"/>
+              </a:gs>
+              <a:gs pos="0">
+                <a:srgbClr val="4AD6E5"/>
+              </a:gs>
+            </a:gsLst>
+            <a:path path="circle">
+              <a:fillToRect l="50000" t="50000" r="50000" b="50000"/>
+            </a:path>
+            <a:tileRect/>
+          </a:gradFill>
+          <a:effectLst>
+            <a:softEdge rad="1270000"/>
+          </a:effectLst>
+        </p:spPr>
+        <p:style>
+          <a:lnRef idx="2">
+            <a:schemeClr val="accent1">
+              <a:shade val="50000"/>
+            </a:schemeClr>
+          </a:lnRef>
+          <a:fillRef idx="1">
+            <a:schemeClr val="accent1"/>
+          </a:fillRef>
+          <a:effectRef idx="0">
+            <a:schemeClr val="accent1"/>
+          </a:effectRef>
+          <a:fontRef idx="minor">
+            <a:schemeClr val="lt1"/>
+          </a:fontRef>
+        </p:style>
+        <p:txBody>
+          <a:bodyPr rtlCol="0" anchor="ctr"/>
+          <a:lstStyle/>
+          <a:p>
+            <a:pPr algn="ctr"/>
+            <a:endParaRPr lang="ru-RU" dirty="0"/>
+          </a:p>
+        </p:txBody>
+      </p:sp>
+      <p:sp>
+        <p:nvSpPr>
+          <p:cNvPr id="17" name="Овал 16">
+            <a:extLst>
+              <a:ext uri="{FF2B5EF4-FFF2-40B4-BE49-F238E27FC236}">
+                <a16:creationId xmlns:a16="http://schemas.microsoft.com/office/drawing/2014/main" id="{1BA60D5E-37DD-06FD-F379-4B5CB3B81DEF}"/>
+              </a:ext>
+            </a:extLst>
+          </p:cNvPr>
+          <p:cNvSpPr/>
+          <p:nvPr/>
+        </p:nvSpPr>
+        <p:spPr>
+          <a:xfrm rot="19898243">
+            <a:off x="4268775" y="3311716"/>
+            <a:ext cx="13974658" cy="9089345"/>
+          </a:xfrm>
+          <a:prstGeom prst="ellipse">
+            <a:avLst/>
+          </a:prstGeom>
+          <a:gradFill flip="none" rotWithShape="1">
+            <a:gsLst>
+              <a:gs pos="0">
+                <a:srgbClr val="156EFF"/>
+              </a:gs>
+              <a:gs pos="85000">
+                <a:srgbClr val="0046B8"/>
+              </a:gs>
+              <a:gs pos="0">
+                <a:srgbClr val="0153D9"/>
+              </a:gs>
+            </a:gsLst>
+            <a:path path="circle">
+              <a:fillToRect l="50000" t="50000" r="50000" b="50000"/>
+            </a:path>
+            <a:tileRect/>
+          </a:gradFill>
+          <a:effectLst>
+            <a:softEdge rad="1270000"/>
+          </a:effectLst>
+        </p:spPr>
+        <p:style>
+          <a:lnRef idx="2">
+            <a:schemeClr val="accent1">
+              <a:shade val="50000"/>
+            </a:schemeClr>
+          </a:lnRef>
+          <a:fillRef idx="1">
+            <a:schemeClr val="accent1"/>
+          </a:fillRef>
+          <a:effectRef idx="0">
+            <a:schemeClr val="accent1"/>
+          </a:effectRef>
+          <a:fontRef idx="minor">
+            <a:schemeClr val="lt1"/>
+          </a:fontRef>
+        </p:style>
+        <p:txBody>
+          <a:bodyPr rtlCol="0" anchor="ctr"/>
+          <a:lstStyle/>
+          <a:p>
+            <a:pPr algn="ctr"/>
+            <a:endParaRPr lang="ru-RU"/>
+          </a:p>
+        </p:txBody>
+      </p:sp>
+      <p:sp>
+        <p:nvSpPr>
+          <p:cNvPr id="2" name="TextBox 1"/>
+          <p:cNvSpPr txBox="1"/>
+          <p:nvPr/>
+        </p:nvSpPr>
+        <p:spPr>
+          <a:xfrm>
+            <a:off x="3916557" y="123812"/>
+            <a:ext cx="4358886" cy="461665"/>
+          </a:xfrm>
+          <a:prstGeom prst="rect">
+            <a:avLst/>
+          </a:prstGeom>
+          <a:noFill/>
+        </p:spPr>
+        <p:txBody>
+          <a:bodyPr wrap="none" rtlCol="0">
+            <a:spAutoFit/>
+          </a:bodyPr>
+          <a:lstStyle/>
+          <a:p>
+            <a:pPr lvl="0"/>
+            <a:r>
+              <a:rPr lang="ru-RU" sz="2400" b="1" u="sng" dirty="0" smtClean="0">
+                <a:solidFill>
+                  <a:schemeClr val="bg1">
+                    <a:lumMod val="95000"/>
+                  </a:schemeClr>
+                </a:solidFill>
+                <a:effectLst>
+                  <a:outerShdw blurRad="38100" dist="38100" dir="2700000" algn="tl">
+                    <a:srgbClr val="000000">
+                      <a:alpha val="43137"/>
+                    </a:srgbClr>
+                  </a:outerShdw>
+                </a:effectLst>
+                <a:latin typeface="Century Gothic" panose="020B0502020202020204" pitchFamily="34" charset="0"/>
+              </a:rPr>
+              <a:t>Выводы и </a:t>
+            </a:r>
+            <a:r>
+              <a:rPr lang="ru-RU" sz="2400" b="1" u="sng" dirty="0" err="1" smtClean="0">
+                <a:solidFill>
+                  <a:schemeClr val="bg1">
+                    <a:lumMod val="95000"/>
+                  </a:schemeClr>
+                </a:solidFill>
+                <a:effectLst>
+                  <a:outerShdw blurRad="38100" dist="38100" dir="2700000" algn="tl">
+                    <a:srgbClr val="000000">
+                      <a:alpha val="43137"/>
+                    </a:srgbClr>
+                  </a:outerShdw>
+                </a:effectLst>
+                <a:latin typeface="Century Gothic" panose="020B0502020202020204" pitchFamily="34" charset="0"/>
+              </a:rPr>
+              <a:t>рекоммендации</a:t>
+            </a:r>
+            <a:endParaRPr lang="ru-RU" sz="2400" b="1" u="sng" dirty="0">
+              <a:solidFill>
+                <a:schemeClr val="bg1">
+                  <a:lumMod val="95000"/>
+                </a:schemeClr>
+              </a:solidFill>
+              <a:effectLst>
+                <a:outerShdw blurRad="38100" dist="38100" dir="2700000" algn="tl">
+                  <a:srgbClr val="000000">
+                    <a:alpha val="43137"/>
+                  </a:srgbClr>
+                </a:outerShdw>
+              </a:effectLst>
+              <a:latin typeface="Century Gothic" panose="020B0502020202020204" pitchFamily="34" charset="0"/>
+            </a:endParaRPr>
+          </a:p>
+        </p:txBody>
+      </p:sp>
+      <p:sp>
+        <p:nvSpPr>
+          <p:cNvPr id="5" name="Прямоугольник 4"/>
+          <p:cNvSpPr/>
+          <p:nvPr/>
+        </p:nvSpPr>
+        <p:spPr>
+          <a:xfrm>
+            <a:off x="1657349" y="1018119"/>
+            <a:ext cx="9077325" cy="4524315"/>
+          </a:xfrm>
+          <a:prstGeom prst="rect">
+            <a:avLst/>
+          </a:prstGeom>
+        </p:spPr>
+        <p:txBody>
+          <a:bodyPr wrap="square">
+            <a:spAutoFit/>
+          </a:bodyPr>
+          <a:lstStyle/>
+          <a:p>
+            <a:r>
+              <a:rPr lang="ru-RU" sz="2400" b="1" dirty="0">
+                <a:solidFill>
+                  <a:schemeClr val="bg1">
+                    <a:lumMod val="95000"/>
+                  </a:schemeClr>
+                </a:solidFill>
+                <a:effectLst>
+                  <a:outerShdw blurRad="38100" dist="38100" dir="2700000" algn="tl">
+                    <a:srgbClr val="000000">
+                      <a:alpha val="43137"/>
+                    </a:srgbClr>
+                  </a:outerShdw>
+                </a:effectLst>
+                <a:latin typeface="Century Gothic" panose="020B0502020202020204" pitchFamily="34" charset="0"/>
+              </a:rPr>
+              <a:t>Выводы:</a:t>
+            </a:r>
+          </a:p>
+          <a:p>
+            <a:pPr marL="342900" indent="-342900">
+              <a:buFont typeface="Arial" panose="020B0604020202020204" pitchFamily="34" charset="0"/>
+              <a:buChar char="•"/>
+            </a:pPr>
+            <a:r>
+              <a:rPr lang="ru-RU" sz="2400" b="1" dirty="0">
+                <a:solidFill>
+                  <a:schemeClr val="bg1">
+                    <a:lumMod val="95000"/>
+                  </a:schemeClr>
+                </a:solidFill>
+                <a:effectLst>
+                  <a:outerShdw blurRad="38100" dist="38100" dir="2700000" algn="tl">
+                    <a:srgbClr val="000000">
+                      <a:alpha val="43137"/>
+                    </a:srgbClr>
+                  </a:outerShdw>
+                </a:effectLst>
+                <a:latin typeface="Century Gothic" panose="020B0502020202020204" pitchFamily="34" charset="0"/>
+              </a:rPr>
+              <a:t>COCOMO не подходит для проектов с использованием библиотек типа </a:t>
+            </a:r>
+            <a:r>
+              <a:rPr lang="ru-RU" sz="2400" b="1" dirty="0" err="1">
+                <a:solidFill>
+                  <a:schemeClr val="bg1">
+                    <a:lumMod val="95000"/>
+                  </a:schemeClr>
+                </a:solidFill>
+                <a:effectLst>
+                  <a:outerShdw blurRad="38100" dist="38100" dir="2700000" algn="tl">
+                    <a:srgbClr val="000000">
+                      <a:alpha val="43137"/>
+                    </a:srgbClr>
+                  </a:outerShdw>
+                </a:effectLst>
+                <a:latin typeface="Century Gothic" panose="020B0502020202020204" pitchFamily="34" charset="0"/>
+              </a:rPr>
+              <a:t>ImGUI</a:t>
+            </a:r>
+            <a:endParaRPr lang="ru-RU" sz="2400" b="1" dirty="0">
+              <a:solidFill>
+                <a:schemeClr val="bg1">
+                  <a:lumMod val="95000"/>
+                </a:schemeClr>
+              </a:solidFill>
+              <a:effectLst>
+                <a:outerShdw blurRad="38100" dist="38100" dir="2700000" algn="tl">
+                  <a:srgbClr val="000000">
+                    <a:alpha val="43137"/>
+                  </a:srgbClr>
+                </a:outerShdw>
+              </a:effectLst>
+              <a:latin typeface="Century Gothic" panose="020B0502020202020204" pitchFamily="34" charset="0"/>
+            </a:endParaRPr>
+          </a:p>
+          <a:p>
+            <a:endParaRPr lang="ru-RU" sz="2400" b="1" dirty="0">
+              <a:solidFill>
+                <a:schemeClr val="bg1">
+                  <a:lumMod val="95000"/>
+                </a:schemeClr>
+              </a:solidFill>
+              <a:effectLst>
+                <a:outerShdw blurRad="38100" dist="38100" dir="2700000" algn="tl">
+                  <a:srgbClr val="000000">
+                    <a:alpha val="43137"/>
+                  </a:srgbClr>
+                </a:outerShdw>
+              </a:effectLst>
+              <a:latin typeface="Century Gothic" panose="020B0502020202020204" pitchFamily="34" charset="0"/>
+            </a:endParaRPr>
+          </a:p>
+          <a:p>
+            <a:pPr marL="342900" indent="-342900">
+              <a:buFont typeface="Arial" panose="020B0604020202020204" pitchFamily="34" charset="0"/>
+              <a:buChar char="•"/>
+            </a:pPr>
+            <a:r>
+              <a:rPr lang="ru-RU" sz="2400" b="1" dirty="0" err="1">
+                <a:solidFill>
+                  <a:schemeClr val="bg1">
+                    <a:lumMod val="95000"/>
+                  </a:schemeClr>
+                </a:solidFill>
+                <a:effectLst>
+                  <a:outerShdw blurRad="38100" dist="38100" dir="2700000" algn="tl">
+                    <a:srgbClr val="000000">
+                      <a:alpha val="43137"/>
+                    </a:srgbClr>
+                  </a:outerShdw>
+                </a:effectLst>
+                <a:latin typeface="Century Gothic" panose="020B0502020202020204" pitchFamily="34" charset="0"/>
+              </a:rPr>
+              <a:t>Planning</a:t>
+            </a:r>
+            <a:r>
+              <a:rPr lang="ru-RU" sz="2400" b="1" dirty="0">
+                <a:solidFill>
+                  <a:schemeClr val="bg1">
+                    <a:lumMod val="95000"/>
+                  </a:schemeClr>
+                </a:solidFill>
+                <a:effectLst>
+                  <a:outerShdw blurRad="38100" dist="38100" dir="2700000" algn="tl">
+                    <a:srgbClr val="000000">
+                      <a:alpha val="43137"/>
+                    </a:srgbClr>
+                  </a:outerShdw>
+                </a:effectLst>
+                <a:latin typeface="Century Gothic" panose="020B0502020202020204" pitchFamily="34" charset="0"/>
+              </a:rPr>
+              <a:t> </a:t>
+            </a:r>
+            <a:r>
+              <a:rPr lang="ru-RU" sz="2400" b="1" dirty="0" err="1">
+                <a:solidFill>
+                  <a:schemeClr val="bg1">
+                    <a:lumMod val="95000"/>
+                  </a:schemeClr>
+                </a:solidFill>
+                <a:effectLst>
+                  <a:outerShdw blurRad="38100" dist="38100" dir="2700000" algn="tl">
+                    <a:srgbClr val="000000">
+                      <a:alpha val="43137"/>
+                    </a:srgbClr>
+                  </a:outerShdw>
+                </a:effectLst>
+                <a:latin typeface="Century Gothic" panose="020B0502020202020204" pitchFamily="34" charset="0"/>
+              </a:rPr>
+              <a:t>Poker</a:t>
+            </a:r>
+            <a:r>
+              <a:rPr lang="ru-RU" sz="2400" b="1" dirty="0">
+                <a:solidFill>
+                  <a:schemeClr val="bg1">
+                    <a:lumMod val="95000"/>
+                  </a:schemeClr>
+                </a:solidFill>
+                <a:effectLst>
+                  <a:outerShdw blurRad="38100" dist="38100" dir="2700000" algn="tl">
+                    <a:srgbClr val="000000">
+                      <a:alpha val="43137"/>
+                    </a:srgbClr>
+                  </a:outerShdw>
+                </a:effectLst>
+                <a:latin typeface="Century Gothic" panose="020B0502020202020204" pitchFamily="34" charset="0"/>
+              </a:rPr>
+              <a:t> хорош для командной работы и </a:t>
+            </a:r>
+            <a:r>
+              <a:rPr lang="ru-RU" sz="2400" b="1" dirty="0" err="1">
+                <a:solidFill>
+                  <a:schemeClr val="bg1">
+                    <a:lumMod val="95000"/>
+                  </a:schemeClr>
+                </a:solidFill>
+                <a:effectLst>
+                  <a:outerShdw blurRad="38100" dist="38100" dir="2700000" algn="tl">
+                    <a:srgbClr val="000000">
+                      <a:alpha val="43137"/>
+                    </a:srgbClr>
+                  </a:outerShdw>
+                </a:effectLst>
+                <a:latin typeface="Century Gothic" panose="020B0502020202020204" pitchFamily="34" charset="0"/>
+              </a:rPr>
+              <a:t>приоритизации</a:t>
+            </a:r>
+            <a:endParaRPr lang="ru-RU" sz="2400" b="1" dirty="0">
+              <a:solidFill>
+                <a:schemeClr val="bg1">
+                  <a:lumMod val="95000"/>
+                </a:schemeClr>
+              </a:solidFill>
+              <a:effectLst>
+                <a:outerShdw blurRad="38100" dist="38100" dir="2700000" algn="tl">
+                  <a:srgbClr val="000000">
+                    <a:alpha val="43137"/>
+                  </a:srgbClr>
+                </a:outerShdw>
+              </a:effectLst>
+              <a:latin typeface="Century Gothic" panose="020B0502020202020204" pitchFamily="34" charset="0"/>
+            </a:endParaRPr>
+          </a:p>
+          <a:p>
+            <a:endParaRPr lang="ru-RU" sz="2400" b="1" dirty="0">
+              <a:solidFill>
+                <a:schemeClr val="bg1">
+                  <a:lumMod val="95000"/>
+                </a:schemeClr>
+              </a:solidFill>
+              <a:effectLst>
+                <a:outerShdw blurRad="38100" dist="38100" dir="2700000" algn="tl">
+                  <a:srgbClr val="000000">
+                    <a:alpha val="43137"/>
+                  </a:srgbClr>
+                </a:outerShdw>
+              </a:effectLst>
+              <a:latin typeface="Century Gothic" panose="020B0502020202020204" pitchFamily="34" charset="0"/>
+            </a:endParaRPr>
+          </a:p>
+          <a:p>
+            <a:pPr marL="342900" indent="-342900">
+              <a:buFont typeface="Arial" panose="020B0604020202020204" pitchFamily="34" charset="0"/>
+              <a:buChar char="•"/>
+            </a:pPr>
+            <a:r>
+              <a:rPr lang="ru-RU" sz="2400" b="1" dirty="0">
+                <a:solidFill>
+                  <a:schemeClr val="bg1">
+                    <a:lumMod val="95000"/>
+                  </a:schemeClr>
+                </a:solidFill>
+                <a:effectLst>
+                  <a:outerShdw blurRad="38100" dist="38100" dir="2700000" algn="tl">
+                    <a:srgbClr val="000000">
+                      <a:alpha val="43137"/>
+                    </a:srgbClr>
+                  </a:outerShdw>
+                </a:effectLst>
+                <a:latin typeface="Century Gothic" panose="020B0502020202020204" pitchFamily="34" charset="0"/>
+              </a:rPr>
+              <a:t>Экспертная оценка наиболее точна при наличии опыта в теме</a:t>
+            </a:r>
+          </a:p>
+          <a:p>
+            <a:endParaRPr lang="ru-RU" sz="2400" b="1" dirty="0">
+              <a:solidFill>
+                <a:schemeClr val="bg1">
+                  <a:lumMod val="95000"/>
+                </a:schemeClr>
+              </a:solidFill>
+              <a:effectLst>
+                <a:outerShdw blurRad="38100" dist="38100" dir="2700000" algn="tl">
+                  <a:srgbClr val="000000">
+                    <a:alpha val="43137"/>
+                  </a:srgbClr>
+                </a:outerShdw>
+              </a:effectLst>
+              <a:latin typeface="Century Gothic" panose="020B0502020202020204" pitchFamily="34" charset="0"/>
+            </a:endParaRPr>
+          </a:p>
+          <a:p>
+            <a:pPr marL="342900" indent="-342900">
+              <a:buFont typeface="Arial" panose="020B0604020202020204" pitchFamily="34" charset="0"/>
+              <a:buChar char="•"/>
+            </a:pPr>
+            <a:r>
+              <a:rPr lang="ru-RU" sz="2400" b="1" dirty="0">
+                <a:solidFill>
+                  <a:schemeClr val="bg1">
+                    <a:lumMod val="95000"/>
+                  </a:schemeClr>
+                </a:solidFill>
+                <a:effectLst>
+                  <a:outerShdw blurRad="38100" dist="38100" dir="2700000" algn="tl">
+                    <a:srgbClr val="000000">
+                      <a:alpha val="43137"/>
+                    </a:srgbClr>
+                  </a:outerShdw>
+                </a:effectLst>
+                <a:latin typeface="Century Gothic" panose="020B0502020202020204" pitchFamily="34" charset="0"/>
+              </a:rPr>
+              <a:t>Итоговый бюджет: 2.7-3.3 млн рублей за 5-6 месяцев разработки</a:t>
+            </a:r>
+          </a:p>
+        </p:txBody>
+      </p:sp>
+    </p:spTree>
+    <p:extLst>
+      <p:ext uri="{BB962C8B-B14F-4D97-AF65-F5344CB8AC3E}">
+        <p14:creationId xmlns:p14="http://schemas.microsoft.com/office/powerpoint/2010/main" val="1376889103"/>
+      </p:ext>
+    </p:extLst>
+  </p:cSld>
+  <p:clrMapOvr>
+    <a:masterClrMapping/>
+  </p:clrMapOvr>
+  <p:timing>
+    <p:tnLst>
+      <p:par>
+        <p:cTn id="1" dur="indefinite" restart="never" nodeType="tmRoot"/>
+      </p:par>
+    </p:tnLst>
+  </p:timing>
+</p:sld>
+</file>
+
+<file path=ppt/slides/slide38.xml><?xml version="1.0" encoding="utf-8"?>
+<p:sld xmlns:a="http://schemas.openxmlformats.org/drawingml/2006/main" xmlns:r="http://schemas.openxmlformats.org/officeDocument/2006/relationships" xmlns:p="http://schemas.openxmlformats.org/presentationml/2006/main">
+  <p:cSld>
+    <p:spTree>
+      <p:nvGrpSpPr>
+        <p:cNvPr id="1" name="">
+          <a:extLst>
+            <a:ext uri="{FF2B5EF4-FFF2-40B4-BE49-F238E27FC236}">
+              <a16:creationId xmlns:a16="http://schemas.microsoft.com/office/drawing/2014/main" id="{1CED95EE-9878-5DB7-F2AA-458C7F3B4FEB}"/>
+            </a:ext>
+          </a:extLst>
+        </p:cNvPr>
+        <p:cNvGrpSpPr/>
+        <p:nvPr/>
+      </p:nvGrpSpPr>
+      <p:grpSpPr>
+        <a:xfrm>
+          <a:off x="0" y="0"/>
+          <a:ext cx="0" cy="0"/>
+          <a:chOff x="0" y="0"/>
+          <a:chExt cx="0" cy="0"/>
+        </a:xfrm>
+      </p:grpSpPr>
+      <p:sp>
+        <p:nvSpPr>
+          <p:cNvPr id="14" name="Овал 13">
+            <a:extLst>
+              <a:ext uri="{FF2B5EF4-FFF2-40B4-BE49-F238E27FC236}">
+                <a16:creationId xmlns:a16="http://schemas.microsoft.com/office/drawing/2014/main" id="{5B6C4597-3C0D-C8C2-0BFB-D422255718B9}"/>
+              </a:ext>
+            </a:extLst>
+          </p:cNvPr>
+          <p:cNvSpPr/>
+          <p:nvPr/>
+        </p:nvSpPr>
+        <p:spPr>
+          <a:xfrm rot="1548438">
+            <a:off x="-4585204" y="-5981371"/>
+            <a:ext cx="19996152" cy="17378114"/>
+          </a:xfrm>
+          <a:prstGeom prst="ellipse">
+            <a:avLst/>
+          </a:prstGeom>
+          <a:gradFill flip="none" rotWithShape="1">
+            <a:gsLst>
+              <a:gs pos="0">
+                <a:srgbClr val="002D76"/>
+              </a:gs>
+              <a:gs pos="100000">
+                <a:srgbClr val="72A7FE"/>
+              </a:gs>
+              <a:gs pos="0">
+                <a:srgbClr val="1B71FD"/>
+              </a:gs>
+            </a:gsLst>
+            <a:path path="circle">
+              <a:fillToRect l="50000" t="50000" r="50000" b="50000"/>
+            </a:path>
+            <a:tileRect/>
+          </a:gradFill>
+          <a:effectLst>
+            <a:softEdge rad="1270000"/>
+          </a:effectLst>
+        </p:spPr>
+        <p:style>
+          <a:lnRef idx="2">
+            <a:schemeClr val="accent1">
+              <a:shade val="50000"/>
+            </a:schemeClr>
+          </a:lnRef>
+          <a:fillRef idx="1">
+            <a:schemeClr val="accent1"/>
+          </a:fillRef>
+          <a:effectRef idx="0">
+            <a:schemeClr val="accent1"/>
+          </a:effectRef>
+          <a:fontRef idx="minor">
+            <a:schemeClr val="lt1"/>
+          </a:fontRef>
+        </p:style>
+        <p:txBody>
+          <a:bodyPr rtlCol="0" anchor="ctr"/>
+          <a:lstStyle/>
+          <a:p>
+            <a:pPr algn="ctr"/>
+            <a:endParaRPr lang="ru-RU" dirty="0"/>
+          </a:p>
+        </p:txBody>
+      </p:sp>
+      <p:sp>
+        <p:nvSpPr>
+          <p:cNvPr id="16" name="Овал 15">
+            <a:extLst>
+              <a:ext uri="{FF2B5EF4-FFF2-40B4-BE49-F238E27FC236}">
+                <a16:creationId xmlns:a16="http://schemas.microsoft.com/office/drawing/2014/main" id="{54201FFC-A609-3BAE-DCB9-C1E0ABC748D6}"/>
+              </a:ext>
+            </a:extLst>
+          </p:cNvPr>
+          <p:cNvSpPr/>
+          <p:nvPr/>
+        </p:nvSpPr>
+        <p:spPr>
+          <a:xfrm rot="16200000">
+            <a:off x="-5649234" y="-5458872"/>
+            <a:ext cx="14170269" cy="10463474"/>
+          </a:xfrm>
+          <a:prstGeom prst="ellipse">
+            <a:avLst/>
+          </a:prstGeom>
+          <a:gradFill flip="none" rotWithShape="1">
+            <a:gsLst>
+              <a:gs pos="100000">
+                <a:srgbClr val="137C87"/>
+              </a:gs>
+              <a:gs pos="0">
+                <a:srgbClr val="4AD6E5"/>
+              </a:gs>
+            </a:gsLst>
+            <a:path path="circle">
+              <a:fillToRect l="50000" t="50000" r="50000" b="50000"/>
+            </a:path>
+            <a:tileRect/>
+          </a:gradFill>
+          <a:effectLst>
+            <a:softEdge rad="1270000"/>
+          </a:effectLst>
+        </p:spPr>
+        <p:style>
+          <a:lnRef idx="2">
+            <a:schemeClr val="accent1">
+              <a:shade val="50000"/>
+            </a:schemeClr>
+          </a:lnRef>
+          <a:fillRef idx="1">
+            <a:schemeClr val="accent1"/>
+          </a:fillRef>
+          <a:effectRef idx="0">
+            <a:schemeClr val="accent1"/>
+          </a:effectRef>
+          <a:fontRef idx="minor">
+            <a:schemeClr val="lt1"/>
+          </a:fontRef>
+        </p:style>
+        <p:txBody>
+          <a:bodyPr rtlCol="0" anchor="ctr"/>
+          <a:lstStyle/>
+          <a:p>
+            <a:pPr algn="ctr"/>
+            <a:endParaRPr lang="ru-RU" dirty="0"/>
+          </a:p>
+        </p:txBody>
+      </p:sp>
+      <p:sp>
+        <p:nvSpPr>
+          <p:cNvPr id="17" name="Овал 16">
+            <a:extLst>
+              <a:ext uri="{FF2B5EF4-FFF2-40B4-BE49-F238E27FC236}">
+                <a16:creationId xmlns:a16="http://schemas.microsoft.com/office/drawing/2014/main" id="{1BA60D5E-37DD-06FD-F379-4B5CB3B81DEF}"/>
+              </a:ext>
+            </a:extLst>
+          </p:cNvPr>
+          <p:cNvSpPr/>
+          <p:nvPr/>
+        </p:nvSpPr>
+        <p:spPr>
+          <a:xfrm rot="19898243">
+            <a:off x="4268775" y="3311716"/>
+            <a:ext cx="13974658" cy="9089345"/>
+          </a:xfrm>
+          <a:prstGeom prst="ellipse">
+            <a:avLst/>
+          </a:prstGeom>
+          <a:gradFill flip="none" rotWithShape="1">
+            <a:gsLst>
+              <a:gs pos="0">
+                <a:srgbClr val="156EFF"/>
+              </a:gs>
+              <a:gs pos="85000">
+                <a:srgbClr val="0046B8"/>
+              </a:gs>
+              <a:gs pos="0">
+                <a:srgbClr val="0153D9"/>
+              </a:gs>
+            </a:gsLst>
+            <a:path path="circle">
+              <a:fillToRect l="50000" t="50000" r="50000" b="50000"/>
+            </a:path>
+            <a:tileRect/>
+          </a:gradFill>
+          <a:effectLst>
+            <a:softEdge rad="1270000"/>
+          </a:effectLst>
+        </p:spPr>
+        <p:style>
+          <a:lnRef idx="2">
+            <a:schemeClr val="accent1">
+              <a:shade val="50000"/>
+            </a:schemeClr>
+          </a:lnRef>
+          <a:fillRef idx="1">
+            <a:schemeClr val="accent1"/>
+          </a:fillRef>
+          <a:effectRef idx="0">
+            <a:schemeClr val="accent1"/>
+          </a:effectRef>
+          <a:fontRef idx="minor">
+            <a:schemeClr val="lt1"/>
+          </a:fontRef>
+        </p:style>
+        <p:txBody>
+          <a:bodyPr rtlCol="0" anchor="ctr"/>
+          <a:lstStyle/>
+          <a:p>
+            <a:pPr algn="ctr"/>
+            <a:endParaRPr lang="ru-RU"/>
+          </a:p>
+        </p:txBody>
+      </p:sp>
+      <p:sp>
+        <p:nvSpPr>
+          <p:cNvPr id="2" name="TextBox 1"/>
+          <p:cNvSpPr txBox="1"/>
+          <p:nvPr/>
+        </p:nvSpPr>
+        <p:spPr>
+          <a:xfrm>
+            <a:off x="5216575" y="178630"/>
+            <a:ext cx="5484618" cy="461665"/>
+          </a:xfrm>
+          <a:prstGeom prst="rect">
+            <a:avLst/>
+          </a:prstGeom>
+          <a:noFill/>
+        </p:spPr>
+        <p:txBody>
+          <a:bodyPr wrap="square" rtlCol="0">
+            <a:spAutoFit/>
+          </a:bodyPr>
+          <a:lstStyle/>
+          <a:p>
+            <a:pPr lvl="0"/>
+            <a:r>
+              <a:rPr lang="en-US" sz="2400" b="1" u="sng" dirty="0" smtClean="0">
+                <a:solidFill>
+                  <a:schemeClr val="bg1">
+                    <a:lumMod val="95000"/>
+                  </a:schemeClr>
+                </a:solidFill>
+                <a:effectLst>
+                  <a:outerShdw blurRad="38100" dist="38100" dir="2700000" algn="tl">
+                    <a:srgbClr val="000000">
+                      <a:alpha val="43137"/>
+                    </a:srgbClr>
+                  </a:outerShdw>
+                </a:effectLst>
+                <a:latin typeface="Century Gothic" panose="020B0502020202020204" pitchFamily="34" charset="0"/>
+              </a:rPr>
+              <a:t>PERT </a:t>
+            </a:r>
+            <a:r>
+              <a:rPr lang="ru-RU" sz="2400" b="1" u="sng" dirty="0" smtClean="0">
+                <a:solidFill>
+                  <a:schemeClr val="bg1">
+                    <a:lumMod val="95000"/>
+                  </a:schemeClr>
+                </a:solidFill>
+                <a:effectLst>
+                  <a:outerShdw blurRad="38100" dist="38100" dir="2700000" algn="tl">
+                    <a:srgbClr val="000000">
+                      <a:alpha val="43137"/>
+                    </a:srgbClr>
+                  </a:outerShdw>
+                </a:effectLst>
+                <a:latin typeface="Century Gothic" panose="020B0502020202020204" pitchFamily="34" charset="0"/>
+              </a:rPr>
+              <a:t>Анализ </a:t>
+            </a:r>
+            <a:endParaRPr lang="ru-RU" sz="2400" b="1" u="sng" dirty="0">
+              <a:solidFill>
+                <a:schemeClr val="bg1">
+                  <a:lumMod val="95000"/>
+                </a:schemeClr>
+              </a:solidFill>
+              <a:effectLst>
+                <a:outerShdw blurRad="38100" dist="38100" dir="2700000" algn="tl">
+                  <a:srgbClr val="000000">
+                    <a:alpha val="43137"/>
+                  </a:srgbClr>
+                </a:outerShdw>
+              </a:effectLst>
+              <a:latin typeface="Century Gothic" panose="020B0502020202020204" pitchFamily="34" charset="0"/>
+            </a:endParaRPr>
+          </a:p>
+        </p:txBody>
+      </p:sp>
+      <p:sp>
+        <p:nvSpPr>
+          <p:cNvPr id="8" name="TextBox 7"/>
+          <p:cNvSpPr txBox="1"/>
+          <p:nvPr/>
+        </p:nvSpPr>
+        <p:spPr>
+          <a:xfrm>
+            <a:off x="5130077" y="640295"/>
+            <a:ext cx="2369559" cy="369332"/>
+          </a:xfrm>
+          <a:prstGeom prst="rect">
+            <a:avLst/>
+          </a:prstGeom>
+          <a:noFill/>
+        </p:spPr>
+        <p:txBody>
+          <a:bodyPr wrap="none" rtlCol="0">
+            <a:spAutoFit/>
+          </a:bodyPr>
+          <a:lstStyle/>
+          <a:p>
+            <a:r>
+              <a:rPr lang="ru-RU" b="1" dirty="0" smtClean="0">
+                <a:solidFill>
+                  <a:schemeClr val="bg1">
+                    <a:lumMod val="95000"/>
+                  </a:schemeClr>
+                </a:solidFill>
+                <a:effectLst>
+                  <a:outerShdw blurRad="38100" dist="38100" dir="2700000" algn="tl">
+                    <a:srgbClr val="000000">
+                      <a:alpha val="43137"/>
+                    </a:srgbClr>
+                  </a:outerShdw>
+                </a:effectLst>
+                <a:latin typeface="Century Gothic" panose="020B0502020202020204" pitchFamily="34" charset="0"/>
+              </a:rPr>
+              <a:t>5 Ключевых задач</a:t>
+            </a:r>
+            <a:r>
+              <a:rPr lang="en-US" b="1" dirty="0" smtClean="0">
+                <a:solidFill>
+                  <a:schemeClr val="bg1">
+                    <a:lumMod val="95000"/>
+                  </a:schemeClr>
+                </a:solidFill>
+                <a:effectLst>
+                  <a:outerShdw blurRad="38100" dist="38100" dir="2700000" algn="tl">
+                    <a:srgbClr val="000000">
+                      <a:alpha val="43137"/>
+                    </a:srgbClr>
+                  </a:outerShdw>
+                </a:effectLst>
+                <a:latin typeface="Century Gothic" panose="020B0502020202020204" pitchFamily="34" charset="0"/>
+              </a:rPr>
+              <a:t>:</a:t>
+            </a:r>
+            <a:endParaRPr lang="ru-RU" b="1" dirty="0">
+              <a:solidFill>
+                <a:schemeClr val="bg1">
+                  <a:lumMod val="95000"/>
+                </a:schemeClr>
+              </a:solidFill>
+              <a:effectLst>
+                <a:outerShdw blurRad="38100" dist="38100" dir="2700000" algn="tl">
+                  <a:srgbClr val="000000">
+                    <a:alpha val="43137"/>
+                  </a:srgbClr>
+                </a:outerShdw>
+              </a:effectLst>
+              <a:latin typeface="Century Gothic" panose="020B0502020202020204" pitchFamily="34" charset="0"/>
+            </a:endParaRPr>
+          </a:p>
+        </p:txBody>
+      </p:sp>
+      <p:graphicFrame>
+        <p:nvGraphicFramePr>
+          <p:cNvPr id="10" name="Таблица 9"/>
+          <p:cNvGraphicFramePr>
+            <a:graphicFrameLocks noGrp="1"/>
+          </p:cNvGraphicFramePr>
+          <p:nvPr>
+            <p:extLst>
+              <p:ext uri="{D42A27DB-BD31-4B8C-83A1-F6EECF244321}">
+                <p14:modId xmlns:p14="http://schemas.microsoft.com/office/powerpoint/2010/main" val="2654488070"/>
+              </p:ext>
+            </p:extLst>
+          </p:nvPr>
+        </p:nvGraphicFramePr>
+        <p:xfrm>
+          <a:off x="233266" y="640295"/>
+          <a:ext cx="11588621" cy="5015242"/>
+        </p:xfrm>
+        <a:graphic>
+          <a:graphicData uri="http://schemas.openxmlformats.org/drawingml/2006/table">
+            <a:tbl>
+              <a:tblPr firstRow="1" firstCol="1" bandRow="1">
+                <a:tableStyleId>{5C22544A-7EE6-4342-B048-85BDC9FD1C3A}</a:tableStyleId>
+              </a:tblPr>
+              <a:tblGrid>
+                <a:gridCol w="233265">
+                  <a:extLst>
+                    <a:ext uri="{9D8B030D-6E8A-4147-A177-3AD203B41FA5}">
+                      <a16:colId xmlns:a16="http://schemas.microsoft.com/office/drawing/2014/main" val="446225712"/>
+                    </a:ext>
+                  </a:extLst>
+                </a:gridCol>
+                <a:gridCol w="2164702">
+                  <a:extLst>
+                    <a:ext uri="{9D8B030D-6E8A-4147-A177-3AD203B41FA5}">
+                      <a16:colId xmlns:a16="http://schemas.microsoft.com/office/drawing/2014/main" val="243530455"/>
+                    </a:ext>
+                  </a:extLst>
+                </a:gridCol>
+                <a:gridCol w="3210674">
+                  <a:extLst>
+                    <a:ext uri="{9D8B030D-6E8A-4147-A177-3AD203B41FA5}">
+                      <a16:colId xmlns:a16="http://schemas.microsoft.com/office/drawing/2014/main" val="2715842659"/>
+                    </a:ext>
+                  </a:extLst>
+                </a:gridCol>
+                <a:gridCol w="912115">
+                  <a:extLst>
+                    <a:ext uri="{9D8B030D-6E8A-4147-A177-3AD203B41FA5}">
+                      <a16:colId xmlns:a16="http://schemas.microsoft.com/office/drawing/2014/main" val="1152003692"/>
+                    </a:ext>
+                  </a:extLst>
+                </a:gridCol>
+                <a:gridCol w="958785">
+                  <a:extLst>
+                    <a:ext uri="{9D8B030D-6E8A-4147-A177-3AD203B41FA5}">
+                      <a16:colId xmlns:a16="http://schemas.microsoft.com/office/drawing/2014/main" val="4020441598"/>
+                    </a:ext>
+                  </a:extLst>
+                </a:gridCol>
+                <a:gridCol w="1156630">
+                  <a:extLst>
+                    <a:ext uri="{9D8B030D-6E8A-4147-A177-3AD203B41FA5}">
+                      <a16:colId xmlns:a16="http://schemas.microsoft.com/office/drawing/2014/main" val="3750425160"/>
+                    </a:ext>
+                  </a:extLst>
+                </a:gridCol>
+                <a:gridCol w="1294616">
+                  <a:extLst>
+                    <a:ext uri="{9D8B030D-6E8A-4147-A177-3AD203B41FA5}">
+                      <a16:colId xmlns:a16="http://schemas.microsoft.com/office/drawing/2014/main" val="2932141193"/>
+                    </a:ext>
+                  </a:extLst>
+                </a:gridCol>
+                <a:gridCol w="718329">
+                  <a:extLst>
+                    <a:ext uri="{9D8B030D-6E8A-4147-A177-3AD203B41FA5}">
+                      <a16:colId xmlns:a16="http://schemas.microsoft.com/office/drawing/2014/main" val="2996561674"/>
+                    </a:ext>
+                  </a:extLst>
+                </a:gridCol>
+                <a:gridCol w="863413">
+                  <a:extLst>
+                    <a:ext uri="{9D8B030D-6E8A-4147-A177-3AD203B41FA5}">
+                      <a16:colId xmlns:a16="http://schemas.microsoft.com/office/drawing/2014/main" val="933575376"/>
+                    </a:ext>
+                  </a:extLst>
+                </a:gridCol>
+                <a:gridCol w="76092">
+                  <a:extLst>
+                    <a:ext uri="{9D8B030D-6E8A-4147-A177-3AD203B41FA5}">
+                      <a16:colId xmlns:a16="http://schemas.microsoft.com/office/drawing/2014/main" val="3548170788"/>
+                    </a:ext>
+                  </a:extLst>
+                </a:gridCol>
+              </a:tblGrid>
+              <a:tr h="846852">
+                <a:tc>
+                  <a:txBody>
+                    <a:bodyPr/>
+                    <a:lstStyle/>
+                    <a:p>
+                      <a:pPr>
+                        <a:lnSpc>
+                          <a:spcPts val="1875"/>
+                        </a:lnSpc>
+                        <a:spcAft>
+                          <a:spcPts val="800"/>
+                        </a:spcAft>
+                      </a:pPr>
+                      <a:r>
+                        <a:rPr lang="ru-RU" sz="1800" kern="100" dirty="0">
+                          <a:effectLst/>
+                        </a:rPr>
+                        <a:t>№</a:t>
+                      </a:r>
+                      <a:endParaRPr lang="ru-RU" sz="2400" kern="100" dirty="0">
+                        <a:effectLst/>
+                        <a:latin typeface="Aptos"/>
+                        <a:ea typeface="Aptos"/>
+                        <a:cs typeface="Times New Roman" panose="02020603050405020304" pitchFamily="18" charset="0"/>
+                      </a:endParaRPr>
+                    </a:p>
+                  </a:txBody>
+                  <a:tcPr marL="0" marR="126431" marT="79019" marB="79019" anchor="ctr"/>
+                </a:tc>
+                <a:tc>
+                  <a:txBody>
+                    <a:bodyPr/>
+                    <a:lstStyle/>
+                    <a:p>
+                      <a:pPr>
+                        <a:lnSpc>
+                          <a:spcPts val="1875"/>
+                        </a:lnSpc>
+                        <a:spcAft>
+                          <a:spcPts val="800"/>
+                        </a:spcAft>
+                      </a:pPr>
+                      <a:r>
+                        <a:rPr lang="ru-RU" sz="1800" kern="100" dirty="0">
+                          <a:effectLst/>
+                        </a:rPr>
+                        <a:t>Название задачи</a:t>
+                      </a:r>
+                      <a:endParaRPr lang="ru-RU" sz="2400" kern="100" dirty="0">
+                        <a:effectLst/>
+                        <a:latin typeface="Aptos"/>
+                        <a:ea typeface="Aptos"/>
+                        <a:cs typeface="Times New Roman" panose="02020603050405020304" pitchFamily="18" charset="0"/>
+                      </a:endParaRPr>
+                    </a:p>
+                  </a:txBody>
+                  <a:tcPr marL="126431" marR="126431" marT="79019" marB="79019" anchor="ctr"/>
+                </a:tc>
+                <a:tc>
+                  <a:txBody>
+                    <a:bodyPr/>
+                    <a:lstStyle/>
+                    <a:p>
+                      <a:pPr>
+                        <a:lnSpc>
+                          <a:spcPts val="1875"/>
+                        </a:lnSpc>
+                        <a:spcAft>
+                          <a:spcPts val="800"/>
+                        </a:spcAft>
+                      </a:pPr>
+                      <a:r>
+                        <a:rPr lang="ru-RU" sz="1800" kern="100">
+                          <a:effectLst/>
+                        </a:rPr>
+                        <a:t>Описание</a:t>
+                      </a:r>
+                      <a:endParaRPr lang="ru-RU" sz="2400" kern="100">
+                        <a:effectLst/>
+                        <a:latin typeface="Aptos"/>
+                        <a:ea typeface="Aptos"/>
+                        <a:cs typeface="Times New Roman" panose="02020603050405020304" pitchFamily="18" charset="0"/>
+                      </a:endParaRPr>
+                    </a:p>
+                  </a:txBody>
+                  <a:tcPr marL="126431" marR="126431" marT="79019" marB="79019" anchor="ctr"/>
+                </a:tc>
+                <a:tc>
+                  <a:txBody>
+                    <a:bodyPr/>
+                    <a:lstStyle/>
+                    <a:p>
+                      <a:pPr>
+                        <a:lnSpc>
+                          <a:spcPts val="1875"/>
+                        </a:lnSpc>
+                        <a:spcAft>
+                          <a:spcPts val="800"/>
+                        </a:spcAft>
+                      </a:pPr>
+                      <a:r>
+                        <a:rPr lang="ru-RU" sz="1800" kern="100">
+                          <a:effectLst/>
+                        </a:rPr>
+                        <a:t>t_мин (дни)</a:t>
+                      </a:r>
+                      <a:endParaRPr lang="ru-RU" sz="2400" kern="100">
+                        <a:effectLst/>
+                        <a:latin typeface="Aptos"/>
+                        <a:ea typeface="Aptos"/>
+                        <a:cs typeface="Times New Roman" panose="02020603050405020304" pitchFamily="18" charset="0"/>
+                      </a:endParaRPr>
+                    </a:p>
+                  </a:txBody>
+                  <a:tcPr marL="126431" marR="126431" marT="79019" marB="79019" anchor="ctr"/>
+                </a:tc>
+                <a:tc>
+                  <a:txBody>
+                    <a:bodyPr/>
+                    <a:lstStyle/>
+                    <a:p>
+                      <a:pPr>
+                        <a:lnSpc>
+                          <a:spcPts val="1875"/>
+                        </a:lnSpc>
+                        <a:spcAft>
+                          <a:spcPts val="800"/>
+                        </a:spcAft>
+                      </a:pPr>
+                      <a:r>
+                        <a:rPr lang="ru-RU" sz="1800" kern="100">
+                          <a:effectLst/>
+                        </a:rPr>
+                        <a:t>t_ож (дни)</a:t>
+                      </a:r>
+                      <a:endParaRPr lang="ru-RU" sz="2400" kern="100">
+                        <a:effectLst/>
+                        <a:latin typeface="Aptos"/>
+                        <a:ea typeface="Aptos"/>
+                        <a:cs typeface="Times New Roman" panose="02020603050405020304" pitchFamily="18" charset="0"/>
+                      </a:endParaRPr>
+                    </a:p>
+                  </a:txBody>
+                  <a:tcPr marL="126431" marR="126431" marT="79019" marB="79019" anchor="ctr"/>
+                </a:tc>
+                <a:tc>
+                  <a:txBody>
+                    <a:bodyPr/>
+                    <a:lstStyle/>
+                    <a:p>
+                      <a:pPr>
+                        <a:lnSpc>
+                          <a:spcPts val="1875"/>
+                        </a:lnSpc>
+                        <a:spcAft>
+                          <a:spcPts val="800"/>
+                        </a:spcAft>
+                      </a:pPr>
+                      <a:r>
+                        <a:rPr lang="ru-RU" sz="1800" kern="100">
+                          <a:effectLst/>
+                        </a:rPr>
+                        <a:t>t_макс (дни)</a:t>
+                      </a:r>
+                      <a:endParaRPr lang="ru-RU" sz="2400" kern="100">
+                        <a:effectLst/>
+                        <a:latin typeface="Aptos"/>
+                        <a:ea typeface="Aptos"/>
+                        <a:cs typeface="Times New Roman" panose="02020603050405020304" pitchFamily="18" charset="0"/>
+                      </a:endParaRPr>
+                    </a:p>
+                  </a:txBody>
+                  <a:tcPr marL="126431" marR="126431" marT="79019" marB="79019" anchor="ctr"/>
+                </a:tc>
+                <a:tc>
+                  <a:txBody>
+                    <a:bodyPr/>
+                    <a:lstStyle/>
+                    <a:p>
+                      <a:pPr>
+                        <a:lnSpc>
+                          <a:spcPts val="1875"/>
+                        </a:lnSpc>
+                        <a:spcAft>
+                          <a:spcPts val="800"/>
+                        </a:spcAft>
+                      </a:pPr>
+                      <a:r>
+                        <a:rPr lang="ru-RU" sz="1800" kern="100">
+                          <a:effectLst/>
+                        </a:rPr>
+                        <a:t>t_ож^PERT</a:t>
+                      </a:r>
+                      <a:endParaRPr lang="ru-RU" sz="2400" kern="100">
+                        <a:effectLst/>
+                        <a:latin typeface="Aptos"/>
+                        <a:ea typeface="Aptos"/>
+                        <a:cs typeface="Times New Roman" panose="02020603050405020304" pitchFamily="18" charset="0"/>
+                      </a:endParaRPr>
+                    </a:p>
+                  </a:txBody>
+                  <a:tcPr marL="126431" marR="126431" marT="79019" marB="79019" anchor="ctr"/>
+                </a:tc>
+                <a:tc>
+                  <a:txBody>
+                    <a:bodyPr/>
+                    <a:lstStyle/>
+                    <a:p>
+                      <a:pPr>
+                        <a:lnSpc>
+                          <a:spcPts val="1875"/>
+                        </a:lnSpc>
+                        <a:spcAft>
+                          <a:spcPts val="800"/>
+                        </a:spcAft>
+                      </a:pPr>
+                      <a:r>
+                        <a:rPr lang="ru-RU" sz="1800" kern="100">
+                          <a:effectLst/>
+                        </a:rPr>
+                        <a:t>σ</a:t>
+                      </a:r>
+                      <a:endParaRPr lang="ru-RU" sz="2400" kern="100">
+                        <a:effectLst/>
+                        <a:latin typeface="Aptos"/>
+                        <a:ea typeface="Aptos"/>
+                        <a:cs typeface="Times New Roman" panose="02020603050405020304" pitchFamily="18" charset="0"/>
+                      </a:endParaRPr>
+                    </a:p>
+                  </a:txBody>
+                  <a:tcPr marL="126431" marR="126431" marT="79019" marB="79019" anchor="ctr"/>
+                </a:tc>
+                <a:tc>
+                  <a:txBody>
+                    <a:bodyPr/>
+                    <a:lstStyle/>
+                    <a:p>
+                      <a:pPr>
+                        <a:lnSpc>
+                          <a:spcPts val="1875"/>
+                        </a:lnSpc>
+                        <a:spcAft>
+                          <a:spcPts val="800"/>
+                        </a:spcAft>
+                      </a:pPr>
+                      <a:r>
+                        <a:rPr lang="ru-RU" sz="1800" kern="100">
+                          <a:effectLst/>
+                        </a:rPr>
+                        <a:t>σ²</a:t>
+                      </a:r>
+                      <a:endParaRPr lang="ru-RU" sz="2400" kern="100">
+                        <a:effectLst/>
+                        <a:latin typeface="Aptos"/>
+                        <a:ea typeface="Aptos"/>
+                        <a:cs typeface="Times New Roman" panose="02020603050405020304" pitchFamily="18" charset="0"/>
+                      </a:endParaRPr>
+                    </a:p>
+                  </a:txBody>
+                  <a:tcPr marL="126431" marR="126431" marT="79019" marB="79019" anchor="ctr"/>
+                </a:tc>
+                <a:tc>
+                  <a:txBody>
+                    <a:bodyPr/>
+                    <a:lstStyle/>
+                    <a:p>
+                      <a:pPr>
+                        <a:lnSpc>
+                          <a:spcPct val="107000"/>
+                        </a:lnSpc>
+                        <a:spcAft>
+                          <a:spcPts val="800"/>
+                        </a:spcAft>
+                      </a:pPr>
+                      <a:r>
+                        <a:rPr lang="ru-RU" sz="2400" kern="100">
+                          <a:effectLst/>
+                        </a:rPr>
+                        <a:t> </a:t>
+                      </a:r>
+                      <a:endParaRPr lang="ru-RU" sz="2400" kern="100">
+                        <a:effectLst/>
+                        <a:latin typeface="Aptos"/>
+                        <a:ea typeface="Aptos"/>
+                        <a:cs typeface="Times New Roman" panose="02020603050405020304" pitchFamily="18" charset="0"/>
+                      </a:endParaRPr>
+                    </a:p>
+                  </a:txBody>
+                  <a:tcPr marL="0" marR="0" marT="0" marB="0" anchor="ctr"/>
+                </a:tc>
+                <a:extLst>
+                  <a:ext uri="{0D108BD9-81ED-4DB2-BD59-A6C34878D82A}">
+                    <a16:rowId xmlns:a16="http://schemas.microsoft.com/office/drawing/2014/main" val="797248728"/>
+                  </a:ext>
+                </a:extLst>
+              </a:tr>
+              <a:tr h="846852">
+                <a:tc>
+                  <a:txBody>
+                    <a:bodyPr/>
+                    <a:lstStyle/>
+                    <a:p>
+                      <a:pPr>
+                        <a:lnSpc>
+                          <a:spcPts val="1875"/>
+                        </a:lnSpc>
+                        <a:spcAft>
+                          <a:spcPts val="800"/>
+                        </a:spcAft>
+                      </a:pPr>
+                      <a:r>
+                        <a:rPr lang="ru-RU" sz="1800" kern="100">
+                          <a:effectLst/>
+                        </a:rPr>
+                        <a:t>1</a:t>
+                      </a:r>
+                      <a:endParaRPr lang="ru-RU" sz="2400" kern="100">
+                        <a:effectLst/>
+                        <a:latin typeface="Aptos"/>
+                        <a:ea typeface="Aptos"/>
+                        <a:cs typeface="Times New Roman" panose="02020603050405020304" pitchFamily="18" charset="0"/>
+                      </a:endParaRPr>
+                    </a:p>
+                  </a:txBody>
+                  <a:tcPr marL="0" marR="126431" marT="79019" marB="79019" anchor="ctr"/>
+                </a:tc>
+                <a:tc>
+                  <a:txBody>
+                    <a:bodyPr/>
+                    <a:lstStyle/>
+                    <a:p>
+                      <a:pPr>
+                        <a:lnSpc>
+                          <a:spcPts val="1875"/>
+                        </a:lnSpc>
+                        <a:spcAft>
+                          <a:spcPts val="800"/>
+                        </a:spcAft>
+                      </a:pPr>
+                      <a:r>
+                        <a:rPr lang="ru-RU" sz="1800" kern="100">
+                          <a:effectLst/>
+                        </a:rPr>
+                        <a:t>Разработка ядра</a:t>
+                      </a:r>
+                      <a:endParaRPr lang="ru-RU" sz="2400" kern="100">
+                        <a:effectLst/>
+                        <a:latin typeface="Aptos"/>
+                        <a:ea typeface="Aptos"/>
+                        <a:cs typeface="Times New Roman" panose="02020603050405020304" pitchFamily="18" charset="0"/>
+                      </a:endParaRPr>
+                    </a:p>
+                  </a:txBody>
+                  <a:tcPr marL="126431" marR="126431" marT="79019" marB="79019" anchor="ctr"/>
+                </a:tc>
+                <a:tc>
+                  <a:txBody>
+                    <a:bodyPr/>
+                    <a:lstStyle/>
+                    <a:p>
+                      <a:pPr>
+                        <a:lnSpc>
+                          <a:spcPts val="1875"/>
+                        </a:lnSpc>
+                        <a:spcAft>
+                          <a:spcPts val="800"/>
+                        </a:spcAft>
+                      </a:pPr>
+                      <a:r>
+                        <a:rPr lang="ru-RU" sz="1800" kern="100">
+                          <a:effectLst/>
+                        </a:rPr>
+                        <a:t>Создание базовой архитектуры конструктора, интеграция с Dear ImGUI</a:t>
+                      </a:r>
+                      <a:endParaRPr lang="ru-RU" sz="2400" kern="100">
+                        <a:effectLst/>
+                        <a:latin typeface="Aptos"/>
+                        <a:ea typeface="Aptos"/>
+                        <a:cs typeface="Times New Roman" panose="02020603050405020304" pitchFamily="18" charset="0"/>
+                      </a:endParaRPr>
+                    </a:p>
+                  </a:txBody>
+                  <a:tcPr marL="126431" marR="126431" marT="79019" marB="79019" anchor="ctr"/>
+                </a:tc>
+                <a:tc>
+                  <a:txBody>
+                    <a:bodyPr/>
+                    <a:lstStyle/>
+                    <a:p>
+                      <a:pPr>
+                        <a:lnSpc>
+                          <a:spcPts val="1875"/>
+                        </a:lnSpc>
+                        <a:spcAft>
+                          <a:spcPts val="800"/>
+                        </a:spcAft>
+                      </a:pPr>
+                      <a:r>
+                        <a:rPr lang="ru-RU" sz="1800" kern="100">
+                          <a:effectLst/>
+                        </a:rPr>
+                        <a:t>60</a:t>
+                      </a:r>
+                      <a:endParaRPr lang="ru-RU" sz="2400" kern="100">
+                        <a:effectLst/>
+                        <a:latin typeface="Aptos"/>
+                        <a:ea typeface="Aptos"/>
+                        <a:cs typeface="Times New Roman" panose="02020603050405020304" pitchFamily="18" charset="0"/>
+                      </a:endParaRPr>
+                    </a:p>
+                  </a:txBody>
+                  <a:tcPr marL="126431" marR="126431" marT="79019" marB="79019" anchor="ctr"/>
+                </a:tc>
+                <a:tc>
+                  <a:txBody>
+                    <a:bodyPr/>
+                    <a:lstStyle/>
+                    <a:p>
+                      <a:pPr>
+                        <a:lnSpc>
+                          <a:spcPts val="1875"/>
+                        </a:lnSpc>
+                        <a:spcAft>
+                          <a:spcPts val="800"/>
+                        </a:spcAft>
+                      </a:pPr>
+                      <a:r>
+                        <a:rPr lang="ru-RU" sz="1800" kern="100">
+                          <a:effectLst/>
+                        </a:rPr>
+                        <a:t>75</a:t>
+                      </a:r>
+                      <a:endParaRPr lang="ru-RU" sz="2400" kern="100">
+                        <a:effectLst/>
+                        <a:latin typeface="Aptos"/>
+                        <a:ea typeface="Aptos"/>
+                        <a:cs typeface="Times New Roman" panose="02020603050405020304" pitchFamily="18" charset="0"/>
+                      </a:endParaRPr>
+                    </a:p>
+                  </a:txBody>
+                  <a:tcPr marL="126431" marR="126431" marT="79019" marB="79019" anchor="ctr"/>
+                </a:tc>
+                <a:tc>
+                  <a:txBody>
+                    <a:bodyPr/>
+                    <a:lstStyle/>
+                    <a:p>
+                      <a:pPr>
+                        <a:lnSpc>
+                          <a:spcPts val="1875"/>
+                        </a:lnSpc>
+                        <a:spcAft>
+                          <a:spcPts val="800"/>
+                        </a:spcAft>
+                      </a:pPr>
+                      <a:r>
+                        <a:rPr lang="ru-RU" sz="1800" kern="100">
+                          <a:effectLst/>
+                        </a:rPr>
+                        <a:t>105</a:t>
+                      </a:r>
+                      <a:endParaRPr lang="ru-RU" sz="2400" kern="100">
+                        <a:effectLst/>
+                        <a:latin typeface="Aptos"/>
+                        <a:ea typeface="Aptos"/>
+                        <a:cs typeface="Times New Roman" panose="02020603050405020304" pitchFamily="18" charset="0"/>
+                      </a:endParaRPr>
+                    </a:p>
+                  </a:txBody>
+                  <a:tcPr marL="126431" marR="126431" marT="79019" marB="79019" anchor="ctr"/>
+                </a:tc>
+                <a:tc>
+                  <a:txBody>
+                    <a:bodyPr/>
+                    <a:lstStyle/>
+                    <a:p>
+                      <a:pPr>
+                        <a:lnSpc>
+                          <a:spcPts val="1875"/>
+                        </a:lnSpc>
+                        <a:spcAft>
+                          <a:spcPts val="800"/>
+                        </a:spcAft>
+                      </a:pPr>
+                      <a:r>
+                        <a:rPr lang="ru-RU" sz="1800" kern="100">
+                          <a:effectLst/>
+                        </a:rPr>
+                        <a:t>77.5</a:t>
+                      </a:r>
+                      <a:endParaRPr lang="ru-RU" sz="2400" kern="100">
+                        <a:effectLst/>
+                        <a:latin typeface="Aptos"/>
+                        <a:ea typeface="Aptos"/>
+                        <a:cs typeface="Times New Roman" panose="02020603050405020304" pitchFamily="18" charset="0"/>
+                      </a:endParaRPr>
+                    </a:p>
+                  </a:txBody>
+                  <a:tcPr marL="126431" marR="126431" marT="79019" marB="79019" anchor="ctr"/>
+                </a:tc>
+                <a:tc>
+                  <a:txBody>
+                    <a:bodyPr/>
+                    <a:lstStyle/>
+                    <a:p>
+                      <a:pPr>
+                        <a:lnSpc>
+                          <a:spcPts val="1875"/>
+                        </a:lnSpc>
+                        <a:spcAft>
+                          <a:spcPts val="800"/>
+                        </a:spcAft>
+                      </a:pPr>
+                      <a:r>
+                        <a:rPr lang="ru-RU" sz="1800" kern="100">
+                          <a:effectLst/>
+                        </a:rPr>
+                        <a:t>7.5</a:t>
+                      </a:r>
+                      <a:endParaRPr lang="ru-RU" sz="2400" kern="100">
+                        <a:effectLst/>
+                        <a:latin typeface="Aptos"/>
+                        <a:ea typeface="Aptos"/>
+                        <a:cs typeface="Times New Roman" panose="02020603050405020304" pitchFamily="18" charset="0"/>
+                      </a:endParaRPr>
+                    </a:p>
+                  </a:txBody>
+                  <a:tcPr marL="126431" marR="126431" marT="79019" marB="79019" anchor="ctr"/>
+                </a:tc>
+                <a:tc gridSpan="2">
+                  <a:txBody>
+                    <a:bodyPr/>
+                    <a:lstStyle/>
+                    <a:p>
+                      <a:pPr>
+                        <a:lnSpc>
+                          <a:spcPts val="1875"/>
+                        </a:lnSpc>
+                        <a:spcAft>
+                          <a:spcPts val="800"/>
+                        </a:spcAft>
+                      </a:pPr>
+                      <a:r>
+                        <a:rPr lang="ru-RU" sz="1800" kern="100">
+                          <a:effectLst/>
+                        </a:rPr>
+                        <a:t>56.25</a:t>
+                      </a:r>
+                      <a:endParaRPr lang="ru-RU" sz="2400" kern="100">
+                        <a:effectLst/>
+                        <a:latin typeface="Aptos"/>
+                        <a:ea typeface="Aptos"/>
+                        <a:cs typeface="Times New Roman" panose="02020603050405020304" pitchFamily="18" charset="0"/>
+                      </a:endParaRPr>
+                    </a:p>
+                  </a:txBody>
+                  <a:tcPr marL="126431" marR="0" marT="79019" marB="79019" anchor="ctr"/>
+                </a:tc>
+                <a:tc hMerge="1">
+                  <a:txBody>
+                    <a:bodyPr/>
+                    <a:lstStyle/>
+                    <a:p>
+                      <a:endParaRPr lang="ru-RU"/>
+                    </a:p>
+                  </a:txBody>
+                  <a:tcPr/>
+                </a:tc>
+                <a:extLst>
+                  <a:ext uri="{0D108BD9-81ED-4DB2-BD59-A6C34878D82A}">
+                    <a16:rowId xmlns:a16="http://schemas.microsoft.com/office/drawing/2014/main" val="1588191832"/>
+                  </a:ext>
+                </a:extLst>
+              </a:tr>
+              <a:tr h="846852">
+                <a:tc>
+                  <a:txBody>
+                    <a:bodyPr/>
+                    <a:lstStyle/>
+                    <a:p>
+                      <a:pPr>
+                        <a:lnSpc>
+                          <a:spcPts val="1875"/>
+                        </a:lnSpc>
+                        <a:spcAft>
+                          <a:spcPts val="800"/>
+                        </a:spcAft>
+                      </a:pPr>
+                      <a:r>
+                        <a:rPr lang="ru-RU" sz="1800" kern="100">
+                          <a:effectLst/>
+                        </a:rPr>
+                        <a:t>2</a:t>
+                      </a:r>
+                      <a:endParaRPr lang="ru-RU" sz="2400" kern="100">
+                        <a:effectLst/>
+                        <a:latin typeface="Aptos"/>
+                        <a:ea typeface="Aptos"/>
+                        <a:cs typeface="Times New Roman" panose="02020603050405020304" pitchFamily="18" charset="0"/>
+                      </a:endParaRPr>
+                    </a:p>
+                  </a:txBody>
+                  <a:tcPr marL="0" marR="126431" marT="79019" marB="79019" anchor="ctr"/>
+                </a:tc>
+                <a:tc>
+                  <a:txBody>
+                    <a:bodyPr/>
+                    <a:lstStyle/>
+                    <a:p>
+                      <a:pPr>
+                        <a:lnSpc>
+                          <a:spcPts val="1875"/>
+                        </a:lnSpc>
+                        <a:spcAft>
+                          <a:spcPts val="800"/>
+                        </a:spcAft>
+                      </a:pPr>
+                      <a:r>
+                        <a:rPr lang="ru-RU" sz="1800" kern="100">
+                          <a:effectLst/>
+                        </a:rPr>
+                        <a:t>Реализация системы инжектирования</a:t>
+                      </a:r>
+                      <a:endParaRPr lang="ru-RU" sz="2400" kern="100">
+                        <a:effectLst/>
+                        <a:latin typeface="Aptos"/>
+                        <a:ea typeface="Aptos"/>
+                        <a:cs typeface="Times New Roman" panose="02020603050405020304" pitchFamily="18" charset="0"/>
+                      </a:endParaRPr>
+                    </a:p>
+                  </a:txBody>
+                  <a:tcPr marL="126431" marR="126431" marT="79019" marB="79019" anchor="ctr"/>
+                </a:tc>
+                <a:tc>
+                  <a:txBody>
+                    <a:bodyPr/>
+                    <a:lstStyle/>
+                    <a:p>
+                      <a:pPr>
+                        <a:lnSpc>
+                          <a:spcPts val="1875"/>
+                        </a:lnSpc>
+                        <a:spcAft>
+                          <a:spcPts val="800"/>
+                        </a:spcAft>
+                      </a:pPr>
+                      <a:r>
+                        <a:rPr lang="ru-RU" sz="1800" kern="100">
+                          <a:effectLst/>
+                        </a:rPr>
+                        <a:t>Система динамической загрузки виджетов, плагинная архитектура</a:t>
+                      </a:r>
+                      <a:endParaRPr lang="ru-RU" sz="2400" kern="100">
+                        <a:effectLst/>
+                        <a:latin typeface="Aptos"/>
+                        <a:ea typeface="Aptos"/>
+                        <a:cs typeface="Times New Roman" panose="02020603050405020304" pitchFamily="18" charset="0"/>
+                      </a:endParaRPr>
+                    </a:p>
+                  </a:txBody>
+                  <a:tcPr marL="126431" marR="126431" marT="79019" marB="79019" anchor="ctr"/>
+                </a:tc>
+                <a:tc>
+                  <a:txBody>
+                    <a:bodyPr/>
+                    <a:lstStyle/>
+                    <a:p>
+                      <a:pPr>
+                        <a:lnSpc>
+                          <a:spcPts val="1875"/>
+                        </a:lnSpc>
+                        <a:spcAft>
+                          <a:spcPts val="800"/>
+                        </a:spcAft>
+                      </a:pPr>
+                      <a:r>
+                        <a:rPr lang="ru-RU" sz="1800" kern="100">
+                          <a:effectLst/>
+                        </a:rPr>
+                        <a:t>15</a:t>
+                      </a:r>
+                      <a:endParaRPr lang="ru-RU" sz="2400" kern="100">
+                        <a:effectLst/>
+                        <a:latin typeface="Aptos"/>
+                        <a:ea typeface="Aptos"/>
+                        <a:cs typeface="Times New Roman" panose="02020603050405020304" pitchFamily="18" charset="0"/>
+                      </a:endParaRPr>
+                    </a:p>
+                  </a:txBody>
+                  <a:tcPr marL="126431" marR="126431" marT="79019" marB="79019" anchor="ctr"/>
+                </a:tc>
+                <a:tc>
+                  <a:txBody>
+                    <a:bodyPr/>
+                    <a:lstStyle/>
+                    <a:p>
+                      <a:pPr>
+                        <a:lnSpc>
+                          <a:spcPts val="1875"/>
+                        </a:lnSpc>
+                        <a:spcAft>
+                          <a:spcPts val="800"/>
+                        </a:spcAft>
+                      </a:pPr>
+                      <a:r>
+                        <a:rPr lang="ru-RU" sz="1800" kern="100">
+                          <a:effectLst/>
+                        </a:rPr>
+                        <a:t>21</a:t>
+                      </a:r>
+                      <a:endParaRPr lang="ru-RU" sz="2400" kern="100">
+                        <a:effectLst/>
+                        <a:latin typeface="Aptos"/>
+                        <a:ea typeface="Aptos"/>
+                        <a:cs typeface="Times New Roman" panose="02020603050405020304" pitchFamily="18" charset="0"/>
+                      </a:endParaRPr>
+                    </a:p>
+                  </a:txBody>
+                  <a:tcPr marL="126431" marR="126431" marT="79019" marB="79019" anchor="ctr"/>
+                </a:tc>
+                <a:tc>
+                  <a:txBody>
+                    <a:bodyPr/>
+                    <a:lstStyle/>
+                    <a:p>
+                      <a:pPr>
+                        <a:lnSpc>
+                          <a:spcPts val="1875"/>
+                        </a:lnSpc>
+                        <a:spcAft>
+                          <a:spcPts val="800"/>
+                        </a:spcAft>
+                      </a:pPr>
+                      <a:r>
+                        <a:rPr lang="ru-RU" sz="1800" kern="100">
+                          <a:effectLst/>
+                        </a:rPr>
+                        <a:t>30</a:t>
+                      </a:r>
+                      <a:endParaRPr lang="ru-RU" sz="2400" kern="100">
+                        <a:effectLst/>
+                        <a:latin typeface="Aptos"/>
+                        <a:ea typeface="Aptos"/>
+                        <a:cs typeface="Times New Roman" panose="02020603050405020304" pitchFamily="18" charset="0"/>
+                      </a:endParaRPr>
+                    </a:p>
+                  </a:txBody>
+                  <a:tcPr marL="126431" marR="126431" marT="79019" marB="79019" anchor="ctr"/>
+                </a:tc>
+                <a:tc>
+                  <a:txBody>
+                    <a:bodyPr/>
+                    <a:lstStyle/>
+                    <a:p>
+                      <a:pPr>
+                        <a:lnSpc>
+                          <a:spcPts val="1875"/>
+                        </a:lnSpc>
+                        <a:spcAft>
+                          <a:spcPts val="800"/>
+                        </a:spcAft>
+                      </a:pPr>
+                      <a:r>
+                        <a:rPr lang="ru-RU" sz="1800" kern="100">
+                          <a:effectLst/>
+                        </a:rPr>
+                        <a:t>21.5</a:t>
+                      </a:r>
+                      <a:endParaRPr lang="ru-RU" sz="2400" kern="100">
+                        <a:effectLst/>
+                        <a:latin typeface="Aptos"/>
+                        <a:ea typeface="Aptos"/>
+                        <a:cs typeface="Times New Roman" panose="02020603050405020304" pitchFamily="18" charset="0"/>
+                      </a:endParaRPr>
+                    </a:p>
+                  </a:txBody>
+                  <a:tcPr marL="126431" marR="126431" marT="79019" marB="79019" anchor="ctr"/>
+                </a:tc>
+                <a:tc>
+                  <a:txBody>
+                    <a:bodyPr/>
+                    <a:lstStyle/>
+                    <a:p>
+                      <a:pPr>
+                        <a:lnSpc>
+                          <a:spcPts val="1875"/>
+                        </a:lnSpc>
+                        <a:spcAft>
+                          <a:spcPts val="800"/>
+                        </a:spcAft>
+                      </a:pPr>
+                      <a:r>
+                        <a:rPr lang="ru-RU" sz="1800" kern="100">
+                          <a:effectLst/>
+                        </a:rPr>
+                        <a:t>2.5</a:t>
+                      </a:r>
+                      <a:endParaRPr lang="ru-RU" sz="2400" kern="100">
+                        <a:effectLst/>
+                        <a:latin typeface="Aptos"/>
+                        <a:ea typeface="Aptos"/>
+                        <a:cs typeface="Times New Roman" panose="02020603050405020304" pitchFamily="18" charset="0"/>
+                      </a:endParaRPr>
+                    </a:p>
+                  </a:txBody>
+                  <a:tcPr marL="126431" marR="126431" marT="79019" marB="79019" anchor="ctr"/>
+                </a:tc>
+                <a:tc gridSpan="2">
+                  <a:txBody>
+                    <a:bodyPr/>
+                    <a:lstStyle/>
+                    <a:p>
+                      <a:pPr>
+                        <a:lnSpc>
+                          <a:spcPts val="1875"/>
+                        </a:lnSpc>
+                        <a:spcAft>
+                          <a:spcPts val="800"/>
+                        </a:spcAft>
+                      </a:pPr>
+                      <a:r>
+                        <a:rPr lang="ru-RU" sz="1800" kern="100">
+                          <a:effectLst/>
+                        </a:rPr>
+                        <a:t>6.25</a:t>
+                      </a:r>
+                      <a:endParaRPr lang="ru-RU" sz="2400" kern="100">
+                        <a:effectLst/>
+                        <a:latin typeface="Aptos"/>
+                        <a:ea typeface="Aptos"/>
+                        <a:cs typeface="Times New Roman" panose="02020603050405020304" pitchFamily="18" charset="0"/>
+                      </a:endParaRPr>
+                    </a:p>
+                  </a:txBody>
+                  <a:tcPr marL="126431" marR="0" marT="79019" marB="79019" anchor="ctr"/>
+                </a:tc>
+                <a:tc hMerge="1">
+                  <a:txBody>
+                    <a:bodyPr/>
+                    <a:lstStyle/>
+                    <a:p>
+                      <a:endParaRPr lang="ru-RU"/>
+                    </a:p>
+                  </a:txBody>
+                  <a:tcPr/>
+                </a:tc>
+                <a:extLst>
+                  <a:ext uri="{0D108BD9-81ED-4DB2-BD59-A6C34878D82A}">
+                    <a16:rowId xmlns:a16="http://schemas.microsoft.com/office/drawing/2014/main" val="1568671876"/>
+                  </a:ext>
+                </a:extLst>
+              </a:tr>
+              <a:tr h="846852">
+                <a:tc>
+                  <a:txBody>
+                    <a:bodyPr/>
+                    <a:lstStyle/>
+                    <a:p>
+                      <a:pPr>
+                        <a:lnSpc>
+                          <a:spcPts val="1875"/>
+                        </a:lnSpc>
+                        <a:spcAft>
+                          <a:spcPts val="800"/>
+                        </a:spcAft>
+                      </a:pPr>
+                      <a:r>
+                        <a:rPr lang="ru-RU" sz="1800" kern="100">
+                          <a:effectLst/>
+                        </a:rPr>
+                        <a:t>3</a:t>
+                      </a:r>
+                      <a:endParaRPr lang="ru-RU" sz="2400" kern="100">
+                        <a:effectLst/>
+                        <a:latin typeface="Aptos"/>
+                        <a:ea typeface="Aptos"/>
+                        <a:cs typeface="Times New Roman" panose="02020603050405020304" pitchFamily="18" charset="0"/>
+                      </a:endParaRPr>
+                    </a:p>
+                  </a:txBody>
+                  <a:tcPr marL="0" marR="126431" marT="79019" marB="79019" anchor="ctr"/>
+                </a:tc>
+                <a:tc>
+                  <a:txBody>
+                    <a:bodyPr/>
+                    <a:lstStyle/>
+                    <a:p>
+                      <a:pPr>
+                        <a:lnSpc>
+                          <a:spcPts val="1875"/>
+                        </a:lnSpc>
+                        <a:spcAft>
+                          <a:spcPts val="800"/>
+                        </a:spcAft>
+                      </a:pPr>
+                      <a:r>
+                        <a:rPr lang="ru-RU" sz="1800" kern="100">
+                          <a:effectLst/>
+                        </a:rPr>
+                        <a:t>Настройка кроссплатформенного стека</a:t>
+                      </a:r>
+                      <a:endParaRPr lang="ru-RU" sz="2400" kern="100">
+                        <a:effectLst/>
+                        <a:latin typeface="Aptos"/>
+                        <a:ea typeface="Aptos"/>
+                        <a:cs typeface="Times New Roman" panose="02020603050405020304" pitchFamily="18" charset="0"/>
+                      </a:endParaRPr>
+                    </a:p>
+                  </a:txBody>
+                  <a:tcPr marL="126431" marR="126431" marT="79019" marB="79019" anchor="ctr"/>
+                </a:tc>
+                <a:tc>
+                  <a:txBody>
+                    <a:bodyPr/>
+                    <a:lstStyle/>
+                    <a:p>
+                      <a:pPr>
+                        <a:lnSpc>
+                          <a:spcPts val="1875"/>
+                        </a:lnSpc>
+                        <a:spcAft>
+                          <a:spcPts val="800"/>
+                        </a:spcAft>
+                      </a:pPr>
+                      <a:r>
+                        <a:rPr lang="ru-RU" sz="1800" kern="100">
+                          <a:effectLst/>
+                        </a:rPr>
+                        <a:t>Сборка под Windows/Linux/macOS, CI/CD конвейер</a:t>
+                      </a:r>
+                      <a:endParaRPr lang="ru-RU" sz="2400" kern="100">
+                        <a:effectLst/>
+                        <a:latin typeface="Aptos"/>
+                        <a:ea typeface="Aptos"/>
+                        <a:cs typeface="Times New Roman" panose="02020603050405020304" pitchFamily="18" charset="0"/>
+                      </a:endParaRPr>
+                    </a:p>
+                  </a:txBody>
+                  <a:tcPr marL="126431" marR="126431" marT="79019" marB="79019" anchor="ctr"/>
+                </a:tc>
+                <a:tc>
+                  <a:txBody>
+                    <a:bodyPr/>
+                    <a:lstStyle/>
+                    <a:p>
+                      <a:pPr>
+                        <a:lnSpc>
+                          <a:spcPts val="1875"/>
+                        </a:lnSpc>
+                        <a:spcAft>
+                          <a:spcPts val="800"/>
+                        </a:spcAft>
+                      </a:pPr>
+                      <a:r>
+                        <a:rPr lang="ru-RU" sz="1800" kern="100">
+                          <a:effectLst/>
+                        </a:rPr>
+                        <a:t>25</a:t>
+                      </a:r>
+                      <a:endParaRPr lang="ru-RU" sz="2400" kern="100">
+                        <a:effectLst/>
+                        <a:latin typeface="Aptos"/>
+                        <a:ea typeface="Aptos"/>
+                        <a:cs typeface="Times New Roman" panose="02020603050405020304" pitchFamily="18" charset="0"/>
+                      </a:endParaRPr>
+                    </a:p>
+                  </a:txBody>
+                  <a:tcPr marL="126431" marR="126431" marT="79019" marB="79019" anchor="ctr"/>
+                </a:tc>
+                <a:tc>
+                  <a:txBody>
+                    <a:bodyPr/>
+                    <a:lstStyle/>
+                    <a:p>
+                      <a:pPr>
+                        <a:lnSpc>
+                          <a:spcPts val="1875"/>
+                        </a:lnSpc>
+                        <a:spcAft>
+                          <a:spcPts val="800"/>
+                        </a:spcAft>
+                      </a:pPr>
+                      <a:r>
+                        <a:rPr lang="ru-RU" sz="1800" kern="100">
+                          <a:effectLst/>
+                        </a:rPr>
+                        <a:t>35</a:t>
+                      </a:r>
+                      <a:endParaRPr lang="ru-RU" sz="2400" kern="100">
+                        <a:effectLst/>
+                        <a:latin typeface="Aptos"/>
+                        <a:ea typeface="Aptos"/>
+                        <a:cs typeface="Times New Roman" panose="02020603050405020304" pitchFamily="18" charset="0"/>
+                      </a:endParaRPr>
+                    </a:p>
+                  </a:txBody>
+                  <a:tcPr marL="126431" marR="126431" marT="79019" marB="79019" anchor="ctr"/>
+                </a:tc>
+                <a:tc>
+                  <a:txBody>
+                    <a:bodyPr/>
+                    <a:lstStyle/>
+                    <a:p>
+                      <a:pPr>
+                        <a:lnSpc>
+                          <a:spcPts val="1875"/>
+                        </a:lnSpc>
+                        <a:spcAft>
+                          <a:spcPts val="800"/>
+                        </a:spcAft>
+                      </a:pPr>
+                      <a:r>
+                        <a:rPr lang="ru-RU" sz="1800" kern="100">
+                          <a:effectLst/>
+                        </a:rPr>
+                        <a:t>50</a:t>
+                      </a:r>
+                      <a:endParaRPr lang="ru-RU" sz="2400" kern="100">
+                        <a:effectLst/>
+                        <a:latin typeface="Aptos"/>
+                        <a:ea typeface="Aptos"/>
+                        <a:cs typeface="Times New Roman" panose="02020603050405020304" pitchFamily="18" charset="0"/>
+                      </a:endParaRPr>
+                    </a:p>
+                  </a:txBody>
+                  <a:tcPr marL="126431" marR="126431" marT="79019" marB="79019" anchor="ctr"/>
+                </a:tc>
+                <a:tc>
+                  <a:txBody>
+                    <a:bodyPr/>
+                    <a:lstStyle/>
+                    <a:p>
+                      <a:pPr>
+                        <a:lnSpc>
+                          <a:spcPts val="1875"/>
+                        </a:lnSpc>
+                        <a:spcAft>
+                          <a:spcPts val="800"/>
+                        </a:spcAft>
+                      </a:pPr>
+                      <a:r>
+                        <a:rPr lang="ru-RU" sz="1800" kern="100">
+                          <a:effectLst/>
+                        </a:rPr>
+                        <a:t>36.7</a:t>
+                      </a:r>
+                      <a:endParaRPr lang="ru-RU" sz="2400" kern="100">
+                        <a:effectLst/>
+                        <a:latin typeface="Aptos"/>
+                        <a:ea typeface="Aptos"/>
+                        <a:cs typeface="Times New Roman" panose="02020603050405020304" pitchFamily="18" charset="0"/>
+                      </a:endParaRPr>
+                    </a:p>
+                  </a:txBody>
+                  <a:tcPr marL="126431" marR="126431" marT="79019" marB="79019" anchor="ctr"/>
+                </a:tc>
+                <a:tc>
+                  <a:txBody>
+                    <a:bodyPr/>
+                    <a:lstStyle/>
+                    <a:p>
+                      <a:pPr>
+                        <a:lnSpc>
+                          <a:spcPts val="1875"/>
+                        </a:lnSpc>
+                        <a:spcAft>
+                          <a:spcPts val="800"/>
+                        </a:spcAft>
+                      </a:pPr>
+                      <a:r>
+                        <a:rPr lang="ru-RU" sz="1800" kern="100">
+                          <a:effectLst/>
+                        </a:rPr>
+                        <a:t>4.2</a:t>
+                      </a:r>
+                      <a:endParaRPr lang="ru-RU" sz="2400" kern="100">
+                        <a:effectLst/>
+                        <a:latin typeface="Aptos"/>
+                        <a:ea typeface="Aptos"/>
+                        <a:cs typeface="Times New Roman" panose="02020603050405020304" pitchFamily="18" charset="0"/>
+                      </a:endParaRPr>
+                    </a:p>
+                  </a:txBody>
+                  <a:tcPr marL="126431" marR="126431" marT="79019" marB="79019" anchor="ctr"/>
+                </a:tc>
+                <a:tc gridSpan="2">
+                  <a:txBody>
+                    <a:bodyPr/>
+                    <a:lstStyle/>
+                    <a:p>
+                      <a:pPr>
+                        <a:lnSpc>
+                          <a:spcPts val="1875"/>
+                        </a:lnSpc>
+                        <a:spcAft>
+                          <a:spcPts val="800"/>
+                        </a:spcAft>
+                      </a:pPr>
+                      <a:r>
+                        <a:rPr lang="ru-RU" sz="1800" kern="100">
+                          <a:effectLst/>
+                        </a:rPr>
+                        <a:t>17.36</a:t>
+                      </a:r>
+                      <a:endParaRPr lang="ru-RU" sz="2400" kern="100">
+                        <a:effectLst/>
+                        <a:latin typeface="Aptos"/>
+                        <a:ea typeface="Aptos"/>
+                        <a:cs typeface="Times New Roman" panose="02020603050405020304" pitchFamily="18" charset="0"/>
+                      </a:endParaRPr>
+                    </a:p>
+                  </a:txBody>
+                  <a:tcPr marL="126431" marR="0" marT="79019" marB="79019" anchor="ctr"/>
+                </a:tc>
+                <a:tc hMerge="1">
+                  <a:txBody>
+                    <a:bodyPr/>
+                    <a:lstStyle/>
+                    <a:p>
+                      <a:endParaRPr lang="ru-RU"/>
+                    </a:p>
+                  </a:txBody>
+                  <a:tcPr/>
+                </a:tc>
+                <a:extLst>
+                  <a:ext uri="{0D108BD9-81ED-4DB2-BD59-A6C34878D82A}">
+                    <a16:rowId xmlns:a16="http://schemas.microsoft.com/office/drawing/2014/main" val="1534200535"/>
+                  </a:ext>
+                </a:extLst>
+              </a:tr>
+              <a:tr h="846852">
+                <a:tc>
+                  <a:txBody>
+                    <a:bodyPr/>
+                    <a:lstStyle/>
+                    <a:p>
+                      <a:pPr>
+                        <a:lnSpc>
+                          <a:spcPts val="1875"/>
+                        </a:lnSpc>
+                        <a:spcAft>
+                          <a:spcPts val="800"/>
+                        </a:spcAft>
+                      </a:pPr>
+                      <a:r>
+                        <a:rPr lang="ru-RU" sz="1800" kern="100">
+                          <a:effectLst/>
+                        </a:rPr>
+                        <a:t>4</a:t>
+                      </a:r>
+                      <a:endParaRPr lang="ru-RU" sz="2400" kern="100">
+                        <a:effectLst/>
+                        <a:latin typeface="Aptos"/>
+                        <a:ea typeface="Aptos"/>
+                        <a:cs typeface="Times New Roman" panose="02020603050405020304" pitchFamily="18" charset="0"/>
+                      </a:endParaRPr>
+                    </a:p>
+                  </a:txBody>
+                  <a:tcPr marL="0" marR="126431" marT="79019" marB="79019" anchor="ctr"/>
+                </a:tc>
+                <a:tc>
+                  <a:txBody>
+                    <a:bodyPr/>
+                    <a:lstStyle/>
+                    <a:p>
+                      <a:pPr>
+                        <a:lnSpc>
+                          <a:spcPts val="1875"/>
+                        </a:lnSpc>
+                        <a:spcAft>
+                          <a:spcPts val="800"/>
+                        </a:spcAft>
+                      </a:pPr>
+                      <a:r>
+                        <a:rPr lang="ru-RU" sz="1800" kern="100">
+                          <a:effectLst/>
+                        </a:rPr>
+                        <a:t>Разработка визуального редактора</a:t>
+                      </a:r>
+                      <a:endParaRPr lang="ru-RU" sz="2400" kern="100">
+                        <a:effectLst/>
+                        <a:latin typeface="Aptos"/>
+                        <a:ea typeface="Aptos"/>
+                        <a:cs typeface="Times New Roman" panose="02020603050405020304" pitchFamily="18" charset="0"/>
+                      </a:endParaRPr>
+                    </a:p>
+                  </a:txBody>
+                  <a:tcPr marL="126431" marR="126431" marT="79019" marB="79019" anchor="ctr"/>
+                </a:tc>
+                <a:tc>
+                  <a:txBody>
+                    <a:bodyPr/>
+                    <a:lstStyle/>
+                    <a:p>
+                      <a:pPr>
+                        <a:lnSpc>
+                          <a:spcPts val="1875"/>
+                        </a:lnSpc>
+                        <a:spcAft>
+                          <a:spcPts val="800"/>
+                        </a:spcAft>
+                      </a:pPr>
+                      <a:r>
+                        <a:rPr lang="ru-RU" sz="1800" kern="100">
+                          <a:effectLst/>
+                        </a:rPr>
+                        <a:t>GUI для drag-and-drop создания виджетов</a:t>
+                      </a:r>
+                      <a:endParaRPr lang="ru-RU" sz="2400" kern="100">
+                        <a:effectLst/>
+                        <a:latin typeface="Aptos"/>
+                        <a:ea typeface="Aptos"/>
+                        <a:cs typeface="Times New Roman" panose="02020603050405020304" pitchFamily="18" charset="0"/>
+                      </a:endParaRPr>
+                    </a:p>
+                  </a:txBody>
+                  <a:tcPr marL="126431" marR="126431" marT="79019" marB="79019" anchor="ctr"/>
+                </a:tc>
+                <a:tc>
+                  <a:txBody>
+                    <a:bodyPr/>
+                    <a:lstStyle/>
+                    <a:p>
+                      <a:pPr>
+                        <a:lnSpc>
+                          <a:spcPts val="1875"/>
+                        </a:lnSpc>
+                        <a:spcAft>
+                          <a:spcPts val="800"/>
+                        </a:spcAft>
+                      </a:pPr>
+                      <a:r>
+                        <a:rPr lang="ru-RU" sz="1800" kern="100">
+                          <a:effectLst/>
+                        </a:rPr>
+                        <a:t>10</a:t>
+                      </a:r>
+                      <a:endParaRPr lang="ru-RU" sz="2400" kern="100">
+                        <a:effectLst/>
+                        <a:latin typeface="Aptos"/>
+                        <a:ea typeface="Aptos"/>
+                        <a:cs typeface="Times New Roman" panose="02020603050405020304" pitchFamily="18" charset="0"/>
+                      </a:endParaRPr>
+                    </a:p>
+                  </a:txBody>
+                  <a:tcPr marL="126431" marR="126431" marT="79019" marB="79019" anchor="ctr"/>
+                </a:tc>
+                <a:tc>
+                  <a:txBody>
+                    <a:bodyPr/>
+                    <a:lstStyle/>
+                    <a:p>
+                      <a:pPr>
+                        <a:lnSpc>
+                          <a:spcPts val="1875"/>
+                        </a:lnSpc>
+                        <a:spcAft>
+                          <a:spcPts val="800"/>
+                        </a:spcAft>
+                      </a:pPr>
+                      <a:r>
+                        <a:rPr lang="ru-RU" sz="1800" kern="100">
+                          <a:effectLst/>
+                        </a:rPr>
+                        <a:t>14</a:t>
+                      </a:r>
+                      <a:endParaRPr lang="ru-RU" sz="2400" kern="100">
+                        <a:effectLst/>
+                        <a:latin typeface="Aptos"/>
+                        <a:ea typeface="Aptos"/>
+                        <a:cs typeface="Times New Roman" panose="02020603050405020304" pitchFamily="18" charset="0"/>
+                      </a:endParaRPr>
+                    </a:p>
+                  </a:txBody>
+                  <a:tcPr marL="126431" marR="126431" marT="79019" marB="79019" anchor="ctr"/>
+                </a:tc>
+                <a:tc>
+                  <a:txBody>
+                    <a:bodyPr/>
+                    <a:lstStyle/>
+                    <a:p>
+                      <a:pPr>
+                        <a:lnSpc>
+                          <a:spcPts val="1875"/>
+                        </a:lnSpc>
+                        <a:spcAft>
+                          <a:spcPts val="800"/>
+                        </a:spcAft>
+                      </a:pPr>
+                      <a:r>
+                        <a:rPr lang="ru-RU" sz="1800" kern="100">
+                          <a:effectLst/>
+                        </a:rPr>
+                        <a:t>21</a:t>
+                      </a:r>
+                      <a:endParaRPr lang="ru-RU" sz="2400" kern="100">
+                        <a:effectLst/>
+                        <a:latin typeface="Aptos"/>
+                        <a:ea typeface="Aptos"/>
+                        <a:cs typeface="Times New Roman" panose="02020603050405020304" pitchFamily="18" charset="0"/>
+                      </a:endParaRPr>
+                    </a:p>
+                  </a:txBody>
+                  <a:tcPr marL="126431" marR="126431" marT="79019" marB="79019" anchor="ctr"/>
+                </a:tc>
+                <a:tc>
+                  <a:txBody>
+                    <a:bodyPr/>
+                    <a:lstStyle/>
+                    <a:p>
+                      <a:pPr>
+                        <a:lnSpc>
+                          <a:spcPts val="1875"/>
+                        </a:lnSpc>
+                        <a:spcAft>
+                          <a:spcPts val="800"/>
+                        </a:spcAft>
+                      </a:pPr>
+                      <a:r>
+                        <a:rPr lang="ru-RU" sz="1800" kern="100">
+                          <a:effectLst/>
+                        </a:rPr>
+                        <a:t>14.5</a:t>
+                      </a:r>
+                      <a:endParaRPr lang="ru-RU" sz="2400" kern="100">
+                        <a:effectLst/>
+                        <a:latin typeface="Aptos"/>
+                        <a:ea typeface="Aptos"/>
+                        <a:cs typeface="Times New Roman" panose="02020603050405020304" pitchFamily="18" charset="0"/>
+                      </a:endParaRPr>
+                    </a:p>
+                  </a:txBody>
+                  <a:tcPr marL="126431" marR="126431" marT="79019" marB="79019" anchor="ctr"/>
+                </a:tc>
+                <a:tc>
+                  <a:txBody>
+                    <a:bodyPr/>
+                    <a:lstStyle/>
+                    <a:p>
+                      <a:pPr>
+                        <a:lnSpc>
+                          <a:spcPts val="1875"/>
+                        </a:lnSpc>
+                        <a:spcAft>
+                          <a:spcPts val="800"/>
+                        </a:spcAft>
+                      </a:pPr>
+                      <a:r>
+                        <a:rPr lang="ru-RU" sz="1800" kern="100">
+                          <a:effectLst/>
+                        </a:rPr>
+                        <a:t>1.8</a:t>
+                      </a:r>
+                      <a:endParaRPr lang="ru-RU" sz="2400" kern="100">
+                        <a:effectLst/>
+                        <a:latin typeface="Aptos"/>
+                        <a:ea typeface="Aptos"/>
+                        <a:cs typeface="Times New Roman" panose="02020603050405020304" pitchFamily="18" charset="0"/>
+                      </a:endParaRPr>
+                    </a:p>
+                  </a:txBody>
+                  <a:tcPr marL="126431" marR="126431" marT="79019" marB="79019" anchor="ctr"/>
+                </a:tc>
+                <a:tc gridSpan="2">
+                  <a:txBody>
+                    <a:bodyPr/>
+                    <a:lstStyle/>
+                    <a:p>
+                      <a:pPr>
+                        <a:lnSpc>
+                          <a:spcPts val="1875"/>
+                        </a:lnSpc>
+                        <a:spcAft>
+                          <a:spcPts val="800"/>
+                        </a:spcAft>
+                      </a:pPr>
+                      <a:r>
+                        <a:rPr lang="ru-RU" sz="1800" kern="100">
+                          <a:effectLst/>
+                        </a:rPr>
+                        <a:t>3.36</a:t>
+                      </a:r>
+                      <a:endParaRPr lang="ru-RU" sz="2400" kern="100">
+                        <a:effectLst/>
+                        <a:latin typeface="Aptos"/>
+                        <a:ea typeface="Aptos"/>
+                        <a:cs typeface="Times New Roman" panose="02020603050405020304" pitchFamily="18" charset="0"/>
+                      </a:endParaRPr>
+                    </a:p>
+                  </a:txBody>
+                  <a:tcPr marL="126431" marR="0" marT="79019" marB="79019" anchor="ctr"/>
+                </a:tc>
+                <a:tc hMerge="1">
+                  <a:txBody>
+                    <a:bodyPr/>
+                    <a:lstStyle/>
+                    <a:p>
+                      <a:endParaRPr lang="ru-RU"/>
+                    </a:p>
+                  </a:txBody>
+                  <a:tcPr/>
+                </a:tc>
+                <a:extLst>
+                  <a:ext uri="{0D108BD9-81ED-4DB2-BD59-A6C34878D82A}">
+                    <a16:rowId xmlns:a16="http://schemas.microsoft.com/office/drawing/2014/main" val="261677379"/>
+                  </a:ext>
+                </a:extLst>
+              </a:tr>
+              <a:tr h="614617">
+                <a:tc>
+                  <a:txBody>
+                    <a:bodyPr/>
+                    <a:lstStyle/>
+                    <a:p>
+                      <a:pPr>
+                        <a:lnSpc>
+                          <a:spcPts val="1875"/>
+                        </a:lnSpc>
+                        <a:spcAft>
+                          <a:spcPts val="800"/>
+                        </a:spcAft>
+                      </a:pPr>
+                      <a:r>
+                        <a:rPr lang="ru-RU" sz="1800" kern="100">
+                          <a:effectLst/>
+                        </a:rPr>
+                        <a:t>5</a:t>
+                      </a:r>
+                      <a:endParaRPr lang="ru-RU" sz="2400" kern="100">
+                        <a:effectLst/>
+                        <a:latin typeface="Aptos"/>
+                        <a:ea typeface="Aptos"/>
+                        <a:cs typeface="Times New Roman" panose="02020603050405020304" pitchFamily="18" charset="0"/>
+                      </a:endParaRPr>
+                    </a:p>
+                  </a:txBody>
+                  <a:tcPr marL="0" marR="126431" marT="79019" marB="79019" anchor="ctr"/>
+                </a:tc>
+                <a:tc>
+                  <a:txBody>
+                    <a:bodyPr/>
+                    <a:lstStyle/>
+                    <a:p>
+                      <a:pPr>
+                        <a:lnSpc>
+                          <a:spcPts val="1875"/>
+                        </a:lnSpc>
+                        <a:spcAft>
+                          <a:spcPts val="800"/>
+                        </a:spcAft>
+                      </a:pPr>
+                      <a:r>
+                        <a:rPr lang="ru-RU" sz="1800" kern="100">
+                          <a:effectLst/>
+                        </a:rPr>
+                        <a:t>Интеграционное тестирование</a:t>
+                      </a:r>
+                      <a:endParaRPr lang="ru-RU" sz="2400" kern="100">
+                        <a:effectLst/>
+                        <a:latin typeface="Aptos"/>
+                        <a:ea typeface="Aptos"/>
+                        <a:cs typeface="Times New Roman" panose="02020603050405020304" pitchFamily="18" charset="0"/>
+                      </a:endParaRPr>
+                    </a:p>
+                  </a:txBody>
+                  <a:tcPr marL="126431" marR="126431" marT="79019" marB="79019" anchor="ctr"/>
+                </a:tc>
+                <a:tc>
+                  <a:txBody>
+                    <a:bodyPr/>
+                    <a:lstStyle/>
+                    <a:p>
+                      <a:pPr>
+                        <a:lnSpc>
+                          <a:spcPts val="1875"/>
+                        </a:lnSpc>
+                        <a:spcAft>
+                          <a:spcPts val="800"/>
+                        </a:spcAft>
+                      </a:pPr>
+                      <a:r>
+                        <a:rPr lang="ru-RU" sz="1800" kern="100">
+                          <a:effectLst/>
+                        </a:rPr>
+                        <a:t>Тестирование всей системы, отладка взаимодействий</a:t>
+                      </a:r>
+                      <a:endParaRPr lang="ru-RU" sz="2400" kern="100">
+                        <a:effectLst/>
+                        <a:latin typeface="Aptos"/>
+                        <a:ea typeface="Aptos"/>
+                        <a:cs typeface="Times New Roman" panose="02020603050405020304" pitchFamily="18" charset="0"/>
+                      </a:endParaRPr>
+                    </a:p>
+                  </a:txBody>
+                  <a:tcPr marL="126431" marR="126431" marT="79019" marB="79019" anchor="ctr"/>
+                </a:tc>
+                <a:tc>
+                  <a:txBody>
+                    <a:bodyPr/>
+                    <a:lstStyle/>
+                    <a:p>
+                      <a:pPr>
+                        <a:lnSpc>
+                          <a:spcPts val="1875"/>
+                        </a:lnSpc>
+                        <a:spcAft>
+                          <a:spcPts val="800"/>
+                        </a:spcAft>
+                      </a:pPr>
+                      <a:r>
+                        <a:rPr lang="ru-RU" sz="1800" kern="100">
+                          <a:effectLst/>
+                        </a:rPr>
+                        <a:t>5</a:t>
+                      </a:r>
+                      <a:endParaRPr lang="ru-RU" sz="2400" kern="100">
+                        <a:effectLst/>
+                        <a:latin typeface="Aptos"/>
+                        <a:ea typeface="Aptos"/>
+                        <a:cs typeface="Times New Roman" panose="02020603050405020304" pitchFamily="18" charset="0"/>
+                      </a:endParaRPr>
+                    </a:p>
+                  </a:txBody>
+                  <a:tcPr marL="126431" marR="126431" marT="79019" marB="79019" anchor="ctr"/>
+                </a:tc>
+                <a:tc>
+                  <a:txBody>
+                    <a:bodyPr/>
+                    <a:lstStyle/>
+                    <a:p>
+                      <a:pPr>
+                        <a:lnSpc>
+                          <a:spcPts val="1875"/>
+                        </a:lnSpc>
+                        <a:spcAft>
+                          <a:spcPts val="800"/>
+                        </a:spcAft>
+                      </a:pPr>
+                      <a:r>
+                        <a:rPr lang="ru-RU" sz="1800" kern="100">
+                          <a:effectLst/>
+                        </a:rPr>
+                        <a:t>7</a:t>
+                      </a:r>
+                      <a:endParaRPr lang="ru-RU" sz="2400" kern="100">
+                        <a:effectLst/>
+                        <a:latin typeface="Aptos"/>
+                        <a:ea typeface="Aptos"/>
+                        <a:cs typeface="Times New Roman" panose="02020603050405020304" pitchFamily="18" charset="0"/>
+                      </a:endParaRPr>
+                    </a:p>
+                  </a:txBody>
+                  <a:tcPr marL="126431" marR="126431" marT="79019" marB="79019" anchor="ctr"/>
+                </a:tc>
+                <a:tc>
+                  <a:txBody>
+                    <a:bodyPr/>
+                    <a:lstStyle/>
+                    <a:p>
+                      <a:pPr>
+                        <a:lnSpc>
+                          <a:spcPts val="1875"/>
+                        </a:lnSpc>
+                        <a:spcAft>
+                          <a:spcPts val="800"/>
+                        </a:spcAft>
+                      </a:pPr>
+                      <a:r>
+                        <a:rPr lang="ru-RU" sz="1800" kern="100">
+                          <a:effectLst/>
+                        </a:rPr>
+                        <a:t>12</a:t>
+                      </a:r>
+                      <a:endParaRPr lang="ru-RU" sz="2400" kern="100">
+                        <a:effectLst/>
+                        <a:latin typeface="Aptos"/>
+                        <a:ea typeface="Aptos"/>
+                        <a:cs typeface="Times New Roman" panose="02020603050405020304" pitchFamily="18" charset="0"/>
+                      </a:endParaRPr>
+                    </a:p>
+                  </a:txBody>
+                  <a:tcPr marL="126431" marR="126431" marT="79019" marB="79019" anchor="ctr"/>
+                </a:tc>
+                <a:tc>
+                  <a:txBody>
+                    <a:bodyPr/>
+                    <a:lstStyle/>
+                    <a:p>
+                      <a:pPr>
+                        <a:lnSpc>
+                          <a:spcPts val="1875"/>
+                        </a:lnSpc>
+                        <a:spcAft>
+                          <a:spcPts val="800"/>
+                        </a:spcAft>
+                      </a:pPr>
+                      <a:r>
+                        <a:rPr lang="ru-RU" sz="1800" kern="100">
+                          <a:effectLst/>
+                        </a:rPr>
+                        <a:t>7.5</a:t>
+                      </a:r>
+                      <a:endParaRPr lang="ru-RU" sz="2400" kern="100">
+                        <a:effectLst/>
+                        <a:latin typeface="Aptos"/>
+                        <a:ea typeface="Aptos"/>
+                        <a:cs typeface="Times New Roman" panose="02020603050405020304" pitchFamily="18" charset="0"/>
+                      </a:endParaRPr>
+                    </a:p>
+                  </a:txBody>
+                  <a:tcPr marL="126431" marR="126431" marT="79019" marB="79019" anchor="ctr"/>
+                </a:tc>
+                <a:tc>
+                  <a:txBody>
+                    <a:bodyPr/>
+                    <a:lstStyle/>
+                    <a:p>
+                      <a:pPr>
+                        <a:lnSpc>
+                          <a:spcPct val="107000"/>
+                        </a:lnSpc>
+                      </a:pPr>
+                      <a:endParaRPr lang="ru-RU" sz="2400" kern="100">
+                        <a:effectLst/>
+                        <a:latin typeface="Aptos"/>
+                      </a:endParaRPr>
+                    </a:p>
+                  </a:txBody>
+                  <a:tcPr marL="126431" marR="126431" marT="79019" marB="79019" anchor="ctr"/>
+                </a:tc>
+                <a:tc>
+                  <a:txBody>
+                    <a:bodyPr/>
+                    <a:lstStyle/>
+                    <a:p>
+                      <a:pPr>
+                        <a:lnSpc>
+                          <a:spcPct val="107000"/>
+                        </a:lnSpc>
+                      </a:pPr>
+                      <a:endParaRPr lang="ru-RU" sz="2400" kern="100">
+                        <a:effectLst/>
+                        <a:latin typeface="Aptos"/>
+                      </a:endParaRPr>
+                    </a:p>
+                  </a:txBody>
+                  <a:tcPr marL="7902" marR="7902" marT="7902" marB="7902" anchor="ctr"/>
+                </a:tc>
+                <a:tc>
+                  <a:txBody>
+                    <a:bodyPr/>
+                    <a:lstStyle/>
+                    <a:p>
+                      <a:pPr>
+                        <a:lnSpc>
+                          <a:spcPct val="107000"/>
+                        </a:lnSpc>
+                        <a:spcAft>
+                          <a:spcPts val="800"/>
+                        </a:spcAft>
+                      </a:pPr>
+                      <a:r>
+                        <a:rPr lang="ru-RU" sz="2400" kern="100" dirty="0">
+                          <a:effectLst/>
+                        </a:rPr>
+                        <a:t> </a:t>
+                      </a:r>
+                      <a:endParaRPr lang="ru-RU" sz="2400" kern="100" dirty="0">
+                        <a:effectLst/>
+                        <a:latin typeface="Aptos"/>
+                        <a:ea typeface="Aptos"/>
+                        <a:cs typeface="Times New Roman" panose="02020603050405020304" pitchFamily="18" charset="0"/>
+                      </a:endParaRPr>
+                    </a:p>
+                  </a:txBody>
+                  <a:tcPr marL="0" marR="0" marT="0" marB="0" anchor="ctr"/>
+                </a:tc>
+                <a:extLst>
+                  <a:ext uri="{0D108BD9-81ED-4DB2-BD59-A6C34878D82A}">
+                    <a16:rowId xmlns:a16="http://schemas.microsoft.com/office/drawing/2014/main" val="2639211983"/>
+                  </a:ext>
+                </a:extLst>
+              </a:tr>
+            </a:tbl>
+          </a:graphicData>
+        </a:graphic>
+      </p:graphicFrame>
+    </p:spTree>
+    <p:extLst>
+      <p:ext uri="{BB962C8B-B14F-4D97-AF65-F5344CB8AC3E}">
+        <p14:creationId xmlns:p14="http://schemas.microsoft.com/office/powerpoint/2010/main" val="1802276700"/>
+      </p:ext>
+    </p:extLst>
+  </p:cSld>
+  <p:clrMapOvr>
+    <a:masterClrMapping/>
+  </p:clrMapOvr>
+  <p:timing>
+    <p:tnLst>
+      <p:par>
+        <p:cTn id="1" dur="indefinite" restart="never" nodeType="tmRoot"/>
+      </p:par>
+    </p:tnLst>
+  </p:timing>
+</p:sld>
+</file>
+
+<file path=ppt/slides/slide39.xml><?xml version="1.0" encoding="utf-8"?>
+<p:sld xmlns:a="http://schemas.openxmlformats.org/drawingml/2006/main" xmlns:r="http://schemas.openxmlformats.org/officeDocument/2006/relationships" xmlns:p="http://schemas.openxmlformats.org/presentationml/2006/main">
+  <p:cSld>
+    <p:spTree>
+      <p:nvGrpSpPr>
+        <p:cNvPr id="1" name="">
+          <a:extLst>
+            <a:ext uri="{FF2B5EF4-FFF2-40B4-BE49-F238E27FC236}">
+              <a16:creationId xmlns:a16="http://schemas.microsoft.com/office/drawing/2014/main" id="{1CED95EE-9878-5DB7-F2AA-458C7F3B4FEB}"/>
+            </a:ext>
+          </a:extLst>
+        </p:cNvPr>
+        <p:cNvGrpSpPr/>
+        <p:nvPr/>
+      </p:nvGrpSpPr>
+      <p:grpSpPr>
+        <a:xfrm>
+          <a:off x="0" y="0"/>
+          <a:ext cx="0" cy="0"/>
+          <a:chOff x="0" y="0"/>
+          <a:chExt cx="0" cy="0"/>
+        </a:xfrm>
+      </p:grpSpPr>
+      <p:sp>
+        <p:nvSpPr>
+          <p:cNvPr id="14" name="Овал 13">
+            <a:extLst>
+              <a:ext uri="{FF2B5EF4-FFF2-40B4-BE49-F238E27FC236}">
+                <a16:creationId xmlns:a16="http://schemas.microsoft.com/office/drawing/2014/main" id="{5B6C4597-3C0D-C8C2-0BFB-D422255718B9}"/>
+              </a:ext>
+            </a:extLst>
+          </p:cNvPr>
+          <p:cNvSpPr/>
+          <p:nvPr/>
+        </p:nvSpPr>
+        <p:spPr>
+          <a:xfrm rot="1548438">
+            <a:off x="-4585204" y="-5981371"/>
+            <a:ext cx="19996152" cy="17378114"/>
+          </a:xfrm>
+          <a:prstGeom prst="ellipse">
+            <a:avLst/>
+          </a:prstGeom>
+          <a:gradFill flip="none" rotWithShape="1">
+            <a:gsLst>
+              <a:gs pos="0">
+                <a:srgbClr val="002D76"/>
+              </a:gs>
+              <a:gs pos="100000">
+                <a:srgbClr val="72A7FE"/>
+              </a:gs>
+              <a:gs pos="0">
+                <a:srgbClr val="1B71FD"/>
+              </a:gs>
+            </a:gsLst>
+            <a:path path="circle">
+              <a:fillToRect l="50000" t="50000" r="50000" b="50000"/>
+            </a:path>
+            <a:tileRect/>
+          </a:gradFill>
+          <a:effectLst>
+            <a:softEdge rad="1270000"/>
+          </a:effectLst>
+        </p:spPr>
+        <p:style>
+          <a:lnRef idx="2">
+            <a:schemeClr val="accent1">
+              <a:shade val="50000"/>
+            </a:schemeClr>
+          </a:lnRef>
+          <a:fillRef idx="1">
+            <a:schemeClr val="accent1"/>
+          </a:fillRef>
+          <a:effectRef idx="0">
+            <a:schemeClr val="accent1"/>
+          </a:effectRef>
+          <a:fontRef idx="minor">
+            <a:schemeClr val="lt1"/>
+          </a:fontRef>
+        </p:style>
+        <p:txBody>
+          <a:bodyPr rtlCol="0" anchor="ctr"/>
+          <a:lstStyle/>
+          <a:p>
+            <a:pPr algn="ctr"/>
+            <a:endParaRPr lang="ru-RU" dirty="0"/>
+          </a:p>
+        </p:txBody>
+      </p:sp>
+      <p:sp>
+        <p:nvSpPr>
+          <p:cNvPr id="16" name="Овал 15">
+            <a:extLst>
+              <a:ext uri="{FF2B5EF4-FFF2-40B4-BE49-F238E27FC236}">
+                <a16:creationId xmlns:a16="http://schemas.microsoft.com/office/drawing/2014/main" id="{54201FFC-A609-3BAE-DCB9-C1E0ABC748D6}"/>
+              </a:ext>
+            </a:extLst>
+          </p:cNvPr>
+          <p:cNvSpPr/>
+          <p:nvPr/>
+        </p:nvSpPr>
+        <p:spPr>
+          <a:xfrm rot="16200000">
+            <a:off x="-6163869" y="-5424793"/>
+            <a:ext cx="14170269" cy="10463474"/>
+          </a:xfrm>
+          <a:prstGeom prst="ellipse">
+            <a:avLst/>
+          </a:prstGeom>
+          <a:gradFill flip="none" rotWithShape="1">
+            <a:gsLst>
+              <a:gs pos="100000">
+                <a:srgbClr val="137C87"/>
+              </a:gs>
+              <a:gs pos="0">
+                <a:srgbClr val="4AD6E5"/>
+              </a:gs>
+            </a:gsLst>
+            <a:path path="circle">
+              <a:fillToRect l="50000" t="50000" r="50000" b="50000"/>
+            </a:path>
+            <a:tileRect/>
+          </a:gradFill>
+          <a:effectLst>
+            <a:softEdge rad="1270000"/>
+          </a:effectLst>
+        </p:spPr>
+        <p:style>
+          <a:lnRef idx="2">
+            <a:schemeClr val="accent1">
+              <a:shade val="50000"/>
+            </a:schemeClr>
+          </a:lnRef>
+          <a:fillRef idx="1">
+            <a:schemeClr val="accent1"/>
+          </a:fillRef>
+          <a:effectRef idx="0">
+            <a:schemeClr val="accent1"/>
+          </a:effectRef>
+          <a:fontRef idx="minor">
+            <a:schemeClr val="lt1"/>
+          </a:fontRef>
+        </p:style>
+        <p:txBody>
+          <a:bodyPr rtlCol="0" anchor="ctr"/>
+          <a:lstStyle/>
+          <a:p>
+            <a:pPr algn="ctr"/>
+            <a:endParaRPr lang="ru-RU" dirty="0"/>
+          </a:p>
+        </p:txBody>
+      </p:sp>
+      <p:sp>
+        <p:nvSpPr>
+          <p:cNvPr id="17" name="Овал 16">
+            <a:extLst>
+              <a:ext uri="{FF2B5EF4-FFF2-40B4-BE49-F238E27FC236}">
+                <a16:creationId xmlns:a16="http://schemas.microsoft.com/office/drawing/2014/main" id="{1BA60D5E-37DD-06FD-F379-4B5CB3B81DEF}"/>
+              </a:ext>
+            </a:extLst>
+          </p:cNvPr>
+          <p:cNvSpPr/>
+          <p:nvPr/>
+        </p:nvSpPr>
+        <p:spPr>
+          <a:xfrm rot="19898243">
+            <a:off x="4268775" y="3311716"/>
+            <a:ext cx="13974658" cy="9089345"/>
+          </a:xfrm>
+          <a:prstGeom prst="ellipse">
+            <a:avLst/>
+          </a:prstGeom>
+          <a:gradFill flip="none" rotWithShape="1">
+            <a:gsLst>
+              <a:gs pos="0">
+                <a:srgbClr val="156EFF"/>
+              </a:gs>
+              <a:gs pos="85000">
+                <a:srgbClr val="0046B8"/>
+              </a:gs>
+              <a:gs pos="0">
+                <a:srgbClr val="0153D9"/>
+              </a:gs>
+            </a:gsLst>
+            <a:path path="circle">
+              <a:fillToRect l="50000" t="50000" r="50000" b="50000"/>
+            </a:path>
+            <a:tileRect/>
+          </a:gradFill>
+          <a:effectLst>
+            <a:softEdge rad="1270000"/>
+          </a:effectLst>
+        </p:spPr>
+        <p:style>
+          <a:lnRef idx="2">
+            <a:schemeClr val="accent1">
+              <a:shade val="50000"/>
+            </a:schemeClr>
+          </a:lnRef>
+          <a:fillRef idx="1">
+            <a:schemeClr val="accent1"/>
+          </a:fillRef>
+          <a:effectRef idx="0">
+            <a:schemeClr val="accent1"/>
+          </a:effectRef>
+          <a:fontRef idx="minor">
+            <a:schemeClr val="lt1"/>
+          </a:fontRef>
+        </p:style>
+        <p:txBody>
+          <a:bodyPr rtlCol="0" anchor="ctr"/>
+          <a:lstStyle/>
+          <a:p>
+            <a:pPr algn="ctr"/>
+            <a:endParaRPr lang="ru-RU"/>
+          </a:p>
+        </p:txBody>
+      </p:sp>
+      <p:sp>
+        <p:nvSpPr>
+          <p:cNvPr id="2" name="TextBox 1"/>
+          <p:cNvSpPr txBox="1"/>
+          <p:nvPr/>
+        </p:nvSpPr>
+        <p:spPr>
+          <a:xfrm>
+            <a:off x="4094242" y="178630"/>
+            <a:ext cx="5484618" cy="461665"/>
+          </a:xfrm>
+          <a:prstGeom prst="rect">
+            <a:avLst/>
+          </a:prstGeom>
+          <a:noFill/>
+        </p:spPr>
+        <p:txBody>
+          <a:bodyPr wrap="square" rtlCol="0">
+            <a:spAutoFit/>
+          </a:bodyPr>
+          <a:lstStyle/>
+          <a:p>
+            <a:pPr lvl="0"/>
+            <a:r>
+              <a:rPr lang="ru-RU" sz="2400" b="1" u="sng" dirty="0">
+                <a:solidFill>
+                  <a:schemeClr val="bg1">
+                    <a:lumMod val="95000"/>
+                  </a:schemeClr>
+                </a:solidFill>
+                <a:effectLst>
+                  <a:outerShdw blurRad="38100" dist="38100" dir="2700000" algn="tl">
+                    <a:srgbClr val="000000">
+                      <a:alpha val="43137"/>
+                    </a:srgbClr>
+                  </a:outerShdw>
+                </a:effectLst>
+                <a:latin typeface="Century Gothic" panose="020B0502020202020204" pitchFamily="34" charset="0"/>
+              </a:rPr>
+              <a:t>Три сценария проекта:</a:t>
+            </a:r>
+          </a:p>
+        </p:txBody>
+      </p:sp>
+      <p:graphicFrame>
+        <p:nvGraphicFramePr>
+          <p:cNvPr id="3" name="Таблица 2"/>
+          <p:cNvGraphicFramePr>
+            <a:graphicFrameLocks noGrp="1"/>
+          </p:cNvGraphicFramePr>
+          <p:nvPr>
+            <p:extLst>
+              <p:ext uri="{D42A27DB-BD31-4B8C-83A1-F6EECF244321}">
+                <p14:modId xmlns:p14="http://schemas.microsoft.com/office/powerpoint/2010/main" val="2978500010"/>
+              </p:ext>
+            </p:extLst>
+          </p:nvPr>
+        </p:nvGraphicFramePr>
+        <p:xfrm>
+          <a:off x="671806" y="783771"/>
+          <a:ext cx="11136327" cy="3267868"/>
+        </p:xfrm>
+        <a:graphic>
+          <a:graphicData uri="http://schemas.openxmlformats.org/drawingml/2006/table">
+            <a:tbl>
+              <a:tblPr firstRow="1" firstCol="1" bandRow="1">
+                <a:tableStyleId>{5C22544A-7EE6-4342-B048-85BDC9FD1C3A}</a:tableStyleId>
+              </a:tblPr>
+              <a:tblGrid>
+                <a:gridCol w="1694658">
+                  <a:extLst>
+                    <a:ext uri="{9D8B030D-6E8A-4147-A177-3AD203B41FA5}">
+                      <a16:colId xmlns:a16="http://schemas.microsoft.com/office/drawing/2014/main" val="2117919320"/>
+                    </a:ext>
+                  </a:extLst>
+                </a:gridCol>
+                <a:gridCol w="3147223">
+                  <a:extLst>
+                    <a:ext uri="{9D8B030D-6E8A-4147-A177-3AD203B41FA5}">
+                      <a16:colId xmlns:a16="http://schemas.microsoft.com/office/drawing/2014/main" val="954541910"/>
+                    </a:ext>
+                  </a:extLst>
+                </a:gridCol>
+                <a:gridCol w="3147223">
+                  <a:extLst>
+                    <a:ext uri="{9D8B030D-6E8A-4147-A177-3AD203B41FA5}">
+                      <a16:colId xmlns:a16="http://schemas.microsoft.com/office/drawing/2014/main" val="1385432762"/>
+                    </a:ext>
+                  </a:extLst>
+                </a:gridCol>
+                <a:gridCol w="3147223">
+                  <a:extLst>
+                    <a:ext uri="{9D8B030D-6E8A-4147-A177-3AD203B41FA5}">
+                      <a16:colId xmlns:a16="http://schemas.microsoft.com/office/drawing/2014/main" val="3625566314"/>
+                    </a:ext>
+                  </a:extLst>
+                </a:gridCol>
+              </a:tblGrid>
+              <a:tr h="575686">
+                <a:tc>
+                  <a:txBody>
+                    <a:bodyPr/>
+                    <a:lstStyle/>
+                    <a:p>
+                      <a:pPr>
+                        <a:lnSpc>
+                          <a:spcPts val="1875"/>
+                        </a:lnSpc>
+                        <a:spcAft>
+                          <a:spcPts val="800"/>
+                        </a:spcAft>
+                      </a:pPr>
+                      <a:r>
+                        <a:rPr lang="ru-RU" sz="1150" kern="100" dirty="0">
+                          <a:effectLst/>
+                        </a:rPr>
+                        <a:t>Сценарий</a:t>
+                      </a:r>
+                      <a:endParaRPr lang="ru-RU" sz="1100" kern="100" dirty="0">
+                        <a:effectLst/>
+                        <a:latin typeface="Aptos"/>
+                        <a:ea typeface="Aptos"/>
+                        <a:cs typeface="Times New Roman" panose="02020603050405020304" pitchFamily="18" charset="0"/>
+                      </a:endParaRPr>
+                    </a:p>
+                  </a:txBody>
+                  <a:tcPr marL="0" marR="152400" marT="95250" marB="95250" anchor="ctr"/>
+                </a:tc>
+                <a:tc>
+                  <a:txBody>
+                    <a:bodyPr/>
+                    <a:lstStyle/>
+                    <a:p>
+                      <a:pPr>
+                        <a:lnSpc>
+                          <a:spcPts val="1875"/>
+                        </a:lnSpc>
+                        <a:spcAft>
+                          <a:spcPts val="800"/>
+                        </a:spcAft>
+                      </a:pPr>
+                      <a:r>
+                        <a:rPr lang="ru-RU" sz="1150" kern="100" dirty="0">
+                          <a:effectLst/>
+                        </a:rPr>
+                        <a:t>Формула</a:t>
+                      </a:r>
+                      <a:endParaRPr lang="ru-RU" sz="1100" kern="100" dirty="0">
+                        <a:effectLst/>
+                        <a:latin typeface="Aptos"/>
+                        <a:ea typeface="Aptos"/>
+                        <a:cs typeface="Times New Roman" panose="02020603050405020304" pitchFamily="18" charset="0"/>
+                      </a:endParaRPr>
+                    </a:p>
+                  </a:txBody>
+                  <a:tcPr marL="152400" marR="152400" marT="95250" marB="95250" anchor="ctr"/>
+                </a:tc>
+                <a:tc>
+                  <a:txBody>
+                    <a:bodyPr/>
+                    <a:lstStyle/>
+                    <a:p>
+                      <a:pPr>
+                        <a:lnSpc>
+                          <a:spcPts val="1875"/>
+                        </a:lnSpc>
+                        <a:spcAft>
+                          <a:spcPts val="800"/>
+                        </a:spcAft>
+                      </a:pPr>
+                      <a:r>
+                        <a:rPr lang="ru-RU" sz="1150" kern="100">
+                          <a:effectLst/>
+                        </a:rPr>
+                        <a:t>Расчет</a:t>
+                      </a:r>
+                      <a:endParaRPr lang="ru-RU" sz="1100" kern="100">
+                        <a:effectLst/>
+                        <a:latin typeface="Aptos"/>
+                        <a:ea typeface="Aptos"/>
+                        <a:cs typeface="Times New Roman" panose="02020603050405020304" pitchFamily="18" charset="0"/>
+                      </a:endParaRPr>
+                    </a:p>
+                  </a:txBody>
+                  <a:tcPr marL="152400" marR="152400" marT="95250" marB="95250" anchor="ctr"/>
+                </a:tc>
+                <a:tc>
+                  <a:txBody>
+                    <a:bodyPr/>
+                    <a:lstStyle/>
+                    <a:p>
+                      <a:pPr>
+                        <a:lnSpc>
+                          <a:spcPts val="1875"/>
+                        </a:lnSpc>
+                        <a:spcAft>
+                          <a:spcPts val="800"/>
+                        </a:spcAft>
+                      </a:pPr>
+                      <a:r>
+                        <a:rPr lang="ru-RU" sz="1150" kern="100">
+                          <a:effectLst/>
+                        </a:rPr>
+                        <a:t>Итого (дни)</a:t>
+                      </a:r>
+                      <a:endParaRPr lang="ru-RU" sz="1100" kern="100">
+                        <a:effectLst/>
+                        <a:latin typeface="Aptos"/>
+                        <a:ea typeface="Aptos"/>
+                        <a:cs typeface="Times New Roman" panose="02020603050405020304" pitchFamily="18" charset="0"/>
+                      </a:endParaRPr>
+                    </a:p>
+                  </a:txBody>
+                  <a:tcPr marL="152400" marR="152400" marT="95250" marB="95250" anchor="ctr"/>
+                </a:tc>
+                <a:extLst>
+                  <a:ext uri="{0D108BD9-81ED-4DB2-BD59-A6C34878D82A}">
+                    <a16:rowId xmlns:a16="http://schemas.microsoft.com/office/drawing/2014/main" val="711230826"/>
+                  </a:ext>
+                </a:extLst>
+              </a:tr>
+              <a:tr h="897394">
+                <a:tc>
+                  <a:txBody>
+                    <a:bodyPr/>
+                    <a:lstStyle/>
+                    <a:p>
+                      <a:pPr>
+                        <a:lnSpc>
+                          <a:spcPts val="1875"/>
+                        </a:lnSpc>
+                        <a:spcAft>
+                          <a:spcPts val="800"/>
+                        </a:spcAft>
+                      </a:pPr>
+                      <a:r>
+                        <a:rPr lang="ru-RU" sz="1150" kern="100">
+                          <a:effectLst/>
+                        </a:rPr>
+                        <a:t>Оптимистический</a:t>
+                      </a:r>
+                      <a:endParaRPr lang="ru-RU" sz="1100" kern="100">
+                        <a:effectLst/>
+                        <a:latin typeface="Aptos"/>
+                        <a:ea typeface="Aptos"/>
+                        <a:cs typeface="Times New Roman" panose="02020603050405020304" pitchFamily="18" charset="0"/>
+                      </a:endParaRPr>
+                    </a:p>
+                  </a:txBody>
+                  <a:tcPr marL="0" marR="152400" marT="95250" marB="95250" anchor="ctr"/>
+                </a:tc>
+                <a:tc>
+                  <a:txBody>
+                    <a:bodyPr/>
+                    <a:lstStyle/>
+                    <a:p>
+                      <a:pPr>
+                        <a:lnSpc>
+                          <a:spcPts val="1875"/>
+                        </a:lnSpc>
+                        <a:spcAft>
+                          <a:spcPts val="800"/>
+                        </a:spcAft>
+                      </a:pPr>
+                      <a:r>
+                        <a:rPr lang="ru-RU" sz="1150" kern="100" dirty="0">
+                          <a:effectLst/>
+                        </a:rPr>
+                        <a:t>Σ(</a:t>
+                      </a:r>
+                      <a:r>
+                        <a:rPr lang="ru-RU" sz="1150" kern="100" dirty="0" err="1">
+                          <a:effectLst/>
+                        </a:rPr>
+                        <a:t>t_мин</a:t>
+                      </a:r>
+                      <a:r>
+                        <a:rPr lang="ru-RU" sz="1150" kern="100" dirty="0">
+                          <a:effectLst/>
+                        </a:rPr>
+                        <a:t>)</a:t>
+                      </a:r>
+                      <a:endParaRPr lang="ru-RU" sz="1100" kern="100" dirty="0">
+                        <a:effectLst/>
+                        <a:latin typeface="Aptos"/>
+                        <a:ea typeface="Aptos"/>
+                        <a:cs typeface="Times New Roman" panose="02020603050405020304" pitchFamily="18" charset="0"/>
+                      </a:endParaRPr>
+                    </a:p>
+                  </a:txBody>
+                  <a:tcPr marL="152400" marR="152400" marT="95250" marB="95250" anchor="ctr"/>
+                </a:tc>
+                <a:tc>
+                  <a:txBody>
+                    <a:bodyPr/>
+                    <a:lstStyle/>
+                    <a:p>
+                      <a:pPr>
+                        <a:lnSpc>
+                          <a:spcPts val="1875"/>
+                        </a:lnSpc>
+                        <a:spcAft>
+                          <a:spcPts val="800"/>
+                        </a:spcAft>
+                      </a:pPr>
+                      <a:r>
+                        <a:rPr lang="ru-RU" sz="1150" kern="100">
+                          <a:effectLst/>
+                        </a:rPr>
+                        <a:t>60 + 15 + 25 + 10 + 5 = 115 дней</a:t>
+                      </a:r>
+                      <a:endParaRPr lang="ru-RU" sz="1100" kern="100">
+                        <a:effectLst/>
+                        <a:latin typeface="Aptos"/>
+                        <a:ea typeface="Aptos"/>
+                        <a:cs typeface="Times New Roman" panose="02020603050405020304" pitchFamily="18" charset="0"/>
+                      </a:endParaRPr>
+                    </a:p>
+                  </a:txBody>
+                  <a:tcPr marL="152400" marR="152400" marT="95250" marB="95250" anchor="ctr"/>
+                </a:tc>
+                <a:tc>
+                  <a:txBody>
+                    <a:bodyPr/>
+                    <a:lstStyle/>
+                    <a:p>
+                      <a:pPr>
+                        <a:lnSpc>
+                          <a:spcPts val="1875"/>
+                        </a:lnSpc>
+                        <a:spcAft>
+                          <a:spcPts val="800"/>
+                        </a:spcAft>
+                      </a:pPr>
+                      <a:r>
+                        <a:rPr lang="ru-RU" sz="1150" kern="100">
+                          <a:effectLst/>
+                        </a:rPr>
+                        <a:t>115</a:t>
+                      </a:r>
+                      <a:endParaRPr lang="ru-RU" sz="1100" kern="100">
+                        <a:effectLst/>
+                        <a:latin typeface="Aptos"/>
+                        <a:ea typeface="Aptos"/>
+                        <a:cs typeface="Times New Roman" panose="02020603050405020304" pitchFamily="18" charset="0"/>
+                      </a:endParaRPr>
+                    </a:p>
+                  </a:txBody>
+                  <a:tcPr marL="152400" marR="0" marT="95250" marB="95250" anchor="ctr"/>
+                </a:tc>
+                <a:extLst>
+                  <a:ext uri="{0D108BD9-81ED-4DB2-BD59-A6C34878D82A}">
+                    <a16:rowId xmlns:a16="http://schemas.microsoft.com/office/drawing/2014/main" val="914135083"/>
+                  </a:ext>
+                </a:extLst>
+              </a:tr>
+              <a:tr h="897394">
+                <a:tc>
+                  <a:txBody>
+                    <a:bodyPr/>
+                    <a:lstStyle/>
+                    <a:p>
+                      <a:pPr>
+                        <a:lnSpc>
+                          <a:spcPts val="1875"/>
+                        </a:lnSpc>
+                        <a:spcAft>
+                          <a:spcPts val="800"/>
+                        </a:spcAft>
+                      </a:pPr>
+                      <a:r>
+                        <a:rPr lang="ru-RU" sz="1150" kern="100">
+                          <a:effectLst/>
+                        </a:rPr>
+                        <a:t>Наиболее вероятный</a:t>
+                      </a:r>
+                      <a:endParaRPr lang="ru-RU" sz="1100" kern="100">
+                        <a:effectLst/>
+                        <a:latin typeface="Aptos"/>
+                        <a:ea typeface="Aptos"/>
+                        <a:cs typeface="Times New Roman" panose="02020603050405020304" pitchFamily="18" charset="0"/>
+                      </a:endParaRPr>
+                    </a:p>
+                  </a:txBody>
+                  <a:tcPr marL="0" marR="152400" marT="95250" marB="95250" anchor="ctr"/>
+                </a:tc>
+                <a:tc>
+                  <a:txBody>
+                    <a:bodyPr/>
+                    <a:lstStyle/>
+                    <a:p>
+                      <a:pPr>
+                        <a:lnSpc>
+                          <a:spcPts val="1875"/>
+                        </a:lnSpc>
+                        <a:spcAft>
+                          <a:spcPts val="800"/>
+                        </a:spcAft>
+                      </a:pPr>
+                      <a:r>
+                        <a:rPr lang="ru-RU" sz="1150" kern="100">
+                          <a:effectLst/>
+                        </a:rPr>
+                        <a:t>Σ(t_ож^PERT)</a:t>
+                      </a:r>
+                      <a:endParaRPr lang="ru-RU" sz="1100" kern="100">
+                        <a:effectLst/>
+                        <a:latin typeface="Aptos"/>
+                        <a:ea typeface="Aptos"/>
+                        <a:cs typeface="Times New Roman" panose="02020603050405020304" pitchFamily="18" charset="0"/>
+                      </a:endParaRPr>
+                    </a:p>
+                  </a:txBody>
+                  <a:tcPr marL="152400" marR="152400" marT="95250" marB="95250" anchor="ctr"/>
+                </a:tc>
+                <a:tc>
+                  <a:txBody>
+                    <a:bodyPr/>
+                    <a:lstStyle/>
+                    <a:p>
+                      <a:pPr>
+                        <a:lnSpc>
+                          <a:spcPts val="1875"/>
+                        </a:lnSpc>
+                        <a:spcAft>
+                          <a:spcPts val="800"/>
+                        </a:spcAft>
+                      </a:pPr>
+                      <a:r>
+                        <a:rPr lang="ru-RU" sz="1150" kern="100">
+                          <a:effectLst/>
+                        </a:rPr>
+                        <a:t>77.5 + 21.5 + 36.7 + 14.5 + 7.5 = 157.7 дней</a:t>
+                      </a:r>
+                      <a:endParaRPr lang="ru-RU" sz="1100" kern="100">
+                        <a:effectLst/>
+                        <a:latin typeface="Aptos"/>
+                        <a:ea typeface="Aptos"/>
+                        <a:cs typeface="Times New Roman" panose="02020603050405020304" pitchFamily="18" charset="0"/>
+                      </a:endParaRPr>
+                    </a:p>
+                  </a:txBody>
+                  <a:tcPr marL="152400" marR="152400" marT="95250" marB="95250" anchor="ctr"/>
+                </a:tc>
+                <a:tc>
+                  <a:txBody>
+                    <a:bodyPr/>
+                    <a:lstStyle/>
+                    <a:p>
+                      <a:pPr>
+                        <a:lnSpc>
+                          <a:spcPts val="1875"/>
+                        </a:lnSpc>
+                        <a:spcAft>
+                          <a:spcPts val="800"/>
+                        </a:spcAft>
+                      </a:pPr>
+                      <a:r>
+                        <a:rPr lang="ru-RU" sz="1150" kern="100">
+                          <a:effectLst/>
+                        </a:rPr>
+                        <a:t>157.7</a:t>
+                      </a:r>
+                      <a:endParaRPr lang="ru-RU" sz="1100" kern="100">
+                        <a:effectLst/>
+                        <a:latin typeface="Aptos"/>
+                        <a:ea typeface="Aptos"/>
+                        <a:cs typeface="Times New Roman" panose="02020603050405020304" pitchFamily="18" charset="0"/>
+                      </a:endParaRPr>
+                    </a:p>
+                  </a:txBody>
+                  <a:tcPr marL="152400" marR="0" marT="95250" marB="95250" anchor="ctr"/>
+                </a:tc>
+                <a:extLst>
+                  <a:ext uri="{0D108BD9-81ED-4DB2-BD59-A6C34878D82A}">
+                    <a16:rowId xmlns:a16="http://schemas.microsoft.com/office/drawing/2014/main" val="221649743"/>
+                  </a:ext>
+                </a:extLst>
+              </a:tr>
+              <a:tr h="897394">
+                <a:tc>
+                  <a:txBody>
+                    <a:bodyPr/>
+                    <a:lstStyle/>
+                    <a:p>
+                      <a:pPr>
+                        <a:lnSpc>
+                          <a:spcPts val="1875"/>
+                        </a:lnSpc>
+                        <a:spcAft>
+                          <a:spcPts val="800"/>
+                        </a:spcAft>
+                      </a:pPr>
+                      <a:r>
+                        <a:rPr lang="ru-RU" sz="1150" kern="100">
+                          <a:effectLst/>
+                        </a:rPr>
+                        <a:t>Пессимистический</a:t>
+                      </a:r>
+                      <a:endParaRPr lang="ru-RU" sz="1100" kern="100">
+                        <a:effectLst/>
+                        <a:latin typeface="Aptos"/>
+                        <a:ea typeface="Aptos"/>
+                        <a:cs typeface="Times New Roman" panose="02020603050405020304" pitchFamily="18" charset="0"/>
+                      </a:endParaRPr>
+                    </a:p>
+                  </a:txBody>
+                  <a:tcPr marL="0" marR="152400" marT="95250" marB="95250" anchor="ctr"/>
+                </a:tc>
+                <a:tc>
+                  <a:txBody>
+                    <a:bodyPr/>
+                    <a:lstStyle/>
+                    <a:p>
+                      <a:pPr>
+                        <a:lnSpc>
+                          <a:spcPts val="1875"/>
+                        </a:lnSpc>
+                        <a:spcAft>
+                          <a:spcPts val="800"/>
+                        </a:spcAft>
+                      </a:pPr>
+                      <a:r>
+                        <a:rPr lang="ru-RU" sz="1150" kern="100">
+                          <a:effectLst/>
+                        </a:rPr>
+                        <a:t>Σ(t_макс)</a:t>
+                      </a:r>
+                      <a:endParaRPr lang="ru-RU" sz="1100" kern="100">
+                        <a:effectLst/>
+                        <a:latin typeface="Aptos"/>
+                        <a:ea typeface="Aptos"/>
+                        <a:cs typeface="Times New Roman" panose="02020603050405020304" pitchFamily="18" charset="0"/>
+                      </a:endParaRPr>
+                    </a:p>
+                  </a:txBody>
+                  <a:tcPr marL="152400" marR="152400" marT="95250" marB="95250" anchor="ctr"/>
+                </a:tc>
+                <a:tc>
+                  <a:txBody>
+                    <a:bodyPr/>
+                    <a:lstStyle/>
+                    <a:p>
+                      <a:pPr>
+                        <a:lnSpc>
+                          <a:spcPts val="1875"/>
+                        </a:lnSpc>
+                        <a:spcAft>
+                          <a:spcPts val="800"/>
+                        </a:spcAft>
+                      </a:pPr>
+                      <a:r>
+                        <a:rPr lang="ru-RU" sz="1150" kern="100">
+                          <a:effectLst/>
+                        </a:rPr>
+                        <a:t>105 + 30 + 50 + 21 + 12 = 218 дней</a:t>
+                      </a:r>
+                      <a:endParaRPr lang="ru-RU" sz="1100" kern="100">
+                        <a:effectLst/>
+                        <a:latin typeface="Aptos"/>
+                        <a:ea typeface="Aptos"/>
+                        <a:cs typeface="Times New Roman" panose="02020603050405020304" pitchFamily="18" charset="0"/>
+                      </a:endParaRPr>
+                    </a:p>
+                  </a:txBody>
+                  <a:tcPr marL="152400" marR="152400" marT="95250" marB="95250" anchor="ctr"/>
+                </a:tc>
+                <a:tc>
+                  <a:txBody>
+                    <a:bodyPr/>
+                    <a:lstStyle/>
+                    <a:p>
+                      <a:pPr>
+                        <a:lnSpc>
+                          <a:spcPts val="1875"/>
+                        </a:lnSpc>
+                        <a:spcAft>
+                          <a:spcPts val="800"/>
+                        </a:spcAft>
+                      </a:pPr>
+                      <a:r>
+                        <a:rPr lang="ru-RU" sz="1150" kern="100" dirty="0">
+                          <a:effectLst/>
+                        </a:rPr>
+                        <a:t>218</a:t>
+                      </a:r>
+                      <a:endParaRPr lang="ru-RU" sz="1100" kern="100" dirty="0">
+                        <a:effectLst/>
+                        <a:latin typeface="Aptos"/>
+                        <a:ea typeface="Aptos"/>
+                        <a:cs typeface="Times New Roman" panose="02020603050405020304" pitchFamily="18" charset="0"/>
+                      </a:endParaRPr>
+                    </a:p>
+                  </a:txBody>
+                  <a:tcPr marL="152400" marR="0" marT="95250" marB="95250" anchor="ctr"/>
+                </a:tc>
+                <a:extLst>
+                  <a:ext uri="{0D108BD9-81ED-4DB2-BD59-A6C34878D82A}">
+                    <a16:rowId xmlns:a16="http://schemas.microsoft.com/office/drawing/2014/main" val="3216336658"/>
+                  </a:ext>
+                </a:extLst>
+              </a:tr>
+            </a:tbl>
+          </a:graphicData>
+        </a:graphic>
+      </p:graphicFrame>
+    </p:spTree>
+    <p:extLst>
+      <p:ext uri="{BB962C8B-B14F-4D97-AF65-F5344CB8AC3E}">
+        <p14:creationId xmlns:p14="http://schemas.microsoft.com/office/powerpoint/2010/main" val="1040169823"/>
+      </p:ext>
+    </p:extLst>
+  </p:cSld>
+  <p:clrMapOvr>
+    <a:masterClrMapping/>
+  </p:clrMapOvr>
+  <p:timing>
+    <p:tnLst>
+      <p:par>
+        <p:cTn id="1" dur="indefinite" restart="never" nodeType="tmRoot"/>
+      </p:par>
+    </p:tnLst>
+  </p:timing>
+</p:sld>
+</file>
+
 <file path=ppt/slides/slide4.xml><?xml version="1.0" encoding="utf-8"?>
 <p:sld xmlns:a="http://schemas.openxmlformats.org/drawingml/2006/main" xmlns:r="http://schemas.openxmlformats.org/officeDocument/2006/relationships" xmlns:p="http://schemas.openxmlformats.org/presentationml/2006/main">
   <p:cSld>
@@ -31533,6 +38130,2326 @@
     <p:extLst>
       <p:ext uri="{BB962C8B-B14F-4D97-AF65-F5344CB8AC3E}">
         <p14:creationId xmlns:p14="http://schemas.microsoft.com/office/powerpoint/2010/main" val="2468472671"/>
+      </p:ext>
+    </p:extLst>
+  </p:cSld>
+  <p:clrMapOvr>
+    <a:masterClrMapping/>
+  </p:clrMapOvr>
+  <p:timing>
+    <p:tnLst>
+      <p:par>
+        <p:cTn id="1" dur="indefinite" restart="never" nodeType="tmRoot"/>
+      </p:par>
+    </p:tnLst>
+  </p:timing>
+</p:sld>
+</file>
+
+<file path=ppt/slides/slide40.xml><?xml version="1.0" encoding="utf-8"?>
+<p:sld xmlns:a="http://schemas.openxmlformats.org/drawingml/2006/main" xmlns:r="http://schemas.openxmlformats.org/officeDocument/2006/relationships" xmlns:p="http://schemas.openxmlformats.org/presentationml/2006/main">
+  <p:cSld>
+    <p:spTree>
+      <p:nvGrpSpPr>
+        <p:cNvPr id="1" name="">
+          <a:extLst>
+            <a:ext uri="{FF2B5EF4-FFF2-40B4-BE49-F238E27FC236}">
+              <a16:creationId xmlns:a16="http://schemas.microsoft.com/office/drawing/2014/main" id="{1CED95EE-9878-5DB7-F2AA-458C7F3B4FEB}"/>
+            </a:ext>
+          </a:extLst>
+        </p:cNvPr>
+        <p:cNvGrpSpPr/>
+        <p:nvPr/>
+      </p:nvGrpSpPr>
+      <p:grpSpPr>
+        <a:xfrm>
+          <a:off x="0" y="0"/>
+          <a:ext cx="0" cy="0"/>
+          <a:chOff x="0" y="0"/>
+          <a:chExt cx="0" cy="0"/>
+        </a:xfrm>
+      </p:grpSpPr>
+      <p:sp>
+        <p:nvSpPr>
+          <p:cNvPr id="14" name="Овал 13">
+            <a:extLst>
+              <a:ext uri="{FF2B5EF4-FFF2-40B4-BE49-F238E27FC236}">
+                <a16:creationId xmlns:a16="http://schemas.microsoft.com/office/drawing/2014/main" id="{5B6C4597-3C0D-C8C2-0BFB-D422255718B9}"/>
+              </a:ext>
+            </a:extLst>
+          </p:cNvPr>
+          <p:cNvSpPr/>
+          <p:nvPr/>
+        </p:nvSpPr>
+        <p:spPr>
+          <a:xfrm rot="1548438">
+            <a:off x="-4585204" y="-5981371"/>
+            <a:ext cx="19996152" cy="17378114"/>
+          </a:xfrm>
+          <a:prstGeom prst="ellipse">
+            <a:avLst/>
+          </a:prstGeom>
+          <a:gradFill flip="none" rotWithShape="1">
+            <a:gsLst>
+              <a:gs pos="0">
+                <a:srgbClr val="002D76"/>
+              </a:gs>
+              <a:gs pos="100000">
+                <a:srgbClr val="72A7FE"/>
+              </a:gs>
+              <a:gs pos="0">
+                <a:srgbClr val="1B71FD"/>
+              </a:gs>
+            </a:gsLst>
+            <a:path path="circle">
+              <a:fillToRect l="50000" t="50000" r="50000" b="50000"/>
+            </a:path>
+            <a:tileRect/>
+          </a:gradFill>
+          <a:effectLst>
+            <a:softEdge rad="1270000"/>
+          </a:effectLst>
+        </p:spPr>
+        <p:style>
+          <a:lnRef idx="2">
+            <a:schemeClr val="accent1">
+              <a:shade val="50000"/>
+            </a:schemeClr>
+          </a:lnRef>
+          <a:fillRef idx="1">
+            <a:schemeClr val="accent1"/>
+          </a:fillRef>
+          <a:effectRef idx="0">
+            <a:schemeClr val="accent1"/>
+          </a:effectRef>
+          <a:fontRef idx="minor">
+            <a:schemeClr val="lt1"/>
+          </a:fontRef>
+        </p:style>
+        <p:txBody>
+          <a:bodyPr rtlCol="0" anchor="ctr"/>
+          <a:lstStyle/>
+          <a:p>
+            <a:pPr algn="ctr"/>
+            <a:endParaRPr lang="ru-RU" dirty="0"/>
+          </a:p>
+        </p:txBody>
+      </p:sp>
+      <p:sp>
+        <p:nvSpPr>
+          <p:cNvPr id="16" name="Овал 15">
+            <a:extLst>
+              <a:ext uri="{FF2B5EF4-FFF2-40B4-BE49-F238E27FC236}">
+                <a16:creationId xmlns:a16="http://schemas.microsoft.com/office/drawing/2014/main" id="{54201FFC-A609-3BAE-DCB9-C1E0ABC748D6}"/>
+              </a:ext>
+            </a:extLst>
+          </p:cNvPr>
+          <p:cNvSpPr/>
+          <p:nvPr/>
+        </p:nvSpPr>
+        <p:spPr>
+          <a:xfrm rot="16200000">
+            <a:off x="-6163869" y="-5424793"/>
+            <a:ext cx="14170269" cy="10463474"/>
+          </a:xfrm>
+          <a:prstGeom prst="ellipse">
+            <a:avLst/>
+          </a:prstGeom>
+          <a:gradFill flip="none" rotWithShape="1">
+            <a:gsLst>
+              <a:gs pos="100000">
+                <a:srgbClr val="137C87"/>
+              </a:gs>
+              <a:gs pos="0">
+                <a:srgbClr val="4AD6E5"/>
+              </a:gs>
+            </a:gsLst>
+            <a:path path="circle">
+              <a:fillToRect l="50000" t="50000" r="50000" b="50000"/>
+            </a:path>
+            <a:tileRect/>
+          </a:gradFill>
+          <a:effectLst>
+            <a:softEdge rad="1270000"/>
+          </a:effectLst>
+        </p:spPr>
+        <p:style>
+          <a:lnRef idx="2">
+            <a:schemeClr val="accent1">
+              <a:shade val="50000"/>
+            </a:schemeClr>
+          </a:lnRef>
+          <a:fillRef idx="1">
+            <a:schemeClr val="accent1"/>
+          </a:fillRef>
+          <a:effectRef idx="0">
+            <a:schemeClr val="accent1"/>
+          </a:effectRef>
+          <a:fontRef idx="minor">
+            <a:schemeClr val="lt1"/>
+          </a:fontRef>
+        </p:style>
+        <p:txBody>
+          <a:bodyPr rtlCol="0" anchor="ctr"/>
+          <a:lstStyle/>
+          <a:p>
+            <a:pPr algn="ctr"/>
+            <a:endParaRPr lang="ru-RU" dirty="0"/>
+          </a:p>
+        </p:txBody>
+      </p:sp>
+      <p:sp>
+        <p:nvSpPr>
+          <p:cNvPr id="17" name="Овал 16">
+            <a:extLst>
+              <a:ext uri="{FF2B5EF4-FFF2-40B4-BE49-F238E27FC236}">
+                <a16:creationId xmlns:a16="http://schemas.microsoft.com/office/drawing/2014/main" id="{1BA60D5E-37DD-06FD-F379-4B5CB3B81DEF}"/>
+              </a:ext>
+            </a:extLst>
+          </p:cNvPr>
+          <p:cNvSpPr/>
+          <p:nvPr/>
+        </p:nvSpPr>
+        <p:spPr>
+          <a:xfrm rot="19898243">
+            <a:off x="4268775" y="3311716"/>
+            <a:ext cx="13974658" cy="9089345"/>
+          </a:xfrm>
+          <a:prstGeom prst="ellipse">
+            <a:avLst/>
+          </a:prstGeom>
+          <a:gradFill flip="none" rotWithShape="1">
+            <a:gsLst>
+              <a:gs pos="0">
+                <a:srgbClr val="156EFF"/>
+              </a:gs>
+              <a:gs pos="85000">
+                <a:srgbClr val="0046B8"/>
+              </a:gs>
+              <a:gs pos="0">
+                <a:srgbClr val="0153D9"/>
+              </a:gs>
+            </a:gsLst>
+            <a:path path="circle">
+              <a:fillToRect l="50000" t="50000" r="50000" b="50000"/>
+            </a:path>
+            <a:tileRect/>
+          </a:gradFill>
+          <a:effectLst>
+            <a:softEdge rad="1270000"/>
+          </a:effectLst>
+        </p:spPr>
+        <p:style>
+          <a:lnRef idx="2">
+            <a:schemeClr val="accent1">
+              <a:shade val="50000"/>
+            </a:schemeClr>
+          </a:lnRef>
+          <a:fillRef idx="1">
+            <a:schemeClr val="accent1"/>
+          </a:fillRef>
+          <a:effectRef idx="0">
+            <a:schemeClr val="accent1"/>
+          </a:effectRef>
+          <a:fontRef idx="minor">
+            <a:schemeClr val="lt1"/>
+          </a:fontRef>
+        </p:style>
+        <p:txBody>
+          <a:bodyPr rtlCol="0" anchor="ctr"/>
+          <a:lstStyle/>
+          <a:p>
+            <a:pPr algn="ctr"/>
+            <a:endParaRPr lang="ru-RU"/>
+          </a:p>
+        </p:txBody>
+      </p:sp>
+      <p:sp>
+        <p:nvSpPr>
+          <p:cNvPr id="2" name="TextBox 1"/>
+          <p:cNvSpPr txBox="1"/>
+          <p:nvPr/>
+        </p:nvSpPr>
+        <p:spPr>
+          <a:xfrm>
+            <a:off x="4094242" y="87610"/>
+            <a:ext cx="5484618" cy="461665"/>
+          </a:xfrm>
+          <a:prstGeom prst="rect">
+            <a:avLst/>
+          </a:prstGeom>
+          <a:noFill/>
+        </p:spPr>
+        <p:txBody>
+          <a:bodyPr wrap="square" rtlCol="0">
+            <a:spAutoFit/>
+          </a:bodyPr>
+          <a:lstStyle/>
+          <a:p>
+            <a:pPr lvl="0"/>
+            <a:r>
+              <a:rPr lang="ru-RU" sz="2400" b="1" u="sng" dirty="0">
+                <a:solidFill>
+                  <a:schemeClr val="bg1">
+                    <a:lumMod val="95000"/>
+                  </a:schemeClr>
+                </a:solidFill>
+                <a:effectLst>
+                  <a:outerShdw blurRad="38100" dist="38100" dir="2700000" algn="tl">
+                    <a:srgbClr val="000000">
+                      <a:alpha val="43137"/>
+                    </a:srgbClr>
+                  </a:outerShdw>
+                </a:effectLst>
+                <a:latin typeface="Century Gothic" panose="020B0502020202020204" pitchFamily="34" charset="0"/>
+              </a:rPr>
+              <a:t>Три сценария проекта:</a:t>
+            </a:r>
+          </a:p>
+        </p:txBody>
+      </p:sp>
+      <p:sp>
+        <p:nvSpPr>
+          <p:cNvPr id="4" name="Прямоугольник 3"/>
+          <p:cNvSpPr/>
+          <p:nvPr/>
+        </p:nvSpPr>
+        <p:spPr>
+          <a:xfrm>
+            <a:off x="1" y="479081"/>
+            <a:ext cx="6095999" cy="6322244"/>
+          </a:xfrm>
+          <a:prstGeom prst="rect">
+            <a:avLst/>
+          </a:prstGeom>
+        </p:spPr>
+        <p:txBody>
+          <a:bodyPr wrap="square">
+            <a:spAutoFit/>
+          </a:bodyPr>
+          <a:lstStyle/>
+          <a:p>
+            <a:pPr>
+              <a:spcBef>
+                <a:spcPts val="1200"/>
+              </a:spcBef>
+              <a:spcAft>
+                <a:spcPts val="1200"/>
+              </a:spcAft>
+            </a:pPr>
+            <a:r>
+              <a:rPr lang="ru-RU" sz="1600" b="1" dirty="0">
+                <a:solidFill>
+                  <a:schemeClr val="bg1">
+                    <a:lumMod val="95000"/>
+                  </a:schemeClr>
+                </a:solidFill>
+                <a:effectLst>
+                  <a:outerShdw blurRad="38100" dist="38100" dir="2700000" algn="tl">
+                    <a:srgbClr val="000000">
+                      <a:alpha val="43137"/>
+                    </a:srgbClr>
+                  </a:outerShdw>
+                </a:effectLst>
+                <a:latin typeface="Segoe UI" panose="020B0502040204020203" pitchFamily="34" charset="0"/>
+                <a:ea typeface="Times New Roman" panose="02020603050405020304" pitchFamily="18" charset="0"/>
+              </a:rPr>
+              <a:t>Разница между сценариями:</a:t>
+            </a:r>
+            <a:endParaRPr lang="ru-RU" sz="1600" dirty="0">
+              <a:solidFill>
+                <a:schemeClr val="bg1">
+                  <a:lumMod val="95000"/>
+                </a:schemeClr>
+              </a:solidFill>
+              <a:effectLst>
+                <a:outerShdw blurRad="38100" dist="38100" dir="2700000" algn="tl">
+                  <a:srgbClr val="000000">
+                    <a:alpha val="43137"/>
+                  </a:srgbClr>
+                </a:outerShdw>
+              </a:effectLst>
+              <a:latin typeface="Times New Roman" panose="02020603050405020304" pitchFamily="18" charset="0"/>
+              <a:ea typeface="Times New Roman" panose="02020603050405020304" pitchFamily="18" charset="0"/>
+            </a:endParaRPr>
+          </a:p>
+          <a:p>
+            <a:pPr marL="342900" lvl="0" indent="-342900">
+              <a:spcBef>
+                <a:spcPts val="500"/>
+              </a:spcBef>
+              <a:spcAft>
+                <a:spcPts val="0"/>
+              </a:spcAft>
+              <a:buSzPts val="1000"/>
+              <a:buFont typeface="Symbol" panose="05050102010706020507" pitchFamily="18" charset="2"/>
+              <a:buChar char=""/>
+              <a:tabLst>
+                <a:tab pos="457200" algn="l"/>
+              </a:tabLst>
+            </a:pPr>
+            <a:r>
+              <a:rPr lang="ru-RU" sz="1600" dirty="0">
+                <a:solidFill>
+                  <a:schemeClr val="bg1">
+                    <a:lumMod val="95000"/>
+                  </a:schemeClr>
+                </a:solidFill>
+                <a:effectLst>
+                  <a:outerShdw blurRad="38100" dist="38100" dir="2700000" algn="tl">
+                    <a:srgbClr val="000000">
+                      <a:alpha val="43137"/>
+                    </a:srgbClr>
+                  </a:outerShdw>
+                </a:effectLst>
+                <a:latin typeface="Segoe UI" panose="020B0502040204020203" pitchFamily="34" charset="0"/>
+                <a:ea typeface="Times New Roman" panose="02020603050405020304" pitchFamily="18" charset="0"/>
+              </a:rPr>
+              <a:t>Оптимистический → Наиболее вероятный: +42.7 дней (+37%)</a:t>
+            </a:r>
+            <a:endParaRPr lang="ru-RU" sz="1600" dirty="0">
+              <a:solidFill>
+                <a:schemeClr val="bg1">
+                  <a:lumMod val="95000"/>
+                </a:schemeClr>
+              </a:solidFill>
+              <a:effectLst>
+                <a:outerShdw blurRad="38100" dist="38100" dir="2700000" algn="tl">
+                  <a:srgbClr val="000000">
+                    <a:alpha val="43137"/>
+                  </a:srgbClr>
+                </a:outerShdw>
+              </a:effectLst>
+              <a:latin typeface="Times New Roman" panose="02020603050405020304" pitchFamily="18" charset="0"/>
+              <a:ea typeface="Times New Roman" panose="02020603050405020304" pitchFamily="18" charset="0"/>
+            </a:endParaRPr>
+          </a:p>
+          <a:p>
+            <a:pPr marL="342900" lvl="0" indent="-342900">
+              <a:spcBef>
+                <a:spcPts val="500"/>
+              </a:spcBef>
+              <a:spcAft>
+                <a:spcPts val="0"/>
+              </a:spcAft>
+              <a:buSzPts val="1000"/>
+              <a:buFont typeface="Symbol" panose="05050102010706020507" pitchFamily="18" charset="2"/>
+              <a:buChar char=""/>
+              <a:tabLst>
+                <a:tab pos="457200" algn="l"/>
+              </a:tabLst>
+            </a:pPr>
+            <a:r>
+              <a:rPr lang="ru-RU" sz="1600" dirty="0">
+                <a:solidFill>
+                  <a:schemeClr val="bg1">
+                    <a:lumMod val="95000"/>
+                  </a:schemeClr>
+                </a:solidFill>
+                <a:effectLst>
+                  <a:outerShdw blurRad="38100" dist="38100" dir="2700000" algn="tl">
+                    <a:srgbClr val="000000">
+                      <a:alpha val="43137"/>
+                    </a:srgbClr>
+                  </a:outerShdw>
+                </a:effectLst>
+                <a:latin typeface="Segoe UI" panose="020B0502040204020203" pitchFamily="34" charset="0"/>
+                <a:ea typeface="Times New Roman" panose="02020603050405020304" pitchFamily="18" charset="0"/>
+              </a:rPr>
+              <a:t>Наиболее вероятный → Пессимистический: +60.3 дней (+38%)</a:t>
+            </a:r>
+            <a:endParaRPr lang="ru-RU" sz="1600" dirty="0">
+              <a:solidFill>
+                <a:schemeClr val="bg1">
+                  <a:lumMod val="95000"/>
+                </a:schemeClr>
+              </a:solidFill>
+              <a:effectLst>
+                <a:outerShdw blurRad="38100" dist="38100" dir="2700000" algn="tl">
+                  <a:srgbClr val="000000">
+                    <a:alpha val="43137"/>
+                  </a:srgbClr>
+                </a:outerShdw>
+              </a:effectLst>
+              <a:latin typeface="Times New Roman" panose="02020603050405020304" pitchFamily="18" charset="0"/>
+              <a:ea typeface="Times New Roman" panose="02020603050405020304" pitchFamily="18" charset="0"/>
+            </a:endParaRPr>
+          </a:p>
+          <a:p>
+            <a:pPr marL="342900" lvl="0" indent="-342900">
+              <a:spcBef>
+                <a:spcPts val="500"/>
+              </a:spcBef>
+              <a:spcAft>
+                <a:spcPts val="0"/>
+              </a:spcAft>
+              <a:buSzPts val="1000"/>
+              <a:buFont typeface="Symbol" panose="05050102010706020507" pitchFamily="18" charset="2"/>
+              <a:buChar char=""/>
+              <a:tabLst>
+                <a:tab pos="457200" algn="l"/>
+              </a:tabLst>
+            </a:pPr>
+            <a:r>
+              <a:rPr lang="ru-RU" sz="1600" dirty="0">
+                <a:solidFill>
+                  <a:schemeClr val="bg1">
+                    <a:lumMod val="95000"/>
+                  </a:schemeClr>
+                </a:solidFill>
+                <a:effectLst>
+                  <a:outerShdw blurRad="38100" dist="38100" dir="2700000" algn="tl">
+                    <a:srgbClr val="000000">
+                      <a:alpha val="43137"/>
+                    </a:srgbClr>
+                  </a:outerShdw>
+                </a:effectLst>
+                <a:latin typeface="Segoe UI" panose="020B0502040204020203" pitchFamily="34" charset="0"/>
+                <a:ea typeface="Times New Roman" panose="02020603050405020304" pitchFamily="18" charset="0"/>
+              </a:rPr>
+              <a:t>Оптимистический → Пессимистический: +103 дня (+89%)</a:t>
+            </a:r>
+            <a:endParaRPr lang="ru-RU" sz="1600" dirty="0">
+              <a:solidFill>
+                <a:schemeClr val="bg1">
+                  <a:lumMod val="95000"/>
+                </a:schemeClr>
+              </a:solidFill>
+              <a:effectLst>
+                <a:outerShdw blurRad="38100" dist="38100" dir="2700000" algn="tl">
+                  <a:srgbClr val="000000">
+                    <a:alpha val="43137"/>
+                  </a:srgbClr>
+                </a:outerShdw>
+              </a:effectLst>
+              <a:latin typeface="Times New Roman" panose="02020603050405020304" pitchFamily="18" charset="0"/>
+              <a:ea typeface="Times New Roman" panose="02020603050405020304" pitchFamily="18" charset="0"/>
+            </a:endParaRPr>
+          </a:p>
+          <a:p>
+            <a:pPr>
+              <a:spcBef>
+                <a:spcPts val="1200"/>
+              </a:spcBef>
+              <a:spcAft>
+                <a:spcPts val="1200"/>
+              </a:spcAft>
+            </a:pPr>
+            <a:r>
+              <a:rPr lang="ru-RU" sz="1600" b="1" dirty="0">
+                <a:solidFill>
+                  <a:schemeClr val="bg1">
+                    <a:lumMod val="95000"/>
+                  </a:schemeClr>
+                </a:solidFill>
+                <a:effectLst>
+                  <a:outerShdw blurRad="38100" dist="38100" dir="2700000" algn="tl">
+                    <a:srgbClr val="000000">
+                      <a:alpha val="43137"/>
+                    </a:srgbClr>
+                  </a:outerShdw>
+                </a:effectLst>
+                <a:latin typeface="Segoe UI" panose="020B0502040204020203" pitchFamily="34" charset="0"/>
+                <a:ea typeface="Times New Roman" panose="02020603050405020304" pitchFamily="18" charset="0"/>
+              </a:rPr>
+              <a:t>Задача с наибольшим σ:</a:t>
+            </a:r>
+            <a:endParaRPr lang="ru-RU" sz="1600" dirty="0">
+              <a:solidFill>
+                <a:schemeClr val="bg1">
+                  <a:lumMod val="95000"/>
+                </a:schemeClr>
+              </a:solidFill>
+              <a:effectLst>
+                <a:outerShdw blurRad="38100" dist="38100" dir="2700000" algn="tl">
+                  <a:srgbClr val="000000">
+                    <a:alpha val="43137"/>
+                  </a:srgbClr>
+                </a:outerShdw>
+              </a:effectLst>
+              <a:latin typeface="Times New Roman" panose="02020603050405020304" pitchFamily="18" charset="0"/>
+              <a:ea typeface="Times New Roman" panose="02020603050405020304" pitchFamily="18" charset="0"/>
+            </a:endParaRPr>
+          </a:p>
+          <a:p>
+            <a:pPr marL="342900" lvl="0" indent="-342900">
+              <a:spcBef>
+                <a:spcPts val="500"/>
+              </a:spcBef>
+              <a:spcAft>
+                <a:spcPts val="600"/>
+              </a:spcAft>
+              <a:buSzPts val="1000"/>
+              <a:buFont typeface="Symbol" panose="05050102010706020507" pitchFamily="18" charset="2"/>
+              <a:buChar char=""/>
+              <a:tabLst>
+                <a:tab pos="457200" algn="l"/>
+              </a:tabLst>
+            </a:pPr>
+            <a:r>
+              <a:rPr lang="ru-RU" sz="1600" b="1" dirty="0">
+                <a:solidFill>
+                  <a:schemeClr val="bg1">
+                    <a:lumMod val="95000"/>
+                  </a:schemeClr>
+                </a:solidFill>
+                <a:effectLst>
+                  <a:outerShdw blurRad="38100" dist="38100" dir="2700000" algn="tl">
+                    <a:srgbClr val="000000">
+                      <a:alpha val="43137"/>
+                    </a:srgbClr>
+                  </a:outerShdw>
+                </a:effectLst>
+                <a:latin typeface="Segoe UI" panose="020B0502040204020203" pitchFamily="34" charset="0"/>
+                <a:ea typeface="Times New Roman" panose="02020603050405020304" pitchFamily="18" charset="0"/>
+              </a:rPr>
+              <a:t>Разработка ядра (σ = 7.5 дней)</a:t>
+            </a:r>
+            <a:r>
+              <a:rPr lang="ru-RU" sz="1600" dirty="0">
+                <a:solidFill>
+                  <a:schemeClr val="bg1">
+                    <a:lumMod val="95000"/>
+                  </a:schemeClr>
+                </a:solidFill>
+                <a:effectLst>
+                  <a:outerShdw blurRad="38100" dist="38100" dir="2700000" algn="tl">
+                    <a:srgbClr val="000000">
+                      <a:alpha val="43137"/>
+                    </a:srgbClr>
+                  </a:outerShdw>
+                </a:effectLst>
+                <a:latin typeface="Segoe UI" panose="020B0502040204020203" pitchFamily="34" charset="0"/>
+                <a:ea typeface="Times New Roman" panose="02020603050405020304" pitchFamily="18" charset="0"/>
+              </a:rPr>
+              <a:t> - потому что:</a:t>
+            </a:r>
+            <a:endParaRPr lang="ru-RU" sz="1600" dirty="0">
+              <a:solidFill>
+                <a:schemeClr val="bg1">
+                  <a:lumMod val="95000"/>
+                </a:schemeClr>
+              </a:solidFill>
+              <a:effectLst>
+                <a:outerShdw blurRad="38100" dist="38100" dir="2700000" algn="tl">
+                  <a:srgbClr val="000000">
+                    <a:alpha val="43137"/>
+                  </a:srgbClr>
+                </a:outerShdw>
+              </a:effectLst>
+              <a:latin typeface="Times New Roman" panose="02020603050405020304" pitchFamily="18" charset="0"/>
+              <a:ea typeface="Times New Roman" panose="02020603050405020304" pitchFamily="18" charset="0"/>
+            </a:endParaRPr>
+          </a:p>
+          <a:p>
+            <a:pPr marL="742950" lvl="1" indent="-285750">
+              <a:spcBef>
+                <a:spcPts val="500"/>
+              </a:spcBef>
+              <a:spcAft>
+                <a:spcPts val="0"/>
+              </a:spcAft>
+              <a:tabLst>
+                <a:tab pos="914400" algn="l"/>
+              </a:tabLst>
+            </a:pPr>
+            <a:r>
+              <a:rPr lang="ru-RU" sz="1600" dirty="0">
+                <a:solidFill>
+                  <a:schemeClr val="bg1">
+                    <a:lumMod val="95000"/>
+                  </a:schemeClr>
+                </a:solidFill>
+                <a:effectLst>
+                  <a:outerShdw blurRad="38100" dist="38100" dir="2700000" algn="tl">
+                    <a:srgbClr val="000000">
+                      <a:alpha val="43137"/>
+                    </a:srgbClr>
+                  </a:outerShdw>
+                </a:effectLst>
+                <a:latin typeface="Segoe UI" panose="020B0502040204020203" pitchFamily="34" charset="0"/>
+                <a:ea typeface="Times New Roman" panose="02020603050405020304" pitchFamily="18" charset="0"/>
+              </a:rPr>
+              <a:t>Высокая зависимость от </a:t>
+            </a:r>
+            <a:r>
+              <a:rPr lang="ru-RU" sz="1600" dirty="0" err="1">
+                <a:solidFill>
+                  <a:schemeClr val="bg1">
+                    <a:lumMod val="95000"/>
+                  </a:schemeClr>
+                </a:solidFill>
+                <a:effectLst>
+                  <a:outerShdw blurRad="38100" dist="38100" dir="2700000" algn="tl">
+                    <a:srgbClr val="000000">
+                      <a:alpha val="43137"/>
+                    </a:srgbClr>
+                  </a:outerShdw>
+                </a:effectLst>
+                <a:latin typeface="Segoe UI" panose="020B0502040204020203" pitchFamily="34" charset="0"/>
+                <a:ea typeface="Times New Roman" panose="02020603050405020304" pitchFamily="18" charset="0"/>
+              </a:rPr>
+              <a:t>Dear</a:t>
+            </a:r>
+            <a:r>
+              <a:rPr lang="ru-RU" sz="1600" dirty="0">
+                <a:solidFill>
+                  <a:schemeClr val="bg1">
+                    <a:lumMod val="95000"/>
+                  </a:schemeClr>
+                </a:solidFill>
+                <a:effectLst>
+                  <a:outerShdw blurRad="38100" dist="38100" dir="2700000" algn="tl">
+                    <a:srgbClr val="000000">
+                      <a:alpha val="43137"/>
+                    </a:srgbClr>
+                  </a:outerShdw>
+                </a:effectLst>
+                <a:latin typeface="Segoe UI" panose="020B0502040204020203" pitchFamily="34" charset="0"/>
+                <a:ea typeface="Times New Roman" panose="02020603050405020304" pitchFamily="18" charset="0"/>
+              </a:rPr>
+              <a:t> </a:t>
+            </a:r>
+            <a:r>
+              <a:rPr lang="ru-RU" sz="1600" dirty="0" err="1">
+                <a:solidFill>
+                  <a:schemeClr val="bg1">
+                    <a:lumMod val="95000"/>
+                  </a:schemeClr>
+                </a:solidFill>
+                <a:effectLst>
+                  <a:outerShdw blurRad="38100" dist="38100" dir="2700000" algn="tl">
+                    <a:srgbClr val="000000">
+                      <a:alpha val="43137"/>
+                    </a:srgbClr>
+                  </a:outerShdw>
+                </a:effectLst>
+                <a:latin typeface="Segoe UI" panose="020B0502040204020203" pitchFamily="34" charset="0"/>
+                <a:ea typeface="Times New Roman" panose="02020603050405020304" pitchFamily="18" charset="0"/>
+              </a:rPr>
+              <a:t>ImGUI</a:t>
+            </a:r>
+            <a:r>
+              <a:rPr lang="ru-RU" sz="1600" dirty="0">
+                <a:solidFill>
+                  <a:schemeClr val="bg1">
+                    <a:lumMod val="95000"/>
+                  </a:schemeClr>
+                </a:solidFill>
+                <a:effectLst>
+                  <a:outerShdw blurRad="38100" dist="38100" dir="2700000" algn="tl">
+                    <a:srgbClr val="000000">
+                      <a:alpha val="43137"/>
+                    </a:srgbClr>
+                  </a:outerShdw>
+                </a:effectLst>
+                <a:latin typeface="Segoe UI" panose="020B0502040204020203" pitchFamily="34" charset="0"/>
+                <a:ea typeface="Times New Roman" panose="02020603050405020304" pitchFamily="18" charset="0"/>
+              </a:rPr>
+              <a:t> (внешняя библиотека)</a:t>
+            </a:r>
+            <a:endParaRPr lang="ru-RU" sz="1600" dirty="0">
+              <a:solidFill>
+                <a:schemeClr val="bg1">
+                  <a:lumMod val="95000"/>
+                </a:schemeClr>
+              </a:solidFill>
+              <a:effectLst>
+                <a:outerShdw blurRad="38100" dist="38100" dir="2700000" algn="tl">
+                  <a:srgbClr val="000000">
+                    <a:alpha val="43137"/>
+                  </a:srgbClr>
+                </a:outerShdw>
+              </a:effectLst>
+              <a:latin typeface="Times New Roman" panose="02020603050405020304" pitchFamily="18" charset="0"/>
+              <a:ea typeface="Times New Roman" panose="02020603050405020304" pitchFamily="18" charset="0"/>
+            </a:endParaRPr>
+          </a:p>
+          <a:p>
+            <a:pPr marL="742950" lvl="1" indent="-285750">
+              <a:spcBef>
+                <a:spcPts val="500"/>
+              </a:spcBef>
+              <a:spcAft>
+                <a:spcPts val="0"/>
+              </a:spcAft>
+              <a:tabLst>
+                <a:tab pos="914400" algn="l"/>
+              </a:tabLst>
+            </a:pPr>
+            <a:r>
+              <a:rPr lang="ru-RU" sz="1600" dirty="0">
+                <a:solidFill>
+                  <a:schemeClr val="bg1">
+                    <a:lumMod val="95000"/>
+                  </a:schemeClr>
+                </a:solidFill>
+                <a:effectLst>
+                  <a:outerShdw blurRad="38100" dist="38100" dir="2700000" algn="tl">
+                    <a:srgbClr val="000000">
+                      <a:alpha val="43137"/>
+                    </a:srgbClr>
+                  </a:outerShdw>
+                </a:effectLst>
+                <a:latin typeface="Segoe UI" panose="020B0502040204020203" pitchFamily="34" charset="0"/>
+                <a:ea typeface="Times New Roman" panose="02020603050405020304" pitchFamily="18" charset="0"/>
+              </a:rPr>
+              <a:t>Сложность интеграции с системой </a:t>
+            </a:r>
+            <a:r>
+              <a:rPr lang="ru-RU" sz="1600" dirty="0" err="1">
+                <a:solidFill>
+                  <a:schemeClr val="bg1">
+                    <a:lumMod val="95000"/>
+                  </a:schemeClr>
+                </a:solidFill>
+                <a:effectLst>
+                  <a:outerShdw blurRad="38100" dist="38100" dir="2700000" algn="tl">
+                    <a:srgbClr val="000000">
+                      <a:alpha val="43137"/>
+                    </a:srgbClr>
+                  </a:outerShdw>
+                </a:effectLst>
+                <a:latin typeface="Segoe UI" panose="020B0502040204020203" pitchFamily="34" charset="0"/>
+                <a:ea typeface="Times New Roman" panose="02020603050405020304" pitchFamily="18" charset="0"/>
+              </a:rPr>
+              <a:t>инжектирования</a:t>
+            </a:r>
+            <a:endParaRPr lang="ru-RU" sz="1600" dirty="0">
+              <a:solidFill>
+                <a:schemeClr val="bg1">
+                  <a:lumMod val="95000"/>
+                </a:schemeClr>
+              </a:solidFill>
+              <a:effectLst>
+                <a:outerShdw blurRad="38100" dist="38100" dir="2700000" algn="tl">
+                  <a:srgbClr val="000000">
+                    <a:alpha val="43137"/>
+                  </a:srgbClr>
+                </a:outerShdw>
+              </a:effectLst>
+              <a:latin typeface="Times New Roman" panose="02020603050405020304" pitchFamily="18" charset="0"/>
+              <a:ea typeface="Times New Roman" panose="02020603050405020304" pitchFamily="18" charset="0"/>
+            </a:endParaRPr>
+          </a:p>
+          <a:p>
+            <a:pPr marL="742950" lvl="1" indent="-285750">
+              <a:spcBef>
+                <a:spcPts val="500"/>
+              </a:spcBef>
+              <a:spcAft>
+                <a:spcPts val="0"/>
+              </a:spcAft>
+              <a:tabLst>
+                <a:tab pos="914400" algn="l"/>
+              </a:tabLst>
+            </a:pPr>
+            <a:r>
+              <a:rPr lang="ru-RU" sz="1600" dirty="0">
+                <a:solidFill>
+                  <a:schemeClr val="bg1">
+                    <a:lumMod val="95000"/>
+                  </a:schemeClr>
+                </a:solidFill>
+                <a:effectLst>
+                  <a:outerShdw blurRad="38100" dist="38100" dir="2700000" algn="tl">
+                    <a:srgbClr val="000000">
+                      <a:alpha val="43137"/>
+                    </a:srgbClr>
+                  </a:outerShdw>
+                </a:effectLst>
+                <a:latin typeface="Segoe UI" panose="020B0502040204020203" pitchFamily="34" charset="0"/>
+                <a:ea typeface="Times New Roman" panose="02020603050405020304" pitchFamily="18" charset="0"/>
+              </a:rPr>
+              <a:t>Непредсказуемость оптимизации рендеринга</a:t>
+            </a:r>
+            <a:endParaRPr lang="ru-RU" sz="1600" dirty="0">
+              <a:solidFill>
+                <a:schemeClr val="bg1">
+                  <a:lumMod val="95000"/>
+                </a:schemeClr>
+              </a:solidFill>
+              <a:effectLst>
+                <a:outerShdw blurRad="38100" dist="38100" dir="2700000" algn="tl">
+                  <a:srgbClr val="000000">
+                    <a:alpha val="43137"/>
+                  </a:srgbClr>
+                </a:outerShdw>
+              </a:effectLst>
+              <a:latin typeface="Times New Roman" panose="02020603050405020304" pitchFamily="18" charset="0"/>
+              <a:ea typeface="Times New Roman" panose="02020603050405020304" pitchFamily="18" charset="0"/>
+            </a:endParaRPr>
+          </a:p>
+          <a:p>
+            <a:pPr>
+              <a:spcBef>
+                <a:spcPts val="1200"/>
+              </a:spcBef>
+              <a:spcAft>
+                <a:spcPts val="1200"/>
+              </a:spcAft>
+            </a:pPr>
+            <a:r>
+              <a:rPr lang="ru-RU" sz="1600" b="1" dirty="0">
+                <a:solidFill>
+                  <a:schemeClr val="bg1">
+                    <a:lumMod val="95000"/>
+                  </a:schemeClr>
+                </a:solidFill>
+                <a:effectLst>
+                  <a:outerShdw blurRad="38100" dist="38100" dir="2700000" algn="tl">
+                    <a:srgbClr val="000000">
+                      <a:alpha val="43137"/>
+                    </a:srgbClr>
+                  </a:outerShdw>
+                </a:effectLst>
+                <a:latin typeface="Segoe UI" panose="020B0502040204020203" pitchFamily="34" charset="0"/>
+                <a:ea typeface="Times New Roman" panose="02020603050405020304" pitchFamily="18" charset="0"/>
+              </a:rPr>
+              <a:t>Резерв времени для планирования:</a:t>
+            </a:r>
+            <a:endParaRPr lang="ru-RU" sz="1600" dirty="0">
+              <a:solidFill>
+                <a:schemeClr val="bg1">
+                  <a:lumMod val="95000"/>
+                </a:schemeClr>
+              </a:solidFill>
+              <a:effectLst>
+                <a:outerShdw blurRad="38100" dist="38100" dir="2700000" algn="tl">
+                  <a:srgbClr val="000000">
+                    <a:alpha val="43137"/>
+                  </a:srgbClr>
+                </a:outerShdw>
+              </a:effectLst>
+              <a:latin typeface="Times New Roman" panose="02020603050405020304" pitchFamily="18" charset="0"/>
+              <a:ea typeface="Times New Roman" panose="02020603050405020304" pitchFamily="18" charset="0"/>
+            </a:endParaRPr>
+          </a:p>
+          <a:p>
+            <a:pPr marL="342900" lvl="0" indent="-342900">
+              <a:spcBef>
+                <a:spcPts val="500"/>
+              </a:spcBef>
+              <a:spcAft>
+                <a:spcPts val="0"/>
+              </a:spcAft>
+              <a:buSzPts val="1000"/>
+              <a:buFont typeface="Symbol" panose="05050102010706020507" pitchFamily="18" charset="2"/>
+              <a:buChar char=""/>
+              <a:tabLst>
+                <a:tab pos="457200" algn="l"/>
+              </a:tabLst>
+            </a:pPr>
+            <a:r>
+              <a:rPr lang="ru-RU" sz="1600" dirty="0">
+                <a:solidFill>
+                  <a:schemeClr val="bg1">
+                    <a:lumMod val="95000"/>
+                  </a:schemeClr>
+                </a:solidFill>
+                <a:effectLst>
+                  <a:outerShdw blurRad="38100" dist="38100" dir="2700000" algn="tl">
+                    <a:srgbClr val="000000">
+                      <a:alpha val="43137"/>
+                    </a:srgbClr>
+                  </a:outerShdw>
+                </a:effectLst>
+                <a:latin typeface="Segoe UI" panose="020B0502040204020203" pitchFamily="34" charset="0"/>
+                <a:ea typeface="Times New Roman" panose="02020603050405020304" pitchFamily="18" charset="0"/>
+              </a:rPr>
+              <a:t>Между наиболее вероятным и пессимистическим: </a:t>
+            </a:r>
+            <a:r>
+              <a:rPr lang="ru-RU" sz="1600" b="1" dirty="0">
+                <a:solidFill>
+                  <a:schemeClr val="bg1">
+                    <a:lumMod val="95000"/>
+                  </a:schemeClr>
+                </a:solidFill>
+                <a:effectLst>
+                  <a:outerShdw blurRad="38100" dist="38100" dir="2700000" algn="tl">
+                    <a:srgbClr val="000000">
+                      <a:alpha val="43137"/>
+                    </a:srgbClr>
+                  </a:outerShdw>
+                </a:effectLst>
+                <a:latin typeface="Segoe UI" panose="020B0502040204020203" pitchFamily="34" charset="0"/>
+                <a:ea typeface="Times New Roman" panose="02020603050405020304" pitchFamily="18" charset="0"/>
+              </a:rPr>
+              <a:t>60.3 дня</a:t>
+            </a:r>
+            <a:endParaRPr lang="ru-RU" sz="1600" dirty="0">
+              <a:solidFill>
+                <a:schemeClr val="bg1">
+                  <a:lumMod val="95000"/>
+                </a:schemeClr>
+              </a:solidFill>
+              <a:effectLst>
+                <a:outerShdw blurRad="38100" dist="38100" dir="2700000" algn="tl">
+                  <a:srgbClr val="000000">
+                    <a:alpha val="43137"/>
+                  </a:srgbClr>
+                </a:outerShdw>
+              </a:effectLst>
+              <a:latin typeface="Times New Roman" panose="02020603050405020304" pitchFamily="18" charset="0"/>
+              <a:ea typeface="Times New Roman" panose="02020603050405020304" pitchFamily="18" charset="0"/>
+            </a:endParaRPr>
+          </a:p>
+          <a:p>
+            <a:pPr marL="342900" lvl="0" indent="-342900">
+              <a:spcBef>
+                <a:spcPts val="500"/>
+              </a:spcBef>
+              <a:spcAft>
+                <a:spcPts val="0"/>
+              </a:spcAft>
+              <a:buSzPts val="1000"/>
+              <a:buFont typeface="Symbol" panose="05050102010706020507" pitchFamily="18" charset="2"/>
+              <a:buChar char=""/>
+              <a:tabLst>
+                <a:tab pos="457200" algn="l"/>
+              </a:tabLst>
+            </a:pPr>
+            <a:r>
+              <a:rPr lang="ru-RU" sz="1600" dirty="0">
+                <a:solidFill>
+                  <a:schemeClr val="bg1">
+                    <a:lumMod val="95000"/>
+                  </a:schemeClr>
+                </a:solidFill>
+                <a:effectLst>
+                  <a:outerShdw blurRad="38100" dist="38100" dir="2700000" algn="tl">
+                    <a:srgbClr val="000000">
+                      <a:alpha val="43137"/>
+                    </a:srgbClr>
+                  </a:outerShdw>
+                </a:effectLst>
+                <a:latin typeface="Segoe UI" panose="020B0502040204020203" pitchFamily="34" charset="0"/>
+                <a:ea typeface="Times New Roman" panose="02020603050405020304" pitchFamily="18" charset="0"/>
+              </a:rPr>
+              <a:t>Рекомендованный резерв: </a:t>
+            </a:r>
+            <a:r>
+              <a:rPr lang="ru-RU" sz="1600" b="1" dirty="0">
+                <a:solidFill>
+                  <a:schemeClr val="bg1">
+                    <a:lumMod val="95000"/>
+                  </a:schemeClr>
+                </a:solidFill>
+                <a:effectLst>
+                  <a:outerShdw blurRad="38100" dist="38100" dir="2700000" algn="tl">
+                    <a:srgbClr val="000000">
+                      <a:alpha val="43137"/>
+                    </a:srgbClr>
+                  </a:outerShdw>
+                </a:effectLst>
+                <a:latin typeface="Segoe UI" panose="020B0502040204020203" pitchFamily="34" charset="0"/>
+                <a:ea typeface="Times New Roman" panose="02020603050405020304" pitchFamily="18" charset="0"/>
+              </a:rPr>
+              <a:t>45-50 дней</a:t>
+            </a:r>
+            <a:r>
+              <a:rPr lang="ru-RU" sz="1600" dirty="0">
+                <a:solidFill>
+                  <a:schemeClr val="bg1">
+                    <a:lumMod val="95000"/>
+                  </a:schemeClr>
+                </a:solidFill>
+                <a:effectLst>
+                  <a:outerShdw blurRad="38100" dist="38100" dir="2700000" algn="tl">
+                    <a:srgbClr val="000000">
+                      <a:alpha val="43137"/>
+                    </a:srgbClr>
+                  </a:outerShdw>
+                </a:effectLst>
+                <a:latin typeface="Segoe UI" panose="020B0502040204020203" pitchFamily="34" charset="0"/>
+                <a:ea typeface="Times New Roman" panose="02020603050405020304" pitchFamily="18" charset="0"/>
+              </a:rPr>
+              <a:t> (применить 80% правило</a:t>
+            </a:r>
+            <a:r>
+              <a:rPr lang="ru-RU" sz="1600" dirty="0" smtClean="0">
+                <a:solidFill>
+                  <a:schemeClr val="bg1">
+                    <a:lumMod val="95000"/>
+                  </a:schemeClr>
+                </a:solidFill>
+                <a:effectLst>
+                  <a:outerShdw blurRad="38100" dist="38100" dir="2700000" algn="tl">
+                    <a:srgbClr val="000000">
+                      <a:alpha val="43137"/>
+                    </a:srgbClr>
+                  </a:outerShdw>
+                </a:effectLst>
+                <a:latin typeface="Segoe UI" panose="020B0502040204020203" pitchFamily="34" charset="0"/>
+                <a:ea typeface="Times New Roman" panose="02020603050405020304" pitchFamily="18" charset="0"/>
+              </a:rPr>
+              <a:t>)</a:t>
+            </a:r>
+          </a:p>
+          <a:p>
+            <a:pPr lvl="0">
+              <a:spcBef>
+                <a:spcPts val="500"/>
+              </a:spcBef>
+              <a:spcAft>
+                <a:spcPts val="0"/>
+              </a:spcAft>
+              <a:buSzPts val="1000"/>
+              <a:tabLst>
+                <a:tab pos="457200" algn="l"/>
+              </a:tabLst>
+            </a:pPr>
+            <a:endParaRPr lang="ru-RU" sz="1600" dirty="0">
+              <a:solidFill>
+                <a:schemeClr val="bg1">
+                  <a:lumMod val="95000"/>
+                </a:schemeClr>
+              </a:solidFill>
+              <a:effectLst>
+                <a:outerShdw blurRad="38100" dist="38100" dir="2700000" algn="tl">
+                  <a:srgbClr val="000000">
+                    <a:alpha val="43137"/>
+                  </a:srgbClr>
+                </a:outerShdw>
+              </a:effectLst>
+              <a:latin typeface="Segoe UI" panose="020B0502040204020203" pitchFamily="34" charset="0"/>
+              <a:ea typeface="Times New Roman" panose="02020603050405020304" pitchFamily="18" charset="0"/>
+            </a:endParaRPr>
+          </a:p>
+          <a:p>
+            <a:pPr lvl="0">
+              <a:spcBef>
+                <a:spcPts val="500"/>
+              </a:spcBef>
+              <a:spcAft>
+                <a:spcPts val="0"/>
+              </a:spcAft>
+              <a:buSzPts val="1000"/>
+              <a:tabLst>
+                <a:tab pos="457200" algn="l"/>
+              </a:tabLst>
+            </a:pPr>
+            <a:endParaRPr lang="ru-RU" sz="1600" dirty="0">
+              <a:solidFill>
+                <a:schemeClr val="bg1">
+                  <a:lumMod val="95000"/>
+                </a:schemeClr>
+              </a:solidFill>
+              <a:effectLst>
+                <a:outerShdw blurRad="38100" dist="38100" dir="2700000" algn="tl">
+                  <a:srgbClr val="000000">
+                    <a:alpha val="43137"/>
+                  </a:srgbClr>
+                </a:outerShdw>
+              </a:effectLst>
+              <a:latin typeface="Times New Roman" panose="02020603050405020304" pitchFamily="18" charset="0"/>
+              <a:ea typeface="Times New Roman" panose="02020603050405020304" pitchFamily="18" charset="0"/>
+            </a:endParaRPr>
+          </a:p>
+        </p:txBody>
+      </p:sp>
+      <p:sp>
+        <p:nvSpPr>
+          <p:cNvPr id="8" name="Прямоугольник 7"/>
+          <p:cNvSpPr/>
+          <p:nvPr/>
+        </p:nvSpPr>
+        <p:spPr>
+          <a:xfrm>
+            <a:off x="6194884" y="1066341"/>
+            <a:ext cx="6036841" cy="2226250"/>
+          </a:xfrm>
+          <a:prstGeom prst="rect">
+            <a:avLst/>
+          </a:prstGeom>
+        </p:spPr>
+        <p:txBody>
+          <a:bodyPr wrap="square">
+            <a:spAutoFit/>
+          </a:bodyPr>
+          <a:lstStyle/>
+          <a:p>
+            <a:pPr>
+              <a:spcBef>
+                <a:spcPts val="1200"/>
+              </a:spcBef>
+              <a:spcAft>
+                <a:spcPts val="1200"/>
+              </a:spcAft>
+            </a:pPr>
+            <a:r>
+              <a:rPr lang="ru-RU" sz="1600" b="1" dirty="0">
+                <a:solidFill>
+                  <a:schemeClr val="bg1">
+                    <a:lumMod val="95000"/>
+                  </a:schemeClr>
+                </a:solidFill>
+                <a:effectLst>
+                  <a:outerShdw blurRad="38100" dist="38100" dir="2700000" algn="tl">
+                    <a:srgbClr val="000000">
+                      <a:alpha val="43137"/>
+                    </a:srgbClr>
+                  </a:outerShdw>
+                </a:effectLst>
+                <a:latin typeface="Segoe UI" panose="020B0502040204020203" pitchFamily="34" charset="0"/>
+                <a:ea typeface="Times New Roman" panose="02020603050405020304" pitchFamily="18" charset="0"/>
+              </a:rPr>
+              <a:t>Как снизить σ для самой неопределённой задачи:</a:t>
+            </a:r>
+            <a:endParaRPr lang="ru-RU" sz="1600" dirty="0">
+              <a:solidFill>
+                <a:schemeClr val="bg1">
+                  <a:lumMod val="95000"/>
+                </a:schemeClr>
+              </a:solidFill>
+              <a:effectLst>
+                <a:outerShdw blurRad="38100" dist="38100" dir="2700000" algn="tl">
+                  <a:srgbClr val="000000">
+                    <a:alpha val="43137"/>
+                  </a:srgbClr>
+                </a:outerShdw>
+              </a:effectLst>
+              <a:latin typeface="Times New Roman" panose="02020603050405020304" pitchFamily="18" charset="0"/>
+              <a:ea typeface="Times New Roman" panose="02020603050405020304" pitchFamily="18" charset="0"/>
+            </a:endParaRPr>
+          </a:p>
+          <a:p>
+            <a:pPr marL="342900" lvl="0" indent="-342900">
+              <a:spcBef>
+                <a:spcPts val="500"/>
+              </a:spcBef>
+              <a:spcAft>
+                <a:spcPts val="0"/>
+              </a:spcAft>
+              <a:tabLst>
+                <a:tab pos="457200" algn="l"/>
+              </a:tabLst>
+            </a:pPr>
+            <a:r>
+              <a:rPr lang="ru-RU" sz="1600" b="1" dirty="0">
+                <a:solidFill>
+                  <a:schemeClr val="bg1">
+                    <a:lumMod val="95000"/>
+                  </a:schemeClr>
+                </a:solidFill>
+                <a:effectLst>
+                  <a:outerShdw blurRad="38100" dist="38100" dir="2700000" algn="tl">
+                    <a:srgbClr val="000000">
+                      <a:alpha val="43137"/>
+                    </a:srgbClr>
+                  </a:outerShdw>
+                </a:effectLst>
+                <a:latin typeface="Segoe UI" panose="020B0502040204020203" pitchFamily="34" charset="0"/>
+                <a:ea typeface="Times New Roman" panose="02020603050405020304" pitchFamily="18" charset="0"/>
+              </a:rPr>
+              <a:t>Разбить на подзадачи:</a:t>
+            </a:r>
+            <a:r>
+              <a:rPr lang="ru-RU" sz="1600" dirty="0">
+                <a:solidFill>
+                  <a:schemeClr val="bg1">
+                    <a:lumMod val="95000"/>
+                  </a:schemeClr>
+                </a:solidFill>
+                <a:effectLst>
+                  <a:outerShdw blurRad="38100" dist="38100" dir="2700000" algn="tl">
+                    <a:srgbClr val="000000">
+                      <a:alpha val="43137"/>
+                    </a:srgbClr>
+                  </a:outerShdw>
+                </a:effectLst>
+                <a:latin typeface="Segoe UI" panose="020B0502040204020203" pitchFamily="34" charset="0"/>
+                <a:ea typeface="Times New Roman" panose="02020603050405020304" pitchFamily="18" charset="0"/>
+              </a:rPr>
+              <a:t> разделить "ядро" на модули</a:t>
+            </a:r>
+            <a:endParaRPr lang="ru-RU" sz="1600" dirty="0">
+              <a:solidFill>
+                <a:schemeClr val="bg1">
+                  <a:lumMod val="95000"/>
+                </a:schemeClr>
+              </a:solidFill>
+              <a:effectLst>
+                <a:outerShdw blurRad="38100" dist="38100" dir="2700000" algn="tl">
+                  <a:srgbClr val="000000">
+                    <a:alpha val="43137"/>
+                  </a:srgbClr>
+                </a:outerShdw>
+              </a:effectLst>
+              <a:latin typeface="Times New Roman" panose="02020603050405020304" pitchFamily="18" charset="0"/>
+              <a:ea typeface="Times New Roman" panose="02020603050405020304" pitchFamily="18" charset="0"/>
+            </a:endParaRPr>
+          </a:p>
+          <a:p>
+            <a:pPr marL="342900" lvl="0" indent="-342900">
+              <a:spcBef>
+                <a:spcPts val="500"/>
+              </a:spcBef>
+              <a:spcAft>
+                <a:spcPts val="0"/>
+              </a:spcAft>
+              <a:tabLst>
+                <a:tab pos="457200" algn="l"/>
+              </a:tabLst>
+            </a:pPr>
+            <a:r>
+              <a:rPr lang="ru-RU" sz="1600" b="1" dirty="0">
+                <a:solidFill>
+                  <a:schemeClr val="bg1">
+                    <a:lumMod val="95000"/>
+                  </a:schemeClr>
+                </a:solidFill>
+                <a:effectLst>
+                  <a:outerShdw blurRad="38100" dist="38100" dir="2700000" algn="tl">
+                    <a:srgbClr val="000000">
+                      <a:alpha val="43137"/>
+                    </a:srgbClr>
+                  </a:outerShdw>
+                </a:effectLst>
+                <a:latin typeface="Segoe UI" panose="020B0502040204020203" pitchFamily="34" charset="0"/>
+                <a:ea typeface="Times New Roman" panose="02020603050405020304" pitchFamily="18" charset="0"/>
+              </a:rPr>
+              <a:t>Создать прототипы:</a:t>
+            </a:r>
+            <a:r>
+              <a:rPr lang="ru-RU" sz="1600" dirty="0">
+                <a:solidFill>
+                  <a:schemeClr val="bg1">
+                    <a:lumMod val="95000"/>
+                  </a:schemeClr>
+                </a:solidFill>
+                <a:effectLst>
+                  <a:outerShdw blurRad="38100" dist="38100" dir="2700000" algn="tl">
+                    <a:srgbClr val="000000">
+                      <a:alpha val="43137"/>
+                    </a:srgbClr>
+                  </a:outerShdw>
+                </a:effectLst>
+                <a:latin typeface="Segoe UI" panose="020B0502040204020203" pitchFamily="34" charset="0"/>
+                <a:ea typeface="Times New Roman" panose="02020603050405020304" pitchFamily="18" charset="0"/>
+              </a:rPr>
+              <a:t> заранее протестировать интеграцию </a:t>
+            </a:r>
+            <a:r>
+              <a:rPr lang="ru-RU" sz="1600" dirty="0" smtClean="0">
+                <a:solidFill>
+                  <a:schemeClr val="bg1">
+                    <a:lumMod val="95000"/>
+                  </a:schemeClr>
+                </a:solidFill>
+                <a:effectLst>
+                  <a:outerShdw blurRad="38100" dist="38100" dir="2700000" algn="tl">
+                    <a:srgbClr val="000000">
+                      <a:alpha val="43137"/>
+                    </a:srgbClr>
+                  </a:outerShdw>
+                </a:effectLst>
+                <a:latin typeface="Segoe UI" panose="020B0502040204020203" pitchFamily="34" charset="0"/>
+                <a:ea typeface="Times New Roman" panose="02020603050405020304" pitchFamily="18" charset="0"/>
+              </a:rPr>
+              <a:t>с </a:t>
+            </a:r>
+            <a:r>
+              <a:rPr lang="ru-RU" sz="1600" dirty="0" err="1" smtClean="0">
+                <a:solidFill>
+                  <a:schemeClr val="bg1">
+                    <a:lumMod val="95000"/>
+                  </a:schemeClr>
+                </a:solidFill>
+                <a:effectLst>
+                  <a:outerShdw blurRad="38100" dist="38100" dir="2700000" algn="tl">
+                    <a:srgbClr val="000000">
+                      <a:alpha val="43137"/>
+                    </a:srgbClr>
+                  </a:outerShdw>
+                </a:effectLst>
+                <a:latin typeface="Segoe UI" panose="020B0502040204020203" pitchFamily="34" charset="0"/>
+                <a:ea typeface="Times New Roman" panose="02020603050405020304" pitchFamily="18" charset="0"/>
+              </a:rPr>
+              <a:t>ImGUI</a:t>
+            </a:r>
+            <a:endParaRPr lang="ru-RU" sz="1600" dirty="0">
+              <a:solidFill>
+                <a:schemeClr val="bg1">
+                  <a:lumMod val="95000"/>
+                </a:schemeClr>
+              </a:solidFill>
+              <a:effectLst>
+                <a:outerShdw blurRad="38100" dist="38100" dir="2700000" algn="tl">
+                  <a:srgbClr val="000000">
+                    <a:alpha val="43137"/>
+                  </a:srgbClr>
+                </a:outerShdw>
+              </a:effectLst>
+              <a:latin typeface="Times New Roman" panose="02020603050405020304" pitchFamily="18" charset="0"/>
+              <a:ea typeface="Times New Roman" panose="02020603050405020304" pitchFamily="18" charset="0"/>
+            </a:endParaRPr>
+          </a:p>
+          <a:p>
+            <a:pPr marL="342900" lvl="0" indent="-342900">
+              <a:spcBef>
+                <a:spcPts val="500"/>
+              </a:spcBef>
+              <a:spcAft>
+                <a:spcPts val="0"/>
+              </a:spcAft>
+              <a:tabLst>
+                <a:tab pos="457200" algn="l"/>
+              </a:tabLst>
+            </a:pPr>
+            <a:r>
+              <a:rPr lang="ru-RU" sz="1600" b="1" dirty="0">
+                <a:solidFill>
+                  <a:schemeClr val="bg1">
+                    <a:lumMod val="95000"/>
+                  </a:schemeClr>
+                </a:solidFill>
+                <a:effectLst>
+                  <a:outerShdw blurRad="38100" dist="38100" dir="2700000" algn="tl">
+                    <a:srgbClr val="000000">
+                      <a:alpha val="43137"/>
+                    </a:srgbClr>
+                  </a:outerShdw>
+                </a:effectLst>
+                <a:latin typeface="Segoe UI" panose="020B0502040204020203" pitchFamily="34" charset="0"/>
+                <a:ea typeface="Times New Roman" panose="02020603050405020304" pitchFamily="18" charset="0"/>
+              </a:rPr>
+              <a:t>Привлечь эксперта:</a:t>
+            </a:r>
+            <a:r>
+              <a:rPr lang="ru-RU" sz="1600" dirty="0">
+                <a:solidFill>
+                  <a:schemeClr val="bg1">
+                    <a:lumMod val="95000"/>
+                  </a:schemeClr>
+                </a:solidFill>
+                <a:effectLst>
+                  <a:outerShdw blurRad="38100" dist="38100" dir="2700000" algn="tl">
+                    <a:srgbClr val="000000">
+                      <a:alpha val="43137"/>
+                    </a:srgbClr>
+                  </a:outerShdw>
+                </a:effectLst>
+                <a:latin typeface="Segoe UI" panose="020B0502040204020203" pitchFamily="34" charset="0"/>
+                <a:ea typeface="Times New Roman" panose="02020603050405020304" pitchFamily="18" charset="0"/>
+              </a:rPr>
+              <a:t> консультант по </a:t>
+            </a:r>
+            <a:r>
+              <a:rPr lang="ru-RU" sz="1600" dirty="0" err="1">
+                <a:solidFill>
+                  <a:schemeClr val="bg1">
+                    <a:lumMod val="95000"/>
+                  </a:schemeClr>
+                </a:solidFill>
+                <a:effectLst>
+                  <a:outerShdw blurRad="38100" dist="38100" dir="2700000" algn="tl">
+                    <a:srgbClr val="000000">
+                      <a:alpha val="43137"/>
+                    </a:srgbClr>
+                  </a:outerShdw>
+                </a:effectLst>
+                <a:latin typeface="Segoe UI" panose="020B0502040204020203" pitchFamily="34" charset="0"/>
+                <a:ea typeface="Times New Roman" panose="02020603050405020304" pitchFamily="18" charset="0"/>
+              </a:rPr>
+              <a:t>Dear</a:t>
+            </a:r>
+            <a:r>
+              <a:rPr lang="ru-RU" sz="1600" dirty="0">
+                <a:solidFill>
+                  <a:schemeClr val="bg1">
+                    <a:lumMod val="95000"/>
+                  </a:schemeClr>
+                </a:solidFill>
+                <a:effectLst>
+                  <a:outerShdw blurRad="38100" dist="38100" dir="2700000" algn="tl">
+                    <a:srgbClr val="000000">
+                      <a:alpha val="43137"/>
+                    </a:srgbClr>
+                  </a:outerShdw>
+                </a:effectLst>
+                <a:latin typeface="Segoe UI" panose="020B0502040204020203" pitchFamily="34" charset="0"/>
+                <a:ea typeface="Times New Roman" panose="02020603050405020304" pitchFamily="18" charset="0"/>
+              </a:rPr>
+              <a:t> </a:t>
+            </a:r>
+            <a:r>
+              <a:rPr lang="ru-RU" sz="1600" dirty="0" err="1">
+                <a:solidFill>
+                  <a:schemeClr val="bg1">
+                    <a:lumMod val="95000"/>
+                  </a:schemeClr>
+                </a:solidFill>
+                <a:effectLst>
+                  <a:outerShdw blurRad="38100" dist="38100" dir="2700000" algn="tl">
+                    <a:srgbClr val="000000">
+                      <a:alpha val="43137"/>
+                    </a:srgbClr>
+                  </a:outerShdw>
+                </a:effectLst>
+                <a:latin typeface="Segoe UI" panose="020B0502040204020203" pitchFamily="34" charset="0"/>
+                <a:ea typeface="Times New Roman" panose="02020603050405020304" pitchFamily="18" charset="0"/>
+              </a:rPr>
+              <a:t>ImGUI</a:t>
+            </a:r>
+            <a:endParaRPr lang="ru-RU" sz="1600" dirty="0">
+              <a:solidFill>
+                <a:schemeClr val="bg1">
+                  <a:lumMod val="95000"/>
+                </a:schemeClr>
+              </a:solidFill>
+              <a:effectLst>
+                <a:outerShdw blurRad="38100" dist="38100" dir="2700000" algn="tl">
+                  <a:srgbClr val="000000">
+                    <a:alpha val="43137"/>
+                  </a:srgbClr>
+                </a:outerShdw>
+              </a:effectLst>
+              <a:latin typeface="Times New Roman" panose="02020603050405020304" pitchFamily="18" charset="0"/>
+              <a:ea typeface="Times New Roman" panose="02020603050405020304" pitchFamily="18" charset="0"/>
+            </a:endParaRPr>
+          </a:p>
+          <a:p>
+            <a:pPr marL="342900" lvl="0" indent="-342900">
+              <a:spcBef>
+                <a:spcPts val="500"/>
+              </a:spcBef>
+              <a:spcAft>
+                <a:spcPts val="0"/>
+              </a:spcAft>
+              <a:tabLst>
+                <a:tab pos="457200" algn="l"/>
+              </a:tabLst>
+            </a:pPr>
+            <a:r>
+              <a:rPr lang="ru-RU" sz="1600" b="1" dirty="0">
+                <a:solidFill>
+                  <a:schemeClr val="bg1">
+                    <a:lumMod val="95000"/>
+                  </a:schemeClr>
+                </a:solidFill>
+                <a:effectLst>
+                  <a:outerShdw blurRad="38100" dist="38100" dir="2700000" algn="tl">
+                    <a:srgbClr val="000000">
+                      <a:alpha val="43137"/>
+                    </a:srgbClr>
+                  </a:outerShdw>
+                </a:effectLst>
+                <a:latin typeface="Segoe UI" panose="020B0502040204020203" pitchFamily="34" charset="0"/>
+                <a:ea typeface="Times New Roman" panose="02020603050405020304" pitchFamily="18" charset="0"/>
+              </a:rPr>
+              <a:t>Увеличить частоту </a:t>
+            </a:r>
+            <a:r>
+              <a:rPr lang="ru-RU" sz="1600" b="1" dirty="0" err="1">
+                <a:solidFill>
+                  <a:schemeClr val="bg1">
+                    <a:lumMod val="95000"/>
+                  </a:schemeClr>
+                </a:solidFill>
+                <a:effectLst>
+                  <a:outerShdw blurRad="38100" dist="38100" dir="2700000" algn="tl">
+                    <a:srgbClr val="000000">
+                      <a:alpha val="43137"/>
+                    </a:srgbClr>
+                  </a:outerShdw>
+                </a:effectLst>
+                <a:latin typeface="Segoe UI" panose="020B0502040204020203" pitchFamily="34" charset="0"/>
+                <a:ea typeface="Times New Roman" panose="02020603050405020304" pitchFamily="18" charset="0"/>
+              </a:rPr>
+              <a:t>демо</a:t>
+            </a:r>
+            <a:r>
+              <a:rPr lang="ru-RU" sz="1600" b="1" dirty="0">
+                <a:solidFill>
+                  <a:schemeClr val="bg1">
+                    <a:lumMod val="95000"/>
+                  </a:schemeClr>
+                </a:solidFill>
+                <a:effectLst>
+                  <a:outerShdw blurRad="38100" dist="38100" dir="2700000" algn="tl">
+                    <a:srgbClr val="000000">
+                      <a:alpha val="43137"/>
+                    </a:srgbClr>
+                  </a:outerShdw>
+                </a:effectLst>
+                <a:latin typeface="Segoe UI" panose="020B0502040204020203" pitchFamily="34" charset="0"/>
+                <a:ea typeface="Times New Roman" panose="02020603050405020304" pitchFamily="18" charset="0"/>
+              </a:rPr>
+              <a:t>:</a:t>
+            </a:r>
+            <a:r>
+              <a:rPr lang="ru-RU" sz="1600" dirty="0">
+                <a:solidFill>
+                  <a:schemeClr val="bg1">
+                    <a:lumMod val="95000"/>
+                  </a:schemeClr>
+                </a:solidFill>
+                <a:effectLst>
+                  <a:outerShdw blurRad="38100" dist="38100" dir="2700000" algn="tl">
+                    <a:srgbClr val="000000">
+                      <a:alpha val="43137"/>
+                    </a:srgbClr>
+                  </a:outerShdw>
+                </a:effectLst>
+                <a:latin typeface="Segoe UI" panose="020B0502040204020203" pitchFamily="34" charset="0"/>
+                <a:ea typeface="Times New Roman" panose="02020603050405020304" pitchFamily="18" charset="0"/>
+              </a:rPr>
+              <a:t> еженедельные проверки прогресса</a:t>
+            </a:r>
+            <a:endParaRPr lang="ru-RU" sz="1600" dirty="0">
+              <a:solidFill>
+                <a:schemeClr val="bg1">
+                  <a:lumMod val="95000"/>
+                </a:schemeClr>
+              </a:solidFill>
+              <a:effectLst>
+                <a:outerShdw blurRad="38100" dist="38100" dir="2700000" algn="tl">
+                  <a:srgbClr val="000000">
+                    <a:alpha val="43137"/>
+                  </a:srgbClr>
+                </a:outerShdw>
+              </a:effectLst>
+              <a:latin typeface="Times New Roman" panose="02020603050405020304" pitchFamily="18" charset="0"/>
+              <a:ea typeface="Times New Roman" panose="02020603050405020304" pitchFamily="18" charset="0"/>
+            </a:endParaRPr>
+          </a:p>
+        </p:txBody>
+      </p:sp>
+    </p:spTree>
+    <p:extLst>
+      <p:ext uri="{BB962C8B-B14F-4D97-AF65-F5344CB8AC3E}">
+        <p14:creationId xmlns:p14="http://schemas.microsoft.com/office/powerpoint/2010/main" val="4184210876"/>
+      </p:ext>
+    </p:extLst>
+  </p:cSld>
+  <p:clrMapOvr>
+    <a:masterClrMapping/>
+  </p:clrMapOvr>
+  <p:timing>
+    <p:tnLst>
+      <p:par>
+        <p:cTn id="1" dur="indefinite" restart="never" nodeType="tmRoot"/>
+      </p:par>
+    </p:tnLst>
+  </p:timing>
+</p:sld>
+</file>
+
+<file path=ppt/slides/slide41.xml><?xml version="1.0" encoding="utf-8"?>
+<p:sld xmlns:a="http://schemas.openxmlformats.org/drawingml/2006/main" xmlns:r="http://schemas.openxmlformats.org/officeDocument/2006/relationships" xmlns:p="http://schemas.openxmlformats.org/presentationml/2006/main">
+  <p:cSld>
+    <p:spTree>
+      <p:nvGrpSpPr>
+        <p:cNvPr id="1" name="">
+          <a:extLst>
+            <a:ext uri="{FF2B5EF4-FFF2-40B4-BE49-F238E27FC236}">
+              <a16:creationId xmlns:a16="http://schemas.microsoft.com/office/drawing/2014/main" id="{1CED95EE-9878-5DB7-F2AA-458C7F3B4FEB}"/>
+            </a:ext>
+          </a:extLst>
+        </p:cNvPr>
+        <p:cNvGrpSpPr/>
+        <p:nvPr/>
+      </p:nvGrpSpPr>
+      <p:grpSpPr>
+        <a:xfrm>
+          <a:off x="0" y="0"/>
+          <a:ext cx="0" cy="0"/>
+          <a:chOff x="0" y="0"/>
+          <a:chExt cx="0" cy="0"/>
+        </a:xfrm>
+      </p:grpSpPr>
+      <p:sp>
+        <p:nvSpPr>
+          <p:cNvPr id="14" name="Овал 13">
+            <a:extLst>
+              <a:ext uri="{FF2B5EF4-FFF2-40B4-BE49-F238E27FC236}">
+                <a16:creationId xmlns:a16="http://schemas.microsoft.com/office/drawing/2014/main" id="{5B6C4597-3C0D-C8C2-0BFB-D422255718B9}"/>
+              </a:ext>
+            </a:extLst>
+          </p:cNvPr>
+          <p:cNvSpPr/>
+          <p:nvPr/>
+        </p:nvSpPr>
+        <p:spPr>
+          <a:xfrm rot="1548438">
+            <a:off x="-4585204" y="-5981371"/>
+            <a:ext cx="19996152" cy="17378114"/>
+          </a:xfrm>
+          <a:prstGeom prst="ellipse">
+            <a:avLst/>
+          </a:prstGeom>
+          <a:gradFill flip="none" rotWithShape="1">
+            <a:gsLst>
+              <a:gs pos="0">
+                <a:srgbClr val="002D76"/>
+              </a:gs>
+              <a:gs pos="100000">
+                <a:srgbClr val="72A7FE"/>
+              </a:gs>
+              <a:gs pos="0">
+                <a:srgbClr val="1B71FD"/>
+              </a:gs>
+            </a:gsLst>
+            <a:path path="circle">
+              <a:fillToRect l="50000" t="50000" r="50000" b="50000"/>
+            </a:path>
+            <a:tileRect/>
+          </a:gradFill>
+          <a:effectLst>
+            <a:softEdge rad="1270000"/>
+          </a:effectLst>
+        </p:spPr>
+        <p:style>
+          <a:lnRef idx="2">
+            <a:schemeClr val="accent1">
+              <a:shade val="50000"/>
+            </a:schemeClr>
+          </a:lnRef>
+          <a:fillRef idx="1">
+            <a:schemeClr val="accent1"/>
+          </a:fillRef>
+          <a:effectRef idx="0">
+            <a:schemeClr val="accent1"/>
+          </a:effectRef>
+          <a:fontRef idx="minor">
+            <a:schemeClr val="lt1"/>
+          </a:fontRef>
+        </p:style>
+        <p:txBody>
+          <a:bodyPr rtlCol="0" anchor="ctr"/>
+          <a:lstStyle/>
+          <a:p>
+            <a:pPr algn="ctr"/>
+            <a:endParaRPr lang="ru-RU" dirty="0"/>
+          </a:p>
+        </p:txBody>
+      </p:sp>
+      <p:sp>
+        <p:nvSpPr>
+          <p:cNvPr id="16" name="Овал 15">
+            <a:extLst>
+              <a:ext uri="{FF2B5EF4-FFF2-40B4-BE49-F238E27FC236}">
+                <a16:creationId xmlns:a16="http://schemas.microsoft.com/office/drawing/2014/main" id="{54201FFC-A609-3BAE-DCB9-C1E0ABC748D6}"/>
+              </a:ext>
+            </a:extLst>
+          </p:cNvPr>
+          <p:cNvSpPr/>
+          <p:nvPr/>
+        </p:nvSpPr>
+        <p:spPr>
+          <a:xfrm rot="16200000">
+            <a:off x="-6163869" y="-5424793"/>
+            <a:ext cx="14170269" cy="10463474"/>
+          </a:xfrm>
+          <a:prstGeom prst="ellipse">
+            <a:avLst/>
+          </a:prstGeom>
+          <a:gradFill flip="none" rotWithShape="1">
+            <a:gsLst>
+              <a:gs pos="100000">
+                <a:srgbClr val="137C87"/>
+              </a:gs>
+              <a:gs pos="0">
+                <a:srgbClr val="4AD6E5"/>
+              </a:gs>
+            </a:gsLst>
+            <a:path path="circle">
+              <a:fillToRect l="50000" t="50000" r="50000" b="50000"/>
+            </a:path>
+            <a:tileRect/>
+          </a:gradFill>
+          <a:effectLst>
+            <a:softEdge rad="1270000"/>
+          </a:effectLst>
+        </p:spPr>
+        <p:style>
+          <a:lnRef idx="2">
+            <a:schemeClr val="accent1">
+              <a:shade val="50000"/>
+            </a:schemeClr>
+          </a:lnRef>
+          <a:fillRef idx="1">
+            <a:schemeClr val="accent1"/>
+          </a:fillRef>
+          <a:effectRef idx="0">
+            <a:schemeClr val="accent1"/>
+          </a:effectRef>
+          <a:fontRef idx="minor">
+            <a:schemeClr val="lt1"/>
+          </a:fontRef>
+        </p:style>
+        <p:txBody>
+          <a:bodyPr rtlCol="0" anchor="ctr"/>
+          <a:lstStyle/>
+          <a:p>
+            <a:pPr algn="ctr"/>
+            <a:endParaRPr lang="ru-RU" dirty="0"/>
+          </a:p>
+        </p:txBody>
+      </p:sp>
+      <p:sp>
+        <p:nvSpPr>
+          <p:cNvPr id="17" name="Овал 16">
+            <a:extLst>
+              <a:ext uri="{FF2B5EF4-FFF2-40B4-BE49-F238E27FC236}">
+                <a16:creationId xmlns:a16="http://schemas.microsoft.com/office/drawing/2014/main" id="{1BA60D5E-37DD-06FD-F379-4B5CB3B81DEF}"/>
+              </a:ext>
+            </a:extLst>
+          </p:cNvPr>
+          <p:cNvSpPr/>
+          <p:nvPr/>
+        </p:nvSpPr>
+        <p:spPr>
+          <a:xfrm rot="19898243">
+            <a:off x="4268775" y="3311716"/>
+            <a:ext cx="13974658" cy="9089345"/>
+          </a:xfrm>
+          <a:prstGeom prst="ellipse">
+            <a:avLst/>
+          </a:prstGeom>
+          <a:gradFill flip="none" rotWithShape="1">
+            <a:gsLst>
+              <a:gs pos="0">
+                <a:srgbClr val="156EFF"/>
+              </a:gs>
+              <a:gs pos="85000">
+                <a:srgbClr val="0046B8"/>
+              </a:gs>
+              <a:gs pos="0">
+                <a:srgbClr val="0153D9"/>
+              </a:gs>
+            </a:gsLst>
+            <a:path path="circle">
+              <a:fillToRect l="50000" t="50000" r="50000" b="50000"/>
+            </a:path>
+            <a:tileRect/>
+          </a:gradFill>
+          <a:effectLst>
+            <a:softEdge rad="1270000"/>
+          </a:effectLst>
+        </p:spPr>
+        <p:style>
+          <a:lnRef idx="2">
+            <a:schemeClr val="accent1">
+              <a:shade val="50000"/>
+            </a:schemeClr>
+          </a:lnRef>
+          <a:fillRef idx="1">
+            <a:schemeClr val="accent1"/>
+          </a:fillRef>
+          <a:effectRef idx="0">
+            <a:schemeClr val="accent1"/>
+          </a:effectRef>
+          <a:fontRef idx="minor">
+            <a:schemeClr val="lt1"/>
+          </a:fontRef>
+        </p:style>
+        <p:txBody>
+          <a:bodyPr rtlCol="0" anchor="ctr"/>
+          <a:lstStyle/>
+          <a:p>
+            <a:pPr algn="ctr"/>
+            <a:endParaRPr lang="ru-RU"/>
+          </a:p>
+        </p:txBody>
+      </p:sp>
+      <p:sp>
+        <p:nvSpPr>
+          <p:cNvPr id="2" name="TextBox 1"/>
+          <p:cNvSpPr txBox="1"/>
+          <p:nvPr/>
+        </p:nvSpPr>
+        <p:spPr>
+          <a:xfrm>
+            <a:off x="3368472" y="34157"/>
+            <a:ext cx="6630265" cy="830997"/>
+          </a:xfrm>
+          <a:prstGeom prst="rect">
+            <a:avLst/>
+          </a:prstGeom>
+          <a:noFill/>
+        </p:spPr>
+        <p:txBody>
+          <a:bodyPr wrap="square" rtlCol="0">
+            <a:spAutoFit/>
+          </a:bodyPr>
+          <a:lstStyle/>
+          <a:p>
+            <a:pPr lvl="0"/>
+            <a:r>
+              <a:rPr lang="ru-RU" sz="2400" b="1" u="sng" dirty="0" smtClean="0">
+                <a:solidFill>
+                  <a:schemeClr val="bg1">
+                    <a:lumMod val="95000"/>
+                  </a:schemeClr>
+                </a:solidFill>
+                <a:effectLst>
+                  <a:outerShdw blurRad="38100" dist="38100" dir="2700000" algn="tl">
+                    <a:srgbClr val="000000">
+                      <a:alpha val="43137"/>
+                    </a:srgbClr>
+                  </a:outerShdw>
+                </a:effectLst>
+                <a:latin typeface="Century Gothic" panose="020B0502020202020204" pitchFamily="34" charset="0"/>
+              </a:rPr>
+              <a:t>Рекомендации по управлению</a:t>
+            </a:r>
+          </a:p>
+          <a:p>
+            <a:pPr lvl="0"/>
+            <a:r>
+              <a:rPr lang="ru-RU" sz="2400" b="1" u="sng" dirty="0" smtClean="0">
+                <a:solidFill>
+                  <a:schemeClr val="bg1">
+                    <a:lumMod val="95000"/>
+                  </a:schemeClr>
+                </a:solidFill>
+                <a:effectLst>
+                  <a:outerShdw blurRad="38100" dist="38100" dir="2700000" algn="tl">
+                    <a:srgbClr val="000000">
+                      <a:alpha val="43137"/>
+                    </a:srgbClr>
+                  </a:outerShdw>
+                </a:effectLst>
+                <a:latin typeface="Century Gothic" panose="020B0502020202020204" pitchFamily="34" charset="0"/>
+              </a:rPr>
+              <a:t>неопределенностью:</a:t>
+            </a:r>
+            <a:endParaRPr lang="ru-RU" sz="2400" b="1" u="sng" dirty="0">
+              <a:solidFill>
+                <a:schemeClr val="bg1">
+                  <a:lumMod val="95000"/>
+                </a:schemeClr>
+              </a:solidFill>
+              <a:effectLst>
+                <a:outerShdw blurRad="38100" dist="38100" dir="2700000" algn="tl">
+                  <a:srgbClr val="000000">
+                    <a:alpha val="43137"/>
+                  </a:srgbClr>
+                </a:outerShdw>
+              </a:effectLst>
+              <a:latin typeface="Century Gothic" panose="020B0502020202020204" pitchFamily="34" charset="0"/>
+            </a:endParaRPr>
+          </a:p>
+        </p:txBody>
+      </p:sp>
+      <p:sp>
+        <p:nvSpPr>
+          <p:cNvPr id="4" name="Прямоугольник 3"/>
+          <p:cNvSpPr/>
+          <p:nvPr/>
+        </p:nvSpPr>
+        <p:spPr>
+          <a:xfrm>
+            <a:off x="1590185" y="1368929"/>
+            <a:ext cx="11821885" cy="2554545"/>
+          </a:xfrm>
+          <a:prstGeom prst="rect">
+            <a:avLst/>
+          </a:prstGeom>
+        </p:spPr>
+        <p:txBody>
+          <a:bodyPr wrap="square">
+            <a:spAutoFit/>
+          </a:bodyPr>
+          <a:lstStyle/>
+          <a:p>
+            <a:pPr>
+              <a:spcBef>
+                <a:spcPts val="1200"/>
+              </a:spcBef>
+              <a:spcAft>
+                <a:spcPts val="1200"/>
+              </a:spcAft>
+            </a:pPr>
+            <a:r>
+              <a:rPr lang="ru-RU" sz="1600" b="1" dirty="0" smtClean="0">
+                <a:solidFill>
+                  <a:schemeClr val="bg1">
+                    <a:lumMod val="95000"/>
+                  </a:schemeClr>
+                </a:solidFill>
+                <a:effectLst>
+                  <a:outerShdw blurRad="38100" dist="38100" dir="2700000" algn="tl">
+                    <a:srgbClr val="000000">
+                      <a:alpha val="43137"/>
+                    </a:srgbClr>
+                  </a:outerShdw>
+                </a:effectLst>
+                <a:latin typeface="Segoe UI" panose="020B0502040204020203" pitchFamily="34" charset="0"/>
+                <a:ea typeface="Times New Roman" panose="02020603050405020304" pitchFamily="18" charset="0"/>
+              </a:rPr>
+              <a:t>1.Использовать </a:t>
+            </a:r>
+            <a:r>
+              <a:rPr lang="ru-RU" sz="1600" b="1" dirty="0">
+                <a:solidFill>
+                  <a:schemeClr val="bg1">
+                    <a:lumMod val="95000"/>
+                  </a:schemeClr>
+                </a:solidFill>
+                <a:effectLst>
+                  <a:outerShdw blurRad="38100" dist="38100" dir="2700000" algn="tl">
+                    <a:srgbClr val="000000">
+                      <a:alpha val="43137"/>
+                    </a:srgbClr>
+                  </a:outerShdw>
+                </a:effectLst>
+                <a:latin typeface="Segoe UI" panose="020B0502040204020203" pitchFamily="34" charset="0"/>
+                <a:ea typeface="Times New Roman" panose="02020603050405020304" pitchFamily="18" charset="0"/>
+              </a:rPr>
+              <a:t>итеративный подход: разбить "ядро" на 3 спринта по 4 недели</a:t>
+            </a:r>
+          </a:p>
+          <a:p>
+            <a:pPr>
+              <a:spcBef>
+                <a:spcPts val="1200"/>
+              </a:spcBef>
+              <a:spcAft>
+                <a:spcPts val="1200"/>
+              </a:spcAft>
+            </a:pPr>
+            <a:r>
+              <a:rPr lang="ru-RU" sz="1600" b="1" dirty="0" smtClean="0">
+                <a:solidFill>
+                  <a:schemeClr val="bg1">
+                    <a:lumMod val="95000"/>
+                  </a:schemeClr>
+                </a:solidFill>
+                <a:effectLst>
+                  <a:outerShdw blurRad="38100" dist="38100" dir="2700000" algn="tl">
+                    <a:srgbClr val="000000">
+                      <a:alpha val="43137"/>
+                    </a:srgbClr>
+                  </a:outerShdw>
+                </a:effectLst>
+                <a:latin typeface="Segoe UI" panose="020B0502040204020203" pitchFamily="34" charset="0"/>
+                <a:ea typeface="Times New Roman" panose="02020603050405020304" pitchFamily="18" charset="0"/>
+              </a:rPr>
+              <a:t>2.Создать </a:t>
+            </a:r>
+            <a:r>
+              <a:rPr lang="ru-RU" sz="1600" b="1" dirty="0" err="1">
+                <a:solidFill>
+                  <a:schemeClr val="bg1">
+                    <a:lumMod val="95000"/>
+                  </a:schemeClr>
+                </a:solidFill>
+                <a:effectLst>
+                  <a:outerShdw blurRad="38100" dist="38100" dir="2700000" algn="tl">
+                    <a:srgbClr val="000000">
+                      <a:alpha val="43137"/>
+                    </a:srgbClr>
+                  </a:outerShdw>
+                </a:effectLst>
+                <a:latin typeface="Segoe UI" panose="020B0502040204020203" pitchFamily="34" charset="0"/>
+                <a:ea typeface="Times New Roman" panose="02020603050405020304" pitchFamily="18" charset="0"/>
+              </a:rPr>
+              <a:t>risk</a:t>
+            </a:r>
+            <a:r>
+              <a:rPr lang="ru-RU" sz="1600" b="1" dirty="0">
+                <a:solidFill>
+                  <a:schemeClr val="bg1">
+                    <a:lumMod val="95000"/>
+                  </a:schemeClr>
+                </a:solidFill>
+                <a:effectLst>
+                  <a:outerShdw blurRad="38100" dist="38100" dir="2700000" algn="tl">
+                    <a:srgbClr val="000000">
+                      <a:alpha val="43137"/>
+                    </a:srgbClr>
+                  </a:outerShdw>
+                </a:effectLst>
+                <a:latin typeface="Segoe UI" panose="020B0502040204020203" pitchFamily="34" charset="0"/>
+                <a:ea typeface="Times New Roman" panose="02020603050405020304" pitchFamily="18" charset="0"/>
+              </a:rPr>
+              <a:t> </a:t>
+            </a:r>
+            <a:r>
+              <a:rPr lang="ru-RU" sz="1600" b="1" dirty="0" err="1">
+                <a:solidFill>
+                  <a:schemeClr val="bg1">
+                    <a:lumMod val="95000"/>
+                  </a:schemeClr>
+                </a:solidFill>
+                <a:effectLst>
+                  <a:outerShdw blurRad="38100" dist="38100" dir="2700000" algn="tl">
+                    <a:srgbClr val="000000">
+                      <a:alpha val="43137"/>
+                    </a:srgbClr>
+                  </a:outerShdw>
+                </a:effectLst>
+                <a:latin typeface="Segoe UI" panose="020B0502040204020203" pitchFamily="34" charset="0"/>
+                <a:ea typeface="Times New Roman" panose="02020603050405020304" pitchFamily="18" charset="0"/>
+              </a:rPr>
+              <a:t>buffer</a:t>
+            </a:r>
+            <a:r>
+              <a:rPr lang="ru-RU" sz="1600" b="1" dirty="0">
+                <a:solidFill>
+                  <a:schemeClr val="bg1">
+                    <a:lumMod val="95000"/>
+                  </a:schemeClr>
+                </a:solidFill>
+                <a:effectLst>
+                  <a:outerShdw blurRad="38100" dist="38100" dir="2700000" algn="tl">
+                    <a:srgbClr val="000000">
+                      <a:alpha val="43137"/>
+                    </a:srgbClr>
+                  </a:outerShdw>
+                </a:effectLst>
+                <a:latin typeface="Segoe UI" panose="020B0502040204020203" pitchFamily="34" charset="0"/>
+                <a:ea typeface="Times New Roman" panose="02020603050405020304" pitchFamily="18" charset="0"/>
+              </a:rPr>
+              <a:t>: добавить 30% времени к наиболее вероятному сценарию</a:t>
+            </a:r>
+          </a:p>
+          <a:p>
+            <a:pPr>
+              <a:spcBef>
+                <a:spcPts val="1200"/>
+              </a:spcBef>
+              <a:spcAft>
+                <a:spcPts val="1200"/>
+              </a:spcAft>
+            </a:pPr>
+            <a:r>
+              <a:rPr lang="ru-RU" sz="1600" b="1" dirty="0" smtClean="0">
+                <a:solidFill>
+                  <a:schemeClr val="bg1">
+                    <a:lumMod val="95000"/>
+                  </a:schemeClr>
+                </a:solidFill>
+                <a:effectLst>
+                  <a:outerShdw blurRad="38100" dist="38100" dir="2700000" algn="tl">
+                    <a:srgbClr val="000000">
+                      <a:alpha val="43137"/>
+                    </a:srgbClr>
+                  </a:outerShdw>
+                </a:effectLst>
+                <a:latin typeface="Segoe UI" panose="020B0502040204020203" pitchFamily="34" charset="0"/>
+                <a:ea typeface="Times New Roman" panose="02020603050405020304" pitchFamily="18" charset="0"/>
+              </a:rPr>
+              <a:t>3.Мониторить </a:t>
+            </a:r>
+            <a:r>
+              <a:rPr lang="ru-RU" sz="1600" b="1" dirty="0">
+                <a:solidFill>
+                  <a:schemeClr val="bg1">
+                    <a:lumMod val="95000"/>
+                  </a:schemeClr>
+                </a:solidFill>
+                <a:effectLst>
+                  <a:outerShdw blurRad="38100" dist="38100" dir="2700000" algn="tl">
+                    <a:srgbClr val="000000">
+                      <a:alpha val="43137"/>
+                    </a:srgbClr>
+                  </a:outerShdw>
+                </a:effectLst>
+                <a:latin typeface="Segoe UI" panose="020B0502040204020203" pitchFamily="34" charset="0"/>
+                <a:ea typeface="Times New Roman" panose="02020603050405020304" pitchFamily="18" charset="0"/>
+              </a:rPr>
+              <a:t>задачи с высоким σ: еженедельный пересмотр оценок</a:t>
+            </a:r>
+          </a:p>
+          <a:p>
+            <a:pPr>
+              <a:spcBef>
+                <a:spcPts val="1200"/>
+              </a:spcBef>
+              <a:spcAft>
+                <a:spcPts val="1200"/>
+              </a:spcAft>
+            </a:pPr>
+            <a:r>
+              <a:rPr lang="ru-RU" sz="1600" b="1" dirty="0" smtClean="0">
+                <a:solidFill>
+                  <a:schemeClr val="bg1">
+                    <a:lumMod val="95000"/>
+                  </a:schemeClr>
+                </a:solidFill>
+                <a:effectLst>
+                  <a:outerShdw blurRad="38100" dist="38100" dir="2700000" algn="tl">
+                    <a:srgbClr val="000000">
+                      <a:alpha val="43137"/>
+                    </a:srgbClr>
+                  </a:outerShdw>
+                </a:effectLst>
+                <a:latin typeface="Segoe UI" panose="020B0502040204020203" pitchFamily="34" charset="0"/>
+                <a:ea typeface="Times New Roman" panose="02020603050405020304" pitchFamily="18" charset="0"/>
+              </a:rPr>
+              <a:t>4.Разработать </a:t>
+            </a:r>
+            <a:r>
+              <a:rPr lang="ru-RU" sz="1600" b="1" dirty="0" err="1">
+                <a:solidFill>
+                  <a:schemeClr val="bg1">
+                    <a:lumMod val="95000"/>
+                  </a:schemeClr>
+                </a:solidFill>
+                <a:effectLst>
+                  <a:outerShdw blurRad="38100" dist="38100" dir="2700000" algn="tl">
+                    <a:srgbClr val="000000">
+                      <a:alpha val="43137"/>
+                    </a:srgbClr>
+                  </a:outerShdw>
+                </a:effectLst>
+                <a:latin typeface="Segoe UI" panose="020B0502040204020203" pitchFamily="34" charset="0"/>
+                <a:ea typeface="Times New Roman" panose="02020603050405020304" pitchFamily="18" charset="0"/>
+              </a:rPr>
+              <a:t>fallback</a:t>
+            </a:r>
+            <a:r>
+              <a:rPr lang="ru-RU" sz="1600" b="1" dirty="0">
+                <a:solidFill>
+                  <a:schemeClr val="bg1">
+                    <a:lumMod val="95000"/>
+                  </a:schemeClr>
+                </a:solidFill>
+                <a:effectLst>
+                  <a:outerShdw blurRad="38100" dist="38100" dir="2700000" algn="tl">
+                    <a:srgbClr val="000000">
+                      <a:alpha val="43137"/>
+                    </a:srgbClr>
+                  </a:outerShdw>
+                </a:effectLst>
+                <a:latin typeface="Segoe UI" panose="020B0502040204020203" pitchFamily="34" charset="0"/>
+                <a:ea typeface="Times New Roman" panose="02020603050405020304" pitchFamily="18" charset="0"/>
+              </a:rPr>
+              <a:t>-планы: например, упрощённая версия без некоторых </a:t>
+            </a:r>
+            <a:r>
+              <a:rPr lang="ru-RU" sz="1600" b="1" dirty="0" err="1">
+                <a:solidFill>
+                  <a:schemeClr val="bg1">
+                    <a:lumMod val="95000"/>
+                  </a:schemeClr>
+                </a:solidFill>
+                <a:effectLst>
+                  <a:outerShdw blurRad="38100" dist="38100" dir="2700000" algn="tl">
+                    <a:srgbClr val="000000">
+                      <a:alpha val="43137"/>
+                    </a:srgbClr>
+                  </a:outerShdw>
+                </a:effectLst>
+                <a:latin typeface="Segoe UI" panose="020B0502040204020203" pitchFamily="34" charset="0"/>
+                <a:ea typeface="Times New Roman" panose="02020603050405020304" pitchFamily="18" charset="0"/>
+              </a:rPr>
+              <a:t>фич</a:t>
+            </a:r>
+            <a:endParaRPr lang="ru-RU" sz="1600" b="1" dirty="0">
+              <a:solidFill>
+                <a:schemeClr val="bg1">
+                  <a:lumMod val="95000"/>
+                </a:schemeClr>
+              </a:solidFill>
+              <a:effectLst>
+                <a:outerShdw blurRad="38100" dist="38100" dir="2700000" algn="tl">
+                  <a:srgbClr val="000000">
+                    <a:alpha val="43137"/>
+                  </a:srgbClr>
+                </a:outerShdw>
+              </a:effectLst>
+              <a:latin typeface="Segoe UI" panose="020B0502040204020203" pitchFamily="34" charset="0"/>
+              <a:ea typeface="Times New Roman" panose="02020603050405020304" pitchFamily="18" charset="0"/>
+            </a:endParaRPr>
+          </a:p>
+          <a:p>
+            <a:pPr>
+              <a:spcBef>
+                <a:spcPts val="1200"/>
+              </a:spcBef>
+              <a:spcAft>
+                <a:spcPts val="1200"/>
+              </a:spcAft>
+            </a:pPr>
+            <a:r>
+              <a:rPr lang="ru-RU" sz="1600" b="1" dirty="0" smtClean="0">
+                <a:solidFill>
+                  <a:schemeClr val="bg1">
+                    <a:lumMod val="95000"/>
+                  </a:schemeClr>
+                </a:solidFill>
+                <a:effectLst>
+                  <a:outerShdw blurRad="38100" dist="38100" dir="2700000" algn="tl">
+                    <a:srgbClr val="000000">
+                      <a:alpha val="43137"/>
+                    </a:srgbClr>
+                  </a:outerShdw>
+                </a:effectLst>
+                <a:latin typeface="Segoe UI" panose="020B0502040204020203" pitchFamily="34" charset="0"/>
+                <a:ea typeface="Times New Roman" panose="02020603050405020304" pitchFamily="18" charset="0"/>
+              </a:rPr>
+              <a:t>5.Коммуницировать </a:t>
+            </a:r>
+            <a:r>
+              <a:rPr lang="ru-RU" sz="1600" b="1" dirty="0">
+                <a:solidFill>
+                  <a:schemeClr val="bg1">
+                    <a:lumMod val="95000"/>
+                  </a:schemeClr>
+                </a:solidFill>
+                <a:effectLst>
+                  <a:outerShdw blurRad="38100" dist="38100" dir="2700000" algn="tl">
+                    <a:srgbClr val="000000">
+                      <a:alpha val="43137"/>
+                    </a:srgbClr>
+                  </a:outerShdw>
+                </a:effectLst>
+                <a:latin typeface="Segoe UI" panose="020B0502040204020203" pitchFamily="34" charset="0"/>
+                <a:ea typeface="Times New Roman" panose="02020603050405020304" pitchFamily="18" charset="0"/>
+              </a:rPr>
+              <a:t>диапазоны: </a:t>
+            </a:r>
+            <a:r>
+              <a:rPr lang="ru-RU" sz="1600" b="1" dirty="0" err="1">
+                <a:solidFill>
+                  <a:schemeClr val="bg1">
+                    <a:lumMod val="95000"/>
+                  </a:schemeClr>
+                </a:solidFill>
+                <a:effectLst>
+                  <a:outerShdw blurRad="38100" dist="38100" dir="2700000" algn="tl">
+                    <a:srgbClr val="000000">
+                      <a:alpha val="43137"/>
+                    </a:srgbClr>
+                  </a:outerShdw>
+                </a:effectLst>
+                <a:latin typeface="Segoe UI" panose="020B0502040204020203" pitchFamily="34" charset="0"/>
+                <a:ea typeface="Times New Roman" panose="02020603050405020304" pitchFamily="18" charset="0"/>
+              </a:rPr>
+              <a:t>стейкхолдерам</a:t>
+            </a:r>
+            <a:r>
+              <a:rPr lang="ru-RU" sz="1600" b="1" dirty="0">
+                <a:solidFill>
+                  <a:schemeClr val="bg1">
+                    <a:lumMod val="95000"/>
+                  </a:schemeClr>
+                </a:solidFill>
+                <a:effectLst>
+                  <a:outerShdw blurRad="38100" dist="38100" dir="2700000" algn="tl">
+                    <a:srgbClr val="000000">
+                      <a:alpha val="43137"/>
+                    </a:srgbClr>
+                  </a:outerShdw>
+                </a:effectLst>
+                <a:latin typeface="Segoe UI" panose="020B0502040204020203" pitchFamily="34" charset="0"/>
+                <a:ea typeface="Times New Roman" panose="02020603050405020304" pitchFamily="18" charset="0"/>
+              </a:rPr>
+              <a:t> говорить "14-21 неделя, наиболее вероятно 16"</a:t>
+            </a:r>
+          </a:p>
+        </p:txBody>
+      </p:sp>
+    </p:spTree>
+    <p:extLst>
+      <p:ext uri="{BB962C8B-B14F-4D97-AF65-F5344CB8AC3E}">
+        <p14:creationId xmlns:p14="http://schemas.microsoft.com/office/powerpoint/2010/main" val="4052773425"/>
       </p:ext>
     </p:extLst>
   </p:cSld>
